--- a/PalMod2022/docs/1_Introduction.pptx
+++ b/PalMod2022/docs/1_Introduction.pptx
@@ -14963,24 +14963,45 @@
           <a:lstStyle/>
           <a:p>
             <a:r>
-              <a:rPr lang="tr-TR" sz="2400" b="1"/>
-              <a:t>Dr. Miguel Andrés-Martínez </a:t>
-            </a:r>
-          </a:p>
-          <a:p>
-            <a:r>
-              <a:rPr lang="tr-TR" sz="2400"/>
-              <a:t>AWI, Climate Dynamics</a:t>
-            </a:r>
-          </a:p>
-          <a:p>
-            <a:r>
-              <a:rPr lang="tr-TR" sz="2400"/>
+              <a:rPr lang="tr-TR" sz="2400" b="1" dirty="0" err="1"/>
+              <a:t>Miguel</a:t>
+            </a:r>
+            <a:r>
+              <a:rPr lang="tr-TR" sz="2400" b="1" dirty="0"/>
+              <a:t> </a:t>
+            </a:r>
+            <a:r>
+              <a:rPr lang="tr-TR" sz="2400" b="1" dirty="0" err="1"/>
+              <a:t>Andrés-Martínez</a:t>
+            </a:r>
+            <a:r>
+              <a:rPr lang="tr-TR" sz="2400" b="1" dirty="0"/>
+              <a:t> </a:t>
+            </a:r>
+          </a:p>
+          <a:p>
+            <a:r>
+              <a:rPr lang="tr-TR" sz="2400" dirty="0"/>
+              <a:t>AWI, </a:t>
+            </a:r>
+            <a:r>
+              <a:rPr lang="tr-TR" sz="2400" dirty="0" err="1"/>
+              <a:t>Climate</a:t>
+            </a:r>
+            <a:r>
+              <a:rPr lang="tr-TR" sz="2400" dirty="0"/>
+              <a:t> Dynamics</a:t>
+            </a:r>
+          </a:p>
+          <a:p>
+            <a:r>
+              <a:rPr lang="tr-TR" sz="2400" dirty="0" err="1"/>
               <a:t>Bremerhaven</a:t>
             </a:r>
-          </a:p>
-          <a:p>
-            <a:endParaRPr lang="tr-TR"/>
+            <a:endParaRPr lang="tr-TR" sz="2400" dirty="0"/>
+          </a:p>
+          <a:p>
+            <a:endParaRPr lang="tr-TR" dirty="0"/>
           </a:p>
         </p:txBody>
       </p:sp>

--- a/PalMod2022/docs/1_Introduction.pptx
+++ b/PalMod2022/docs/1_Introduction.pptx
@@ -535,8 +535,20 @@
           <a:lstStyle/>
           <a:p>
             <a:r>
-              <a:rPr lang="tr-TR"/>
-              <a:t>This is for Deniz</a:t>
+              <a:rPr lang="tr-TR" dirty="0" err="1"/>
+              <a:t>This</a:t>
+            </a:r>
+            <a:r>
+              <a:rPr lang="tr-TR" dirty="0"/>
+              <a:t> is </a:t>
+            </a:r>
+            <a:r>
+              <a:rPr lang="tr-TR" dirty="0" err="1"/>
+              <a:t>for</a:t>
+            </a:r>
+            <a:r>
+              <a:rPr lang="tr-TR" dirty="0"/>
+              <a:t> Deniz</a:t>
             </a:r>
           </a:p>
         </p:txBody>
@@ -28919,14 +28931,14 @@
           <p:nvPr>
             <p:extLst>
               <p:ext uri="{D42A27DB-BD31-4B8C-83A1-F6EECF244321}">
-                <p14:modId xmlns:p14="http://schemas.microsoft.com/office/powerpoint/2010/main" val="3795696782"/>
+                <p14:modId xmlns:p14="http://schemas.microsoft.com/office/powerpoint/2010/main" val="2989177765"/>
               </p:ext>
             </p:extLst>
           </p:nvPr>
         </p:nvGraphicFramePr>
         <p:xfrm>
           <a:off x="324052" y="2250529"/>
-          <a:ext cx="7530644" cy="3945496"/>
+          <a:ext cx="7530644" cy="3879045"/>
         </p:xfrm>
         <a:graphic>
           <a:graphicData uri="http://schemas.openxmlformats.org/drawingml/2006/table">
@@ -29811,29 +29823,6 @@
                         <a:t>Build and run FESOM</a:t>
                       </a:r>
                     </a:p>
-                    <a:p>
-                      <a:pPr marL="285750" indent="-285750" algn="just" rtl="0" fontAlgn="t">
-                        <a:spcBef>
-                          <a:spcPts val="0"/>
-                        </a:spcBef>
-                        <a:spcAft>
-                          <a:spcPts val="0"/>
-                        </a:spcAft>
-                        <a:buFont typeface="Arial" panose="020B0604020202020204" pitchFamily="34" charset="0"/>
-                        <a:buChar char="•"/>
-                      </a:pPr>
-                      <a:r>
-                        <a:rPr lang="en-US" sz="1400" b="0" i="0" u="none" strike="noStrike" dirty="0">
-                          <a:solidFill>
-                            <a:srgbClr val="000000"/>
-                          </a:solidFill>
-                          <a:effectLst/>
-                          <a:latin typeface="+mn-lt"/>
-                          <a:cs typeface="Arial" panose="020B0604020202020204" pitchFamily="34" charset="0"/>
-                        </a:rPr>
-                        <a:t>Build and run AWI-ESM-2.1</a:t>
-                      </a:r>
-                    </a:p>
                   </a:txBody>
                   <a:tcPr marL="63500" marR="63500" marT="63500" marB="63500">
                     <a:lnL w="12700" cap="flat" cmpd="sng" algn="ctr">
@@ -30537,20 +30526,9 @@
                           <a:latin typeface="+mn-lt"/>
                           <a:cs typeface="Arial" panose="020B0604020202020204" pitchFamily="34" charset="0"/>
                         </a:rPr>
-                        <a:t>Introduction to the workflow manager (</a:t>
+                        <a:t>Introduction to the workflow manager (offline coupling)</a:t>
                       </a:r>
-                      <a:r>
-                        <a:rPr lang="en-US" sz="1400" b="0" i="0" u="none" strike="noStrike">
-                          <a:solidFill>
-                            <a:srgbClr val="000000"/>
-                          </a:solidFill>
-                          <a:effectLst/>
-                          <a:latin typeface="+mn-lt"/>
-                          <a:cs typeface="Arial" panose="020B0604020202020204" pitchFamily="34" charset="0"/>
-                        </a:rPr>
-                        <a:t>offline coupling)</a:t>
-                      </a:r>
-                      <a:endParaRPr lang="tr-TR" sz="1400" b="0" i="0" u="none" strike="noStrike">
+                      <a:endParaRPr lang="tr-TR" sz="1400" b="0" i="0" u="none" strike="noStrike" dirty="0">
                         <a:solidFill>
                           <a:srgbClr val="000000"/>
                         </a:solidFill>
@@ -30569,17 +30547,6 @@
                         </a:spcAft>
                       </a:pPr>
                       <a:r>
-                        <a:rPr lang="en-US" sz="1400" b="0" i="0" u="none" strike="noStrike">
-                          <a:solidFill>
-                            <a:srgbClr val="000000"/>
-                          </a:solidFill>
-                          <a:effectLst/>
-                          <a:latin typeface="+mn-lt"/>
-                          <a:cs typeface="Arial" panose="020B0604020202020204" pitchFamily="34" charset="0"/>
-                        </a:rPr>
-                        <a:t>and machine </a:t>
-                      </a:r>
-                      <a:r>
                         <a:rPr lang="en-US" sz="1400" b="0" i="0" u="none" strike="noStrike" dirty="0">
                           <a:solidFill>
                             <a:srgbClr val="000000"/>
@@ -30588,7 +30555,7 @@
                           <a:latin typeface="+mn-lt"/>
                           <a:cs typeface="Arial" panose="020B0604020202020204" pitchFamily="34" charset="0"/>
                         </a:rPr>
-                        <a:t>environments</a:t>
+                        <a:t>and machine environments</a:t>
                       </a:r>
                       <a:endParaRPr lang="en-US" sz="2400" dirty="0">
                         <a:effectLst/>

--- a/PalMod2022/docs/1_Introduction.pptx
+++ b/PalMod2022/docs/1_Introduction.pptx
@@ -17462,7 +17462,13 @@
           <p:cNvGraphicFramePr>
             <a:graphicFrameLocks noGrp="1"/>
           </p:cNvGraphicFramePr>
-          <p:nvPr/>
+          <p:nvPr>
+            <p:extLst>
+              <p:ext uri="{D42A27DB-BD31-4B8C-83A1-F6EECF244321}">
+                <p14:modId xmlns:p14="http://schemas.microsoft.com/office/powerpoint/2010/main" val="1234193075"/>
+              </p:ext>
+            </p:extLst>
+          </p:nvPr>
         </p:nvGraphicFramePr>
         <p:xfrm>
           <a:off x="161197" y="1400386"/>
@@ -17530,8 +17536,8 @@
                     <a:lstStyle/>
                     <a:p>
                       <a:r>
-                        <a:rPr lang="tr-TR" sz="1200"/>
-                        <a:t>FOCI</a:t>
+                        <a:rPr lang="tr-TR" sz="1200" dirty="0"/>
+                        <a:t>AWI-CM1</a:t>
                       </a:r>
                     </a:p>
                   </a:txBody>
@@ -17543,9 +17549,10 @@
                     <a:lstStyle/>
                     <a:p>
                       <a:r>
-                        <a:rPr lang="tr-TR" sz="1200"/>
-                        <a:t>VILMA</a:t>
+                        <a:rPr lang="tr-TR" sz="1200" b="1" dirty="0"/>
+                        <a:t>ECHAM</a:t>
                       </a:r>
+                      <a:endParaRPr lang="tr-TR" sz="1200" dirty="0"/>
                     </a:p>
                   </a:txBody>
                   <a:tcPr/>
@@ -17563,8 +17570,8 @@
                     <a:lstStyle/>
                     <a:p>
                       <a:r>
-                        <a:rPr lang="tr-TR" sz="1200"/>
-                        <a:t>FOCI-OIFS</a:t>
+                        <a:rPr lang="tr-TR" sz="1200" b="1" dirty="0"/>
+                        <a:t>AWI-CM3</a:t>
                       </a:r>
                     </a:p>
                   </a:txBody>
@@ -17576,8 +17583,8 @@
                     <a:lstStyle/>
                     <a:p>
                       <a:r>
-                        <a:rPr lang="tr-TR" sz="1200"/>
-                        <a:t>ICON</a:t>
+                        <a:rPr lang="tr-TR" sz="1200" b="1" dirty="0"/>
+                        <a:t>FESOM</a:t>
                       </a:r>
                     </a:p>
                   </a:txBody>
@@ -17596,8 +17603,8 @@
                     <a:lstStyle/>
                     <a:p>
                       <a:r>
-                        <a:rPr lang="tr-TR" sz="1200"/>
-                        <a:t>FESOM-REcoM</a:t>
+                        <a:rPr lang="tr-TR" sz="1200" b="1" dirty="0"/>
+                        <a:t>AWI-ESM-2.1</a:t>
                       </a:r>
                     </a:p>
                   </a:txBody>
@@ -17609,8 +17616,8 @@
                     <a:lstStyle/>
                     <a:p>
                       <a:r>
-                        <a:rPr lang="tr-TR" sz="1200"/>
-                        <a:t>NEMO</a:t>
+                        <a:rPr lang="tr-TR" sz="1200" dirty="0"/>
+                        <a:t>ICON</a:t>
                       </a:r>
                     </a:p>
                   </a:txBody>
@@ -17628,10 +17635,32 @@
                     <a:bodyPr/>
                     <a:lstStyle/>
                     <a:p>
+                      <a:pPr marL="0" marR="0" lvl="0" indent="0" algn="l" defTabSz="914400" rtl="0" eaLnBrk="1" fontAlgn="auto" latinLnBrk="0" hangingPunct="1">
+                        <a:lnSpc>
+                          <a:spcPct val="100000"/>
+                        </a:lnSpc>
+                        <a:spcBef>
+                          <a:spcPts val="0"/>
+                        </a:spcBef>
+                        <a:spcAft>
+                          <a:spcPts val="0"/>
+                        </a:spcAft>
+                        <a:buClrTx/>
+                        <a:buSzTx/>
+                        <a:buFontTx/>
+                        <a:buNone/>
+                        <a:tabLst/>
+                        <a:defRPr/>
+                      </a:pPr>
                       <a:r>
-                        <a:rPr lang="tr-TR" sz="1200"/>
-                        <a:t>AWIESM</a:t>
+                        <a:rPr lang="tr-TR" sz="1200" b="1" dirty="0"/>
+                        <a:t>FESOM-</a:t>
                       </a:r>
+                      <a:r>
+                        <a:rPr lang="tr-TR" sz="1200" b="1" dirty="0" err="1"/>
+                        <a:t>REcoM</a:t>
+                      </a:r>
+                      <a:endParaRPr lang="tr-TR" sz="1200" b="1" dirty="0"/>
                     </a:p>
                   </a:txBody>
                   <a:tcPr/>
@@ -17642,8 +17671,8 @@
                     <a:lstStyle/>
                     <a:p>
                       <a:r>
-                        <a:rPr lang="tr-TR" sz="1200"/>
-                        <a:t>REcoM</a:t>
+                        <a:rPr lang="tr-TR" sz="1200" b="1" dirty="0"/>
+                        <a:t>NEMO</a:t>
                       </a:r>
                     </a:p>
                   </a:txBody>
@@ -17662,8 +17691,8 @@
                     <a:lstStyle/>
                     <a:p>
                       <a:r>
-                        <a:rPr lang="tr-TR" sz="1200"/>
-                        <a:t>OIFSCL</a:t>
+                        <a:rPr lang="tr-TR" sz="1200" b="1" dirty="0"/>
+                        <a:t>FOCI</a:t>
                       </a:r>
                     </a:p>
                   </a:txBody>
@@ -17675,8 +17704,8 @@
                     <a:lstStyle/>
                     <a:p>
                       <a:r>
-                        <a:rPr lang="tr-TR" sz="1200"/>
-                        <a:t>AMIP</a:t>
+                        <a:rPr lang="tr-TR" sz="1200" b="1" dirty="0"/>
+                        <a:t>OASIS3MCT</a:t>
                       </a:r>
                     </a:p>
                   </a:txBody>
@@ -17695,8 +17724,8 @@
                     <a:lstStyle/>
                     <a:p>
                       <a:r>
-                        <a:rPr lang="tr-TR" sz="1200"/>
-                        <a:t>AWICM</a:t>
+                        <a:rPr lang="tr-TR" sz="1200" b="1" dirty="0"/>
+                        <a:t>FOCI-OIFS</a:t>
                       </a:r>
                     </a:p>
                   </a:txBody>
@@ -17708,9 +17737,10 @@
                     <a:lstStyle/>
                     <a:p>
                       <a:r>
-                        <a:rPr lang="tr-TR" sz="1200"/>
-                        <a:t>debm</a:t>
+                        <a:rPr lang="tr-TR" sz="1200" b="1" dirty="0" err="1"/>
+                        <a:t>OpenIFS</a:t>
                       </a:r>
+                      <a:endParaRPr lang="tr-TR" sz="1200" b="1" dirty="0"/>
                     </a:p>
                   </a:txBody>
                   <a:tcPr/>
@@ -17727,10 +17757,7 @@
                     <a:bodyPr/>
                     <a:lstStyle/>
                     <a:p>
-                      <a:r>
-                        <a:rPr lang="tr-TR" sz="1200"/>
-                        <a:t>AWICM3</a:t>
-                      </a:r>
+                      <a:endParaRPr lang="tr-TR" sz="1200" dirty="0"/>
                     </a:p>
                   </a:txBody>
                   <a:tcPr/>
@@ -17741,8 +17768,8 @@
                     <a:lstStyle/>
                     <a:p>
                       <a:r>
-                        <a:rPr lang="tr-TR" sz="1200"/>
-                        <a:t>FESOM</a:t>
+                        <a:rPr lang="tr-TR" sz="1200" b="1" dirty="0"/>
+                        <a:t>PISM</a:t>
                       </a:r>
                     </a:p>
                   </a:txBody>
@@ -17760,10 +17787,7 @@
                     <a:bodyPr/>
                     <a:lstStyle/>
                     <a:p>
-                      <a:r>
-                        <a:rPr lang="tr-TR" sz="1200"/>
-                        <a:t>OIFSAMIP</a:t>
-                      </a:r>
+                      <a:endParaRPr lang="tr-TR" sz="1200" dirty="0"/>
                     </a:p>
                   </a:txBody>
                   <a:tcPr/>
@@ -17774,9 +17798,10 @@
                     <a:lstStyle/>
                     <a:p>
                       <a:r>
-                        <a:rPr lang="tr-TR" sz="1200"/>
-                        <a:t>scope</a:t>
+                        <a:rPr lang="tr-TR" sz="1200" b="1" dirty="0" err="1"/>
+                        <a:t>REcoM</a:t>
                       </a:r>
+                      <a:endParaRPr lang="tr-TR" sz="1200" b="1" dirty="0"/>
                     </a:p>
                   </a:txBody>
                   <a:tcPr/>
@@ -17793,10 +17818,7 @@
                     <a:bodyPr/>
                     <a:lstStyle/>
                     <a:p>
-                      <a:r>
-                        <a:rPr lang="tr-TR" sz="1200"/>
-                        <a:t>AWICMCR</a:t>
-                      </a:r>
+                      <a:endParaRPr lang="tr-TR" sz="1200" dirty="0"/>
                     </a:p>
                   </a:txBody>
                   <a:tcPr/>
@@ -17806,9 +17828,26 @@
                     <a:bodyPr/>
                     <a:lstStyle/>
                     <a:p>
+                      <a:pPr marL="0" marR="0" lvl="0" indent="0" algn="l" defTabSz="914400" rtl="0" eaLnBrk="1" fontAlgn="auto" latinLnBrk="0" hangingPunct="1">
+                        <a:lnSpc>
+                          <a:spcPct val="100000"/>
+                        </a:lnSpc>
+                        <a:spcBef>
+                          <a:spcPts val="0"/>
+                        </a:spcBef>
+                        <a:spcAft>
+                          <a:spcPts val="0"/>
+                        </a:spcAft>
+                        <a:buClrTx/>
+                        <a:buSzTx/>
+                        <a:buFontTx/>
+                        <a:buNone/>
+                        <a:tabLst/>
+                        <a:defRPr/>
+                      </a:pPr>
                       <a:r>
-                        <a:rPr lang="tr-TR" sz="1200"/>
-                        <a:t>xios</a:t>
+                        <a:rPr lang="tr-TR" sz="1200" dirty="0"/>
+                        <a:t>RNFMAP</a:t>
                       </a:r>
                     </a:p>
                   </a:txBody>
@@ -17826,10 +17865,7 @@
                     <a:bodyPr/>
                     <a:lstStyle/>
                     <a:p>
-                      <a:r>
-                        <a:rPr lang="tr-TR" sz="1200"/>
-                        <a:t>MPIESM</a:t>
-                      </a:r>
+                      <a:endParaRPr lang="tr-TR" sz="1200" b="1" dirty="0"/>
                     </a:p>
                   </a:txBody>
                   <a:tcPr/>
@@ -17840,9 +17876,10 @@
                     <a:lstStyle/>
                     <a:p>
                       <a:r>
-                        <a:rPr lang="tr-TR" sz="1200"/>
-                        <a:t>Echam</a:t>
+                        <a:rPr lang="tr-TR" sz="1200" b="1" dirty="0"/>
+                        <a:t>VILMA</a:t>
                       </a:r>
+                      <a:endParaRPr lang="tr-TR" sz="1200" dirty="0"/>
                     </a:p>
                   </a:txBody>
                   <a:tcPr/>
@@ -17859,7 +17896,7 @@
                     <a:bodyPr/>
                     <a:lstStyle/>
                     <a:p>
-                      <a:endParaRPr lang="tr-TR" sz="1200"/>
+                      <a:endParaRPr lang="tr-TR" sz="1200" dirty="0"/>
                     </a:p>
                   </a:txBody>
                   <a:tcPr/>
@@ -17870,9 +17907,10 @@
                     <a:lstStyle/>
                     <a:p>
                       <a:r>
-                        <a:rPr lang="tr-TR" sz="1200"/>
-                        <a:t>YAC</a:t>
+                        <a:rPr lang="tr-TR" sz="1200" dirty="0" err="1"/>
+                        <a:t>xios</a:t>
                       </a:r>
+                      <a:endParaRPr lang="tr-TR" sz="1200" dirty="0"/>
                     </a:p>
                   </a:txBody>
                   <a:tcPr/>
@@ -17889,7 +17927,7 @@
                     <a:bodyPr/>
                     <a:lstStyle/>
                     <a:p>
-                      <a:endParaRPr lang="tr-TR" sz="1200"/>
+                      <a:endParaRPr lang="tr-TR" sz="1200" b="1" dirty="0"/>
                     </a:p>
                   </a:txBody>
                   <a:tcPr/>
@@ -17900,8 +17938,8 @@
                     <a:lstStyle/>
                     <a:p>
                       <a:r>
-                        <a:rPr lang="tr-TR" sz="1200"/>
-                        <a:t>fesom_mesh_part</a:t>
+                        <a:rPr lang="tr-TR" sz="1200" dirty="0"/>
+                        <a:t>YAC</a:t>
                       </a:r>
                     </a:p>
                   </a:txBody>
@@ -17919,7 +17957,7 @@
                     <a:bodyPr/>
                     <a:lstStyle/>
                     <a:p>
-                      <a:endParaRPr lang="tr-TR" sz="1200"/>
+                      <a:endParaRPr lang="tr-TR" sz="1200" b="1" dirty="0"/>
                     </a:p>
                   </a:txBody>
                   <a:tcPr/>
@@ -17929,10 +17967,7 @@
                     <a:bodyPr/>
                     <a:lstStyle/>
                     <a:p>
-                      <a:r>
-                        <a:rPr lang="tr-TR" sz="1200"/>
-                        <a:t>oasis3mct</a:t>
-                      </a:r>
+                      <a:endParaRPr lang="tr-TR" sz="1200" b="1" dirty="0"/>
                     </a:p>
                   </a:txBody>
                   <a:tcPr/>
@@ -17949,7 +17984,7 @@
                     <a:bodyPr/>
                     <a:lstStyle/>
                     <a:p>
-                      <a:endParaRPr lang="tr-TR" sz="1200"/>
+                      <a:endParaRPr lang="tr-TR" sz="1200" b="1" dirty="0"/>
                     </a:p>
                   </a:txBody>
                   <a:tcPr/>
@@ -17959,10 +17994,7 @@
                     <a:bodyPr/>
                     <a:lstStyle/>
                     <a:p>
-                      <a:r>
-                        <a:rPr lang="tr-TR" sz="1200"/>
-                        <a:t>rnfmap</a:t>
-                      </a:r>
+                      <a:endParaRPr lang="tr-TR" sz="1200" b="1" dirty="0"/>
                     </a:p>
                   </a:txBody>
                   <a:tcPr/>
@@ -17979,7 +18011,7 @@
                     <a:bodyPr/>
                     <a:lstStyle/>
                     <a:p>
-                      <a:endParaRPr lang="tr-TR" sz="1200"/>
+                      <a:endParaRPr lang="tr-TR" sz="1200" b="1" dirty="0"/>
                     </a:p>
                   </a:txBody>
                   <a:tcPr/>
@@ -17989,10 +18021,7 @@
                     <a:bodyPr/>
                     <a:lstStyle/>
                     <a:p>
-                      <a:r>
-                        <a:rPr lang="tr-TR" sz="1200"/>
-                        <a:t>MPIOM</a:t>
-                      </a:r>
+                      <a:endParaRPr lang="tr-TR" sz="1200" dirty="0"/>
                     </a:p>
                   </a:txBody>
                   <a:tcPr/>
@@ -18009,7 +18038,7 @@
                     <a:bodyPr/>
                     <a:lstStyle/>
                     <a:p>
-                      <a:endParaRPr lang="tr-TR" sz="1200"/>
+                      <a:endParaRPr lang="tr-TR" sz="1200" b="1" dirty="0"/>
                     </a:p>
                   </a:txBody>
                   <a:tcPr/>
@@ -18019,10 +18048,7 @@
                     <a:bodyPr/>
                     <a:lstStyle/>
                     <a:p>
-                      <a:r>
-                        <a:rPr lang="tr-TR" sz="1200"/>
-                        <a:t>PISM</a:t>
-                      </a:r>
+                      <a:endParaRPr lang="tr-TR" sz="1200" dirty="0"/>
                     </a:p>
                   </a:txBody>
                   <a:tcPr/>
@@ -18039,7 +18065,24 @@
                     <a:bodyPr/>
                     <a:lstStyle/>
                     <a:p>
-                      <a:endParaRPr lang="tr-TR" sz="1200"/>
+                      <a:pPr marL="0" marR="0" lvl="0" indent="0" algn="l" defTabSz="914400" rtl="0" eaLnBrk="1" fontAlgn="auto" latinLnBrk="0" hangingPunct="1">
+                        <a:lnSpc>
+                          <a:spcPct val="100000"/>
+                        </a:lnSpc>
+                        <a:spcBef>
+                          <a:spcPts val="0"/>
+                        </a:spcBef>
+                        <a:spcAft>
+                          <a:spcPts val="0"/>
+                        </a:spcAft>
+                        <a:buClrTx/>
+                        <a:buSzTx/>
+                        <a:buFontTx/>
+                        <a:buNone/>
+                        <a:tabLst/>
+                        <a:defRPr/>
+                      </a:pPr>
+                      <a:endParaRPr lang="tr-TR" sz="1200" dirty="0"/>
                     </a:p>
                   </a:txBody>
                   <a:tcPr/>
@@ -18049,10 +18092,7 @@
                     <a:bodyPr/>
                     <a:lstStyle/>
                     <a:p>
-                      <a:r>
-                        <a:rPr lang="tr-TR" sz="1200"/>
-                        <a:t>nemobasemodel</a:t>
-                      </a:r>
+                      <a:endParaRPr lang="tr-TR" sz="1200" dirty="0"/>
                     </a:p>
                   </a:txBody>
                   <a:tcPr/>
@@ -18069,7 +18109,7 @@
                     <a:bodyPr/>
                     <a:lstStyle/>
                     <a:p>
-                      <a:endParaRPr lang="tr-TR" sz="1200"/>
+                      <a:endParaRPr lang="tr-TR" sz="1200" dirty="0"/>
                     </a:p>
                   </a:txBody>
                   <a:tcPr/>
@@ -18079,10 +18119,7 @@
                     <a:bodyPr/>
                     <a:lstStyle/>
                     <a:p>
-                      <a:r>
-                        <a:rPr lang="tr-TR" sz="1200"/>
-                        <a:t>OIFS</a:t>
-                      </a:r>
+                      <a:endParaRPr lang="tr-TR" sz="1200" dirty="0"/>
                     </a:p>
                   </a:txBody>
                   <a:tcPr/>
@@ -18208,6 +18245,58 @@
               <a:rPr lang="tr-TR" sz="1000"/>
               <a:t>14 / 23</a:t>
             </a:r>
+          </a:p>
+        </p:txBody>
+      </p:sp>
+      <p:sp>
+        <p:nvSpPr>
+          <p:cNvPr id="3" name="Rectangle 2">
+            <a:extLst>
+              <a:ext uri="{FF2B5EF4-FFF2-40B4-BE49-F238E27FC236}">
+                <a16:creationId xmlns:a16="http://schemas.microsoft.com/office/drawing/2014/main" id="{81D475FE-A0EB-14CE-8A9A-6DD69C57DD59}"/>
+              </a:ext>
+            </a:extLst>
+          </p:cNvPr>
+          <p:cNvSpPr/>
+          <p:nvPr/>
+        </p:nvSpPr>
+        <p:spPr>
+          <a:xfrm>
+            <a:off x="10482349" y="2061556"/>
+            <a:ext cx="714895" cy="99753"/>
+          </a:xfrm>
+          <a:prstGeom prst="rect">
+            <a:avLst/>
+          </a:prstGeom>
+          <a:solidFill>
+            <a:schemeClr val="bg1"/>
+          </a:solidFill>
+          <a:ln>
+            <a:noFill/>
+          </a:ln>
+        </p:spPr>
+        <p:style>
+          <a:lnRef idx="2">
+            <a:schemeClr val="accent1">
+              <a:shade val="50000"/>
+            </a:schemeClr>
+          </a:lnRef>
+          <a:fillRef idx="1">
+            <a:schemeClr val="accent1"/>
+          </a:fillRef>
+          <a:effectRef idx="0">
+            <a:schemeClr val="accent1"/>
+          </a:effectRef>
+          <a:fontRef idx="minor">
+            <a:schemeClr val="lt1"/>
+          </a:fontRef>
+        </p:style>
+        <p:txBody>
+          <a:bodyPr rtlCol="0" anchor="ctr"/>
+          <a:lstStyle/>
+          <a:p>
+            <a:pPr algn="ctr"/>
+            <a:endParaRPr lang="en-GB"/>
           </a:p>
         </p:txBody>
       </p:sp>

--- a/PalMod2022/docs/1_Introduction.pptx
+++ b/PalMod2022/docs/1_Introduction.pptx
@@ -8,7 +8,7 @@
     <p:sldMasterId id="2147483684" r:id="rId4"/>
   </p:sldMasterIdLst>
   <p:notesMasterIdLst>
-    <p:notesMasterId r:id="rId28"/>
+    <p:notesMasterId r:id="rId27"/>
   </p:notesMasterIdLst>
   <p:sldIdLst>
     <p:sldId id="256" r:id="rId5"/>
@@ -16,24 +16,23 @@
     <p:sldId id="277" r:id="rId7"/>
     <p:sldId id="278" r:id="rId8"/>
     <p:sldId id="344" r:id="rId9"/>
-    <p:sldId id="257" r:id="rId10"/>
-    <p:sldId id="314" r:id="rId11"/>
-    <p:sldId id="337" r:id="rId12"/>
-    <p:sldId id="338" r:id="rId13"/>
-    <p:sldId id="306" r:id="rId14"/>
-    <p:sldId id="276" r:id="rId15"/>
-    <p:sldId id="266" r:id="rId16"/>
-    <p:sldId id="267" r:id="rId17"/>
-    <p:sldId id="273" r:id="rId18"/>
-    <p:sldId id="268" r:id="rId19"/>
-    <p:sldId id="270" r:id="rId20"/>
-    <p:sldId id="271" r:id="rId21"/>
-    <p:sldId id="279" r:id="rId22"/>
-    <p:sldId id="305" r:id="rId23"/>
-    <p:sldId id="274" r:id="rId24"/>
-    <p:sldId id="269" r:id="rId25"/>
-    <p:sldId id="259" r:id="rId26"/>
-    <p:sldId id="265" r:id="rId27"/>
+    <p:sldId id="314" r:id="rId10"/>
+    <p:sldId id="337" r:id="rId11"/>
+    <p:sldId id="338" r:id="rId12"/>
+    <p:sldId id="306" r:id="rId13"/>
+    <p:sldId id="276" r:id="rId14"/>
+    <p:sldId id="266" r:id="rId15"/>
+    <p:sldId id="267" r:id="rId16"/>
+    <p:sldId id="273" r:id="rId17"/>
+    <p:sldId id="268" r:id="rId18"/>
+    <p:sldId id="270" r:id="rId19"/>
+    <p:sldId id="271" r:id="rId20"/>
+    <p:sldId id="279" r:id="rId21"/>
+    <p:sldId id="305" r:id="rId22"/>
+    <p:sldId id="274" r:id="rId23"/>
+    <p:sldId id="269" r:id="rId24"/>
+    <p:sldId id="259" r:id="rId25"/>
+    <p:sldId id="265" r:id="rId26"/>
   </p:sldIdLst>
   <p:sldSz cx="12192000" cy="6858000"/>
   <p:notesSz cx="6858000" cy="9144000"/>
@@ -535,21 +534,10 @@
           <a:lstStyle/>
           <a:p>
             <a:r>
-              <a:rPr lang="tr-TR" dirty="0" err="1"/>
-              <a:t>This</a:t>
-            </a:r>
-            <a:r>
-              <a:rPr lang="tr-TR" dirty="0"/>
-              <a:t> is </a:t>
-            </a:r>
-            <a:r>
-              <a:rPr lang="tr-TR" dirty="0" err="1"/>
-              <a:t>for</a:t>
-            </a:r>
-            <a:r>
-              <a:rPr lang="tr-TR" dirty="0"/>
-              <a:t> Deniz</a:t>
-            </a:r>
+              <a:rPr lang="tr-TR" smtClean="0"/>
+              <a:t>Miguel</a:t>
+            </a:r>
+            <a:endParaRPr lang="tr-TR" dirty="0"/>
           </a:p>
         </p:txBody>
       </p:sp>
@@ -635,7 +623,7 @@
           <a:p>
             <a:r>
               <a:rPr lang="tr-TR"/>
-              <a:t>Miguel</a:t>
+              <a:t>Deniz</a:t>
             </a:r>
           </a:p>
         </p:txBody>
@@ -657,7 +645,7 @@
           <a:p>
             <a:fld id="{2C44A82D-0EB8-4BFC-931E-F0AB6B26A44C}" type="slidenum">
               <a:rPr lang="tr-TR" smtClean="0"/>
-              <a:t>13</a:t>
+              <a:t>11</a:t>
             </a:fld>
             <a:endParaRPr lang="tr-TR"/>
           </a:p>
@@ -666,7 +654,7 @@
     </p:spTree>
     <p:extLst>
       <p:ext uri="{BB962C8B-B14F-4D97-AF65-F5344CB8AC3E}">
-        <p14:creationId xmlns:p14="http://schemas.microsoft.com/office/powerpoint/2010/main" val="3251359231"/>
+        <p14:creationId xmlns:p14="http://schemas.microsoft.com/office/powerpoint/2010/main" val="2413571672"/>
       </p:ext>
     </p:extLst>
   </p:cSld>
@@ -744,7 +732,7 @@
           <a:p>
             <a:fld id="{2C44A82D-0EB8-4BFC-931E-F0AB6B26A44C}" type="slidenum">
               <a:rPr lang="tr-TR" smtClean="0"/>
-              <a:t>14</a:t>
+              <a:t>12</a:t>
             </a:fld>
             <a:endParaRPr lang="tr-TR"/>
           </a:p>
@@ -753,7 +741,7 @@
     </p:spTree>
     <p:extLst>
       <p:ext uri="{BB962C8B-B14F-4D97-AF65-F5344CB8AC3E}">
-        <p14:creationId xmlns:p14="http://schemas.microsoft.com/office/powerpoint/2010/main" val="702421239"/>
+        <p14:creationId xmlns:p14="http://schemas.microsoft.com/office/powerpoint/2010/main" val="3251359231"/>
       </p:ext>
     </p:extLst>
   </p:cSld>
@@ -809,7 +797,7 @@
           <a:p>
             <a:r>
               <a:rPr lang="tr-TR"/>
-              <a:t>Deniz</a:t>
+              <a:t>Miguel</a:t>
             </a:r>
           </a:p>
         </p:txBody>
@@ -831,7 +819,7 @@
           <a:p>
             <a:fld id="{2C44A82D-0EB8-4BFC-931E-F0AB6B26A44C}" type="slidenum">
               <a:rPr lang="tr-TR" smtClean="0"/>
-              <a:t>15</a:t>
+              <a:t>13</a:t>
             </a:fld>
             <a:endParaRPr lang="tr-TR"/>
           </a:p>
@@ -840,7 +828,7 @@
     </p:spTree>
     <p:extLst>
       <p:ext uri="{BB962C8B-B14F-4D97-AF65-F5344CB8AC3E}">
-        <p14:creationId xmlns:p14="http://schemas.microsoft.com/office/powerpoint/2010/main" val="2008573292"/>
+        <p14:creationId xmlns:p14="http://schemas.microsoft.com/office/powerpoint/2010/main" val="702421239"/>
       </p:ext>
     </p:extLst>
   </p:cSld>
@@ -918,7 +906,7 @@
           <a:p>
             <a:fld id="{2C44A82D-0EB8-4BFC-931E-F0AB6B26A44C}" type="slidenum">
               <a:rPr lang="tr-TR" smtClean="0"/>
-              <a:t>16</a:t>
+              <a:t>14</a:t>
             </a:fld>
             <a:endParaRPr lang="tr-TR"/>
           </a:p>
@@ -927,7 +915,7 @@
     </p:spTree>
     <p:extLst>
       <p:ext uri="{BB962C8B-B14F-4D97-AF65-F5344CB8AC3E}">
-        <p14:creationId xmlns:p14="http://schemas.microsoft.com/office/powerpoint/2010/main" val="1340752045"/>
+        <p14:creationId xmlns:p14="http://schemas.microsoft.com/office/powerpoint/2010/main" val="2008573292"/>
       </p:ext>
     </p:extLst>
   </p:cSld>
@@ -1005,7 +993,7 @@
           <a:p>
             <a:fld id="{2C44A82D-0EB8-4BFC-931E-F0AB6B26A44C}" type="slidenum">
               <a:rPr lang="tr-TR" smtClean="0"/>
-              <a:t>17</a:t>
+              <a:t>15</a:t>
             </a:fld>
             <a:endParaRPr lang="tr-TR"/>
           </a:p>
@@ -1014,7 +1002,7 @@
     </p:spTree>
     <p:extLst>
       <p:ext uri="{BB962C8B-B14F-4D97-AF65-F5344CB8AC3E}">
-        <p14:creationId xmlns:p14="http://schemas.microsoft.com/office/powerpoint/2010/main" val="2966154770"/>
+        <p14:creationId xmlns:p14="http://schemas.microsoft.com/office/powerpoint/2010/main" val="1340752045"/>
       </p:ext>
     </p:extLst>
   </p:cSld>
@@ -1092,7 +1080,7 @@
           <a:p>
             <a:fld id="{2C44A82D-0EB8-4BFC-931E-F0AB6B26A44C}" type="slidenum">
               <a:rPr lang="tr-TR" smtClean="0"/>
-              <a:t>18</a:t>
+              <a:t>16</a:t>
             </a:fld>
             <a:endParaRPr lang="tr-TR"/>
           </a:p>
@@ -1101,7 +1089,7 @@
     </p:spTree>
     <p:extLst>
       <p:ext uri="{BB962C8B-B14F-4D97-AF65-F5344CB8AC3E}">
-        <p14:creationId xmlns:p14="http://schemas.microsoft.com/office/powerpoint/2010/main" val="4290728629"/>
+        <p14:creationId xmlns:p14="http://schemas.microsoft.com/office/powerpoint/2010/main" val="2966154770"/>
       </p:ext>
     </p:extLst>
   </p:cSld>
@@ -1157,7 +1145,7 @@
           <a:p>
             <a:r>
               <a:rPr lang="tr-TR"/>
-              <a:t>Miguel</a:t>
+              <a:t>Deniz</a:t>
             </a:r>
           </a:p>
         </p:txBody>
@@ -1179,7 +1167,7 @@
           <a:p>
             <a:fld id="{2C44A82D-0EB8-4BFC-931E-F0AB6B26A44C}" type="slidenum">
               <a:rPr lang="tr-TR" smtClean="0"/>
-              <a:t>19</a:t>
+              <a:t>17</a:t>
             </a:fld>
             <a:endParaRPr lang="tr-TR"/>
           </a:p>
@@ -1188,7 +1176,7 @@
     </p:spTree>
     <p:extLst>
       <p:ext uri="{BB962C8B-B14F-4D97-AF65-F5344CB8AC3E}">
-        <p14:creationId xmlns:p14="http://schemas.microsoft.com/office/powerpoint/2010/main" val="401457122"/>
+        <p14:creationId xmlns:p14="http://schemas.microsoft.com/office/powerpoint/2010/main" val="4290728629"/>
       </p:ext>
     </p:extLst>
   </p:cSld>
@@ -1266,7 +1254,7 @@
           <a:p>
             <a:fld id="{2C44A82D-0EB8-4BFC-931E-F0AB6B26A44C}" type="slidenum">
               <a:rPr lang="tr-TR" smtClean="0"/>
-              <a:t>20</a:t>
+              <a:t>18</a:t>
             </a:fld>
             <a:endParaRPr lang="tr-TR"/>
           </a:p>
@@ -1275,7 +1263,7 @@
     </p:spTree>
     <p:extLst>
       <p:ext uri="{BB962C8B-B14F-4D97-AF65-F5344CB8AC3E}">
-        <p14:creationId xmlns:p14="http://schemas.microsoft.com/office/powerpoint/2010/main" val="1175750827"/>
+        <p14:creationId xmlns:p14="http://schemas.microsoft.com/office/powerpoint/2010/main" val="401457122"/>
       </p:ext>
     </p:extLst>
   </p:cSld>
@@ -1331,7 +1319,7 @@
           <a:p>
             <a:r>
               <a:rPr lang="tr-TR"/>
-              <a:t>Deniz</a:t>
+              <a:t>Miguel</a:t>
             </a:r>
           </a:p>
         </p:txBody>
@@ -1353,7 +1341,7 @@
           <a:p>
             <a:fld id="{2C44A82D-0EB8-4BFC-931E-F0AB6B26A44C}" type="slidenum">
               <a:rPr lang="tr-TR" smtClean="0"/>
-              <a:t>21</a:t>
+              <a:t>19</a:t>
             </a:fld>
             <a:endParaRPr lang="tr-TR"/>
           </a:p>
@@ -1362,7 +1350,7 @@
     </p:spTree>
     <p:extLst>
       <p:ext uri="{BB962C8B-B14F-4D97-AF65-F5344CB8AC3E}">
-        <p14:creationId xmlns:p14="http://schemas.microsoft.com/office/powerpoint/2010/main" val="1100724902"/>
+        <p14:creationId xmlns:p14="http://schemas.microsoft.com/office/powerpoint/2010/main" val="1175750827"/>
       </p:ext>
     </p:extLst>
   </p:cSld>
@@ -1440,7 +1428,7 @@
           <a:p>
             <a:fld id="{2C44A82D-0EB8-4BFC-931E-F0AB6B26A44C}" type="slidenum">
               <a:rPr lang="tr-TR" smtClean="0"/>
-              <a:t>22</a:t>
+              <a:t>20</a:t>
             </a:fld>
             <a:endParaRPr lang="tr-TR"/>
           </a:p>
@@ -1449,7 +1437,7 @@
     </p:spTree>
     <p:extLst>
       <p:ext uri="{BB962C8B-B14F-4D97-AF65-F5344CB8AC3E}">
-        <p14:creationId xmlns:p14="http://schemas.microsoft.com/office/powerpoint/2010/main" val="2213785908"/>
+        <p14:creationId xmlns:p14="http://schemas.microsoft.com/office/powerpoint/2010/main" val="1100724902"/>
       </p:ext>
     </p:extLst>
   </p:cSld>
@@ -1614,7 +1602,94 @@
           <a:p>
             <a:fld id="{2C44A82D-0EB8-4BFC-931E-F0AB6B26A44C}" type="slidenum">
               <a:rPr lang="tr-TR" smtClean="0"/>
-              <a:t>23</a:t>
+              <a:t>21</a:t>
+            </a:fld>
+            <a:endParaRPr lang="tr-TR"/>
+          </a:p>
+        </p:txBody>
+      </p:sp>
+    </p:spTree>
+    <p:extLst>
+      <p:ext uri="{BB962C8B-B14F-4D97-AF65-F5344CB8AC3E}">
+        <p14:creationId xmlns:p14="http://schemas.microsoft.com/office/powerpoint/2010/main" val="2213785908"/>
+      </p:ext>
+    </p:extLst>
+  </p:cSld>
+  <p:clrMapOvr>
+    <a:masterClrMapping/>
+  </p:clrMapOvr>
+</p:notes>
+</file>
+
+<file path=ppt/notesSlides/notesSlide21.xml><?xml version="1.0" encoding="utf-8"?>
+<p:notes xmlns:a="http://schemas.openxmlformats.org/drawingml/2006/main" xmlns:r="http://schemas.openxmlformats.org/officeDocument/2006/relationships" xmlns:p="http://schemas.openxmlformats.org/presentationml/2006/main">
+  <p:cSld>
+    <p:spTree>
+      <p:nvGrpSpPr>
+        <p:cNvPr id="1" name=""/>
+        <p:cNvGrpSpPr/>
+        <p:nvPr/>
+      </p:nvGrpSpPr>
+      <p:grpSpPr>
+        <a:xfrm>
+          <a:off x="0" y="0"/>
+          <a:ext cx="0" cy="0"/>
+          <a:chOff x="0" y="0"/>
+          <a:chExt cx="0" cy="0"/>
+        </a:xfrm>
+      </p:grpSpPr>
+      <p:sp>
+        <p:nvSpPr>
+          <p:cNvPr id="2" name="Slide Image Placeholder 1"/>
+          <p:cNvSpPr>
+            <a:spLocks noGrp="1" noRot="1" noChangeAspect="1"/>
+          </p:cNvSpPr>
+          <p:nvPr>
+            <p:ph type="sldImg"/>
+          </p:nvPr>
+        </p:nvSpPr>
+        <p:spPr/>
+      </p:sp>
+      <p:sp>
+        <p:nvSpPr>
+          <p:cNvPr id="3" name="Notes Placeholder 2"/>
+          <p:cNvSpPr>
+            <a:spLocks noGrp="1"/>
+          </p:cNvSpPr>
+          <p:nvPr>
+            <p:ph type="body" idx="1"/>
+          </p:nvPr>
+        </p:nvSpPr>
+        <p:spPr/>
+        <p:txBody>
+          <a:bodyPr/>
+          <a:lstStyle/>
+          <a:p>
+            <a:r>
+              <a:rPr lang="tr-TR"/>
+              <a:t>Deniz</a:t>
+            </a:r>
+          </a:p>
+        </p:txBody>
+      </p:sp>
+      <p:sp>
+        <p:nvSpPr>
+          <p:cNvPr id="4" name="Slide Number Placeholder 3"/>
+          <p:cNvSpPr>
+            <a:spLocks noGrp="1"/>
+          </p:cNvSpPr>
+          <p:nvPr>
+            <p:ph type="sldNum" sz="quarter" idx="10"/>
+          </p:nvPr>
+        </p:nvSpPr>
+        <p:spPr/>
+        <p:txBody>
+          <a:bodyPr/>
+          <a:lstStyle/>
+          <a:p>
+            <a:fld id="{2C44A82D-0EB8-4BFC-931E-F0AB6B26A44C}" type="slidenum">
+              <a:rPr lang="tr-TR" smtClean="0"/>
+              <a:t>22</a:t>
             </a:fld>
             <a:endParaRPr lang="tr-TR"/>
           </a:p>
@@ -1852,9 +1927,10 @@
           <a:lstStyle/>
           <a:p>
             <a:r>
-              <a:rPr lang="tr-TR"/>
-              <a:t>Deniz</a:t>
-            </a:r>
+              <a:rPr lang="tr-TR" smtClean="0"/>
+              <a:t>Miguel</a:t>
+            </a:r>
+            <a:endParaRPr lang="tr-TR"/>
           </a:p>
         </p:txBody>
       </p:sp>
@@ -1939,10 +2015,10 @@
           <a:lstStyle/>
           <a:p>
             <a:r>
-              <a:rPr lang="tr-TR"/>
-              <a:t>Miguel</a:t>
-            </a:r>
-            <a:endParaRPr lang="tr-TR" dirty="0"/>
+              <a:rPr lang="tr-TR" smtClean="0"/>
+              <a:t>Deniz</a:t>
+            </a:r>
+            <a:endParaRPr lang="tr-TR"/>
           </a:p>
         </p:txBody>
       </p:sp>
@@ -1963,7 +2039,7 @@
           <a:p>
             <a:fld id="{2C44A82D-0EB8-4BFC-931E-F0AB6B26A44C}" type="slidenum">
               <a:rPr lang="tr-TR" smtClean="0"/>
-              <a:t>8</a:t>
+              <a:t>6</a:t>
             </a:fld>
             <a:endParaRPr lang="tr-TR"/>
           </a:p>
@@ -1972,7 +2048,7 @@
     </p:spTree>
     <p:extLst>
       <p:ext uri="{BB962C8B-B14F-4D97-AF65-F5344CB8AC3E}">
-        <p14:creationId xmlns:p14="http://schemas.microsoft.com/office/powerpoint/2010/main" val="830043840"/>
+        <p14:creationId xmlns:p14="http://schemas.microsoft.com/office/powerpoint/2010/main" val="446278397"/>
       </p:ext>
     </p:extLst>
   </p:cSld>
@@ -2030,6 +2106,7 @@
               <a:rPr lang="tr-TR"/>
               <a:t>Miguel</a:t>
             </a:r>
+            <a:endParaRPr lang="tr-TR" dirty="0"/>
           </a:p>
         </p:txBody>
       </p:sp>
@@ -2050,7 +2127,7 @@
           <a:p>
             <a:fld id="{2C44A82D-0EB8-4BFC-931E-F0AB6B26A44C}" type="slidenum">
               <a:rPr lang="tr-TR" smtClean="0"/>
-              <a:t>9</a:t>
+              <a:t>7</a:t>
             </a:fld>
             <a:endParaRPr lang="tr-TR"/>
           </a:p>
@@ -2059,7 +2136,7 @@
     </p:spTree>
     <p:extLst>
       <p:ext uri="{BB962C8B-B14F-4D97-AF65-F5344CB8AC3E}">
-        <p14:creationId xmlns:p14="http://schemas.microsoft.com/office/powerpoint/2010/main" val="2001833825"/>
+        <p14:creationId xmlns:p14="http://schemas.microsoft.com/office/powerpoint/2010/main" val="830043840"/>
       </p:ext>
     </p:extLst>
   </p:cSld>
@@ -2115,7 +2192,7 @@
           <a:p>
             <a:r>
               <a:rPr lang="tr-TR"/>
-              <a:t>Deniz</a:t>
+              <a:t>Miguel</a:t>
             </a:r>
           </a:p>
         </p:txBody>
@@ -2137,7 +2214,7 @@
           <a:p>
             <a:fld id="{2C44A82D-0EB8-4BFC-931E-F0AB6B26A44C}" type="slidenum">
               <a:rPr lang="tr-TR" smtClean="0"/>
-              <a:t>11</a:t>
+              <a:t>8</a:t>
             </a:fld>
             <a:endParaRPr lang="tr-TR"/>
           </a:p>
@@ -2146,7 +2223,7 @@
     </p:spTree>
     <p:extLst>
       <p:ext uri="{BB962C8B-B14F-4D97-AF65-F5344CB8AC3E}">
-        <p14:creationId xmlns:p14="http://schemas.microsoft.com/office/powerpoint/2010/main" val="2385297431"/>
+        <p14:creationId xmlns:p14="http://schemas.microsoft.com/office/powerpoint/2010/main" val="2001833825"/>
       </p:ext>
     </p:extLst>
   </p:cSld>
@@ -2224,7 +2301,7 @@
           <a:p>
             <a:fld id="{2C44A82D-0EB8-4BFC-931E-F0AB6B26A44C}" type="slidenum">
               <a:rPr lang="tr-TR" smtClean="0"/>
-              <a:t>12</a:t>
+              <a:t>10</a:t>
             </a:fld>
             <a:endParaRPr lang="tr-TR"/>
           </a:p>
@@ -2233,7 +2310,7 @@
     </p:spTree>
     <p:extLst>
       <p:ext uri="{BB962C8B-B14F-4D97-AF65-F5344CB8AC3E}">
-        <p14:creationId xmlns:p14="http://schemas.microsoft.com/office/powerpoint/2010/main" val="2413571672"/>
+        <p14:creationId xmlns:p14="http://schemas.microsoft.com/office/powerpoint/2010/main" val="2385297431"/>
       </p:ext>
     </p:extLst>
   </p:cSld>
@@ -14828,7 +14905,7 @@
         </p:spPr>
         <p:txBody>
           <a:bodyPr>
-            <a:normAutofit fontScale="62500" lnSpcReduction="20000"/>
+            <a:normAutofit fontScale="70000" lnSpcReduction="20000"/>
           </a:bodyPr>
           <a:lstStyle/>
           <a:p>
@@ -15107,44 +15184,6 @@
           </a:prstGeom>
         </p:spPr>
       </p:pic>
-      <p:sp>
-        <p:nvSpPr>
-          <p:cNvPr id="11" name="TextBox 10"/>
-          <p:cNvSpPr txBox="1"/>
-          <p:nvPr/>
-        </p:nvSpPr>
-        <p:spPr>
-          <a:xfrm rot="19960329">
-            <a:off x="138937" y="2968444"/>
-            <a:ext cx="11632387" cy="677108"/>
-          </a:xfrm>
-          <a:prstGeom prst="rect">
-            <a:avLst/>
-          </a:prstGeom>
-          <a:solidFill>
-            <a:schemeClr val="accent4">
-              <a:alpha val="80000"/>
-            </a:schemeClr>
-          </a:solidFill>
-        </p:spPr>
-        <p:txBody>
-          <a:bodyPr wrap="square" rtlCol="0">
-            <a:spAutoFit/>
-          </a:bodyPr>
-          <a:lstStyle/>
-          <a:p>
-            <a:pPr algn="ctr"/>
-            <a:r>
-              <a:rPr lang="tr-TR" sz="3800" b="1">
-                <a:solidFill>
-                  <a:srgbClr val="FF0000"/>
-                </a:solidFill>
-              </a:rPr>
-              <a:t>TODO: update page number (last thing)</a:t>
-            </a:r>
-          </a:p>
-        </p:txBody>
-      </p:sp>
     </p:spTree>
     <p:extLst>
       <p:ext uri="{BB962C8B-B14F-4D97-AF65-F5344CB8AC3E}">
@@ -15159,250 +15198,6 @@
 </file>
 
 <file path=ppt/slides/slide10.xml><?xml version="1.0" encoding="utf-8"?>
-<p:sld xmlns:a="http://schemas.openxmlformats.org/drawingml/2006/main" xmlns:r="http://schemas.openxmlformats.org/officeDocument/2006/relationships" xmlns:p="http://schemas.openxmlformats.org/presentationml/2006/main">
-  <p:cSld>
-    <p:spTree>
-      <p:nvGrpSpPr>
-        <p:cNvPr id="1" name=""/>
-        <p:cNvGrpSpPr/>
-        <p:nvPr/>
-      </p:nvGrpSpPr>
-      <p:grpSpPr>
-        <a:xfrm>
-          <a:off x="0" y="0"/>
-          <a:ext cx="0" cy="0"/>
-          <a:chOff x="0" y="0"/>
-          <a:chExt cx="0" cy="0"/>
-        </a:xfrm>
-      </p:grpSpPr>
-      <p:sp>
-        <p:nvSpPr>
-          <p:cNvPr id="4" name="Rectangle 3"/>
-          <p:cNvSpPr/>
-          <p:nvPr/>
-        </p:nvSpPr>
-        <p:spPr>
-          <a:xfrm>
-            <a:off x="0" y="2265899"/>
-            <a:ext cx="12192000" cy="2326203"/>
-          </a:xfrm>
-          <a:prstGeom prst="rect">
-            <a:avLst/>
-          </a:prstGeom>
-          <a:solidFill>
-            <a:srgbClr val="00ACE6"/>
-          </a:solidFill>
-          <a:ln>
-            <a:noFill/>
-          </a:ln>
-        </p:spPr>
-        <p:style>
-          <a:lnRef idx="2">
-            <a:schemeClr val="accent1">
-              <a:shade val="50000"/>
-            </a:schemeClr>
-          </a:lnRef>
-          <a:fillRef idx="1">
-            <a:schemeClr val="accent1"/>
-          </a:fillRef>
-          <a:effectRef idx="0">
-            <a:schemeClr val="accent1"/>
-          </a:effectRef>
-          <a:fontRef idx="minor">
-            <a:schemeClr val="lt1"/>
-          </a:fontRef>
-        </p:style>
-        <p:txBody>
-          <a:bodyPr rtlCol="0" anchor="ctr"/>
-          <a:lstStyle/>
-          <a:p>
-            <a:pPr algn="ctr"/>
-            <a:r>
-              <a:rPr lang="tr-TR" sz="4800" b="1">
-                <a:solidFill>
-                  <a:prstClr val="white"/>
-                </a:solidFill>
-              </a:rPr>
-              <a:t> </a:t>
-            </a:r>
-          </a:p>
-          <a:p>
-            <a:pPr algn="ctr"/>
-            <a:r>
-              <a:rPr lang="tr-TR" sz="4800" b="1">
-                <a:solidFill>
-                  <a:prstClr val="white"/>
-                </a:solidFill>
-              </a:rPr>
-              <a:t>What are ESM-Tools?</a:t>
-            </a:r>
-          </a:p>
-        </p:txBody>
-      </p:sp>
-      <p:sp>
-        <p:nvSpPr>
-          <p:cNvPr id="6" name="Oval 5"/>
-          <p:cNvSpPr/>
-          <p:nvPr/>
-        </p:nvSpPr>
-        <p:spPr>
-          <a:xfrm>
-            <a:off x="5747497" y="2590943"/>
-            <a:ext cx="697006" cy="697006"/>
-          </a:xfrm>
-          <a:prstGeom prst="ellipse">
-            <a:avLst/>
-          </a:prstGeom>
-          <a:solidFill>
-            <a:schemeClr val="bg1"/>
-          </a:solidFill>
-          <a:ln>
-            <a:noFill/>
-          </a:ln>
-        </p:spPr>
-        <p:style>
-          <a:lnRef idx="2">
-            <a:schemeClr val="accent1">
-              <a:shade val="50000"/>
-            </a:schemeClr>
-          </a:lnRef>
-          <a:fillRef idx="1">
-            <a:schemeClr val="accent1"/>
-          </a:fillRef>
-          <a:effectRef idx="0">
-            <a:schemeClr val="accent1"/>
-          </a:effectRef>
-          <a:fontRef idx="minor">
-            <a:schemeClr val="lt1"/>
-          </a:fontRef>
-        </p:style>
-        <p:txBody>
-          <a:bodyPr rtlCol="0" anchor="ctr"/>
-          <a:lstStyle/>
-          <a:p>
-            <a:pPr algn="ctr"/>
-            <a:r>
-              <a:rPr lang="tr-TR" sz="4800" b="1">
-                <a:solidFill>
-                  <a:srgbClr val="00ACE6"/>
-                </a:solidFill>
-              </a:rPr>
-              <a:t>1</a:t>
-            </a:r>
-          </a:p>
-        </p:txBody>
-      </p:sp>
-      <p:sp>
-        <p:nvSpPr>
-          <p:cNvPr id="7" name="Rectangle 6"/>
-          <p:cNvSpPr/>
-          <p:nvPr/>
-        </p:nvSpPr>
-        <p:spPr>
-          <a:xfrm>
-            <a:off x="2945860" y="5032911"/>
-            <a:ext cx="5327515" cy="1323439"/>
-          </a:xfrm>
-          <a:prstGeom prst="rect">
-            <a:avLst/>
-          </a:prstGeom>
-        </p:spPr>
-        <p:txBody>
-          <a:bodyPr wrap="square">
-            <a:spAutoFit/>
-          </a:bodyPr>
-          <a:lstStyle/>
-          <a:p>
-            <a:pPr lvl="1"/>
-            <a:r>
-              <a:rPr lang="tr-TR" sz="2000">
-                <a:solidFill>
-                  <a:srgbClr val="00ACE6"/>
-                </a:solidFill>
-              </a:rPr>
-              <a:t>Motivation &amp; Aim</a:t>
-            </a:r>
-          </a:p>
-          <a:p>
-            <a:pPr lvl="1"/>
-            <a:r>
-              <a:rPr lang="tr-TR" sz="2000">
-                <a:solidFill>
-                  <a:srgbClr val="00ACE6"/>
-                </a:solidFill>
-              </a:rPr>
-              <a:t>Advantages</a:t>
-            </a:r>
-          </a:p>
-          <a:p>
-            <a:pPr lvl="1"/>
-            <a:r>
-              <a:rPr lang="tr-TR" sz="2000">
-                <a:solidFill>
-                  <a:srgbClr val="00ACE6"/>
-                </a:solidFill>
-              </a:rPr>
-              <a:t>Supported systems</a:t>
-            </a:r>
-          </a:p>
-          <a:p>
-            <a:pPr lvl="1"/>
-            <a:r>
-              <a:rPr lang="tr-TR" sz="2000">
-                <a:solidFill>
-                  <a:srgbClr val="00ACE6"/>
-                </a:solidFill>
-              </a:rPr>
-              <a:t>Repository, Documentation, Community</a:t>
-            </a:r>
-          </a:p>
-        </p:txBody>
-      </p:sp>
-      <p:sp>
-        <p:nvSpPr>
-          <p:cNvPr id="8" name="Slide Number Placeholder 4"/>
-          <p:cNvSpPr>
-            <a:spLocks noGrp="1"/>
-          </p:cNvSpPr>
-          <p:nvPr>
-            <p:ph type="sldNum" sz="quarter" idx="12"/>
-          </p:nvPr>
-        </p:nvSpPr>
-        <p:spPr>
-          <a:xfrm>
-            <a:off x="11623040" y="6485550"/>
-            <a:ext cx="568960" cy="372450"/>
-          </a:xfrm>
-          <a:solidFill>
-            <a:schemeClr val="bg2"/>
-          </a:solidFill>
-        </p:spPr>
-        <p:txBody>
-          <a:bodyPr/>
-          <a:lstStyle/>
-          <a:p>
-            <a:pPr algn="ctr"/>
-            <a:r>
-              <a:rPr lang="tr-TR" sz="1000"/>
-              <a:t>10 / 23</a:t>
-            </a:r>
-          </a:p>
-        </p:txBody>
-      </p:sp>
-    </p:spTree>
-    <p:extLst>
-      <p:ext uri="{BB962C8B-B14F-4D97-AF65-F5344CB8AC3E}">
-        <p14:creationId xmlns:p14="http://schemas.microsoft.com/office/powerpoint/2010/main" val="2094205036"/>
-      </p:ext>
-    </p:extLst>
-  </p:cSld>
-  <p:clrMapOvr>
-    <a:masterClrMapping/>
-  </p:clrMapOvr>
-</p:sld>
-</file>
-
-<file path=ppt/slides/slide11.xml><?xml version="1.0" encoding="utf-8"?>
 <p:sld xmlns:a="http://schemas.openxmlformats.org/drawingml/2006/main" xmlns:r="http://schemas.openxmlformats.org/officeDocument/2006/relationships" xmlns:p="http://schemas.openxmlformats.org/presentationml/2006/main">
   <p:cSld>
     <p:spTree>
@@ -15621,9 +15416,18 @@
           <a:p>
             <a:pPr algn="ctr"/>
             <a:r>
+              <a:rPr lang="tr-TR" sz="1000" smtClean="0"/>
+              <a:t>10 </a:t>
+            </a:r>
+            <a:r>
               <a:rPr lang="tr-TR" sz="1000"/>
-              <a:t>11 / 23</a:t>
-            </a:r>
+              <a:t>/ </a:t>
+            </a:r>
+            <a:r>
+              <a:rPr lang="tr-TR" sz="1000" smtClean="0"/>
+              <a:t>22</a:t>
+            </a:r>
+            <a:endParaRPr lang="tr-TR" sz="1000"/>
           </a:p>
         </p:txBody>
       </p:sp>
@@ -15640,7 +15444,7 @@
 </p:sld>
 </file>
 
-<file path=ppt/slides/slide12.xml><?xml version="1.0" encoding="utf-8"?>
+<file path=ppt/slides/slide11.xml><?xml version="1.0" encoding="utf-8"?>
 <p:sld xmlns:a="http://schemas.openxmlformats.org/drawingml/2006/main" xmlns:r="http://schemas.openxmlformats.org/officeDocument/2006/relationships" xmlns:p="http://schemas.openxmlformats.org/presentationml/2006/main">
   <p:cSld>
     <p:spTree>
@@ -16498,9 +16302,18 @@
           <a:p>
             <a:pPr algn="ctr"/>
             <a:r>
+              <a:rPr lang="tr-TR" sz="1000" smtClean="0"/>
+              <a:t>11 </a:t>
+            </a:r>
+            <a:r>
               <a:rPr lang="tr-TR" sz="1000"/>
-              <a:t>12 / 23</a:t>
-            </a:r>
+              <a:t>/ </a:t>
+            </a:r>
+            <a:r>
+              <a:rPr lang="tr-TR" sz="1000" smtClean="0"/>
+              <a:t>22</a:t>
+            </a:r>
+            <a:endParaRPr lang="tr-TR" sz="1000"/>
           </a:p>
         </p:txBody>
       </p:sp>
@@ -16517,7 +16330,7 @@
 </p:sld>
 </file>
 
-<file path=ppt/slides/slide13.xml><?xml version="1.0" encoding="utf-8"?>
+<file path=ppt/slides/slide12.xml><?xml version="1.0" encoding="utf-8"?>
 <p:sld xmlns:a="http://schemas.openxmlformats.org/drawingml/2006/main" xmlns:r="http://schemas.openxmlformats.org/officeDocument/2006/relationships" xmlns:p="http://schemas.openxmlformats.org/presentationml/2006/main">
   <p:cSld>
     <p:spTree>
@@ -17391,7 +17204,7 @@
 </p:sld>
 </file>
 
-<file path=ppt/slides/slide14.xml><?xml version="1.0" encoding="utf-8"?>
+<file path=ppt/slides/slide13.xml><?xml version="1.0" encoding="utf-8"?>
 <p:sld xmlns:a="http://schemas.openxmlformats.org/drawingml/2006/main" xmlns:r="http://schemas.openxmlformats.org/officeDocument/2006/relationships" xmlns:p="http://schemas.openxmlformats.org/presentationml/2006/main">
   <p:cSld>
     <p:spTree>
@@ -17484,14 +17297,14 @@
                 <a:gridCol w="2236563">
                   <a:extLst>
                     <a:ext uri="{9D8B030D-6E8A-4147-A177-3AD203B41FA5}">
-                      <a16:colId xmlns:a16="http://schemas.microsoft.com/office/drawing/2014/main" val="20000"/>
+                      <a16:colId xmlns:a16="http://schemas.microsoft.com/office/drawing/2014/main" xmlns="" val="20000"/>
                     </a:ext>
                   </a:extLst>
                 </a:gridCol>
                 <a:gridCol w="1605280">
                   <a:extLst>
                     <a:ext uri="{9D8B030D-6E8A-4147-A177-3AD203B41FA5}">
-                      <a16:colId xmlns:a16="http://schemas.microsoft.com/office/drawing/2014/main" val="20001"/>
+                      <a16:colId xmlns:a16="http://schemas.microsoft.com/office/drawing/2014/main" xmlns="" val="20001"/>
                     </a:ext>
                   </a:extLst>
                 </a:gridCol>
@@ -17525,7 +17338,7 @@
                 </a:tc>
                 <a:extLst>
                   <a:ext uri="{0D108BD9-81ED-4DB2-BD59-A6C34878D82A}">
-                    <a16:rowId xmlns:a16="http://schemas.microsoft.com/office/drawing/2014/main" val="10000"/>
+                    <a16:rowId xmlns:a16="http://schemas.microsoft.com/office/drawing/2014/main" xmlns="" val="10000"/>
                   </a:ext>
                 </a:extLst>
               </a:tr>
@@ -17559,7 +17372,7 @@
                 </a:tc>
                 <a:extLst>
                   <a:ext uri="{0D108BD9-81ED-4DB2-BD59-A6C34878D82A}">
-                    <a16:rowId xmlns:a16="http://schemas.microsoft.com/office/drawing/2014/main" val="10001"/>
+                    <a16:rowId xmlns:a16="http://schemas.microsoft.com/office/drawing/2014/main" xmlns="" val="10001"/>
                   </a:ext>
                 </a:extLst>
               </a:tr>
@@ -17592,7 +17405,7 @@
                 </a:tc>
                 <a:extLst>
                   <a:ext uri="{0D108BD9-81ED-4DB2-BD59-A6C34878D82A}">
-                    <a16:rowId xmlns:a16="http://schemas.microsoft.com/office/drawing/2014/main" val="10002"/>
+                    <a16:rowId xmlns:a16="http://schemas.microsoft.com/office/drawing/2014/main" xmlns="" val="10002"/>
                   </a:ext>
                 </a:extLst>
               </a:tr>
@@ -17625,7 +17438,7 @@
                 </a:tc>
                 <a:extLst>
                   <a:ext uri="{0D108BD9-81ED-4DB2-BD59-A6C34878D82A}">
-                    <a16:rowId xmlns:a16="http://schemas.microsoft.com/office/drawing/2014/main" val="10003"/>
+                    <a16:rowId xmlns:a16="http://schemas.microsoft.com/office/drawing/2014/main" xmlns="" val="10003"/>
                   </a:ext>
                 </a:extLst>
               </a:tr>
@@ -17680,7 +17493,7 @@
                 </a:tc>
                 <a:extLst>
                   <a:ext uri="{0D108BD9-81ED-4DB2-BD59-A6C34878D82A}">
-                    <a16:rowId xmlns:a16="http://schemas.microsoft.com/office/drawing/2014/main" val="10004"/>
+                    <a16:rowId xmlns:a16="http://schemas.microsoft.com/office/drawing/2014/main" xmlns="" val="10004"/>
                   </a:ext>
                 </a:extLst>
               </a:tr>
@@ -17713,7 +17526,7 @@
                 </a:tc>
                 <a:extLst>
                   <a:ext uri="{0D108BD9-81ED-4DB2-BD59-A6C34878D82A}">
-                    <a16:rowId xmlns:a16="http://schemas.microsoft.com/office/drawing/2014/main" val="10005"/>
+                    <a16:rowId xmlns:a16="http://schemas.microsoft.com/office/drawing/2014/main" xmlns="" val="10005"/>
                   </a:ext>
                 </a:extLst>
               </a:tr>
@@ -17747,7 +17560,7 @@
                 </a:tc>
                 <a:extLst>
                   <a:ext uri="{0D108BD9-81ED-4DB2-BD59-A6C34878D82A}">
-                    <a16:rowId xmlns:a16="http://schemas.microsoft.com/office/drawing/2014/main" val="10006"/>
+                    <a16:rowId xmlns:a16="http://schemas.microsoft.com/office/drawing/2014/main" xmlns="" val="10006"/>
                   </a:ext>
                 </a:extLst>
               </a:tr>
@@ -17777,7 +17590,7 @@
                 </a:tc>
                 <a:extLst>
                   <a:ext uri="{0D108BD9-81ED-4DB2-BD59-A6C34878D82A}">
-                    <a16:rowId xmlns:a16="http://schemas.microsoft.com/office/drawing/2014/main" val="10007"/>
+                    <a16:rowId xmlns:a16="http://schemas.microsoft.com/office/drawing/2014/main" xmlns="" val="10007"/>
                   </a:ext>
                 </a:extLst>
               </a:tr>
@@ -17808,7 +17621,7 @@
                 </a:tc>
                 <a:extLst>
                   <a:ext uri="{0D108BD9-81ED-4DB2-BD59-A6C34878D82A}">
-                    <a16:rowId xmlns:a16="http://schemas.microsoft.com/office/drawing/2014/main" val="10008"/>
+                    <a16:rowId xmlns:a16="http://schemas.microsoft.com/office/drawing/2014/main" xmlns="" val="10008"/>
                   </a:ext>
                 </a:extLst>
               </a:tr>
@@ -17855,7 +17668,7 @@
                 </a:tc>
                 <a:extLst>
                   <a:ext uri="{0D108BD9-81ED-4DB2-BD59-A6C34878D82A}">
-                    <a16:rowId xmlns:a16="http://schemas.microsoft.com/office/drawing/2014/main" val="10009"/>
+                    <a16:rowId xmlns:a16="http://schemas.microsoft.com/office/drawing/2014/main" xmlns="" val="10009"/>
                   </a:ext>
                 </a:extLst>
               </a:tr>
@@ -17886,7 +17699,7 @@
                 </a:tc>
                 <a:extLst>
                   <a:ext uri="{0D108BD9-81ED-4DB2-BD59-A6C34878D82A}">
-                    <a16:rowId xmlns:a16="http://schemas.microsoft.com/office/drawing/2014/main" val="10010"/>
+                    <a16:rowId xmlns:a16="http://schemas.microsoft.com/office/drawing/2014/main" xmlns="" val="10010"/>
                   </a:ext>
                 </a:extLst>
               </a:tr>
@@ -17917,7 +17730,7 @@
                 </a:tc>
                 <a:extLst>
                   <a:ext uri="{0D108BD9-81ED-4DB2-BD59-A6C34878D82A}">
-                    <a16:rowId xmlns:a16="http://schemas.microsoft.com/office/drawing/2014/main" val="10011"/>
+                    <a16:rowId xmlns:a16="http://schemas.microsoft.com/office/drawing/2014/main" xmlns="" val="10011"/>
                   </a:ext>
                 </a:extLst>
               </a:tr>
@@ -17947,7 +17760,7 @@
                 </a:tc>
                 <a:extLst>
                   <a:ext uri="{0D108BD9-81ED-4DB2-BD59-A6C34878D82A}">
-                    <a16:rowId xmlns:a16="http://schemas.microsoft.com/office/drawing/2014/main" val="10012"/>
+                    <a16:rowId xmlns:a16="http://schemas.microsoft.com/office/drawing/2014/main" xmlns="" val="10012"/>
                   </a:ext>
                 </a:extLst>
               </a:tr>
@@ -17974,7 +17787,7 @@
                 </a:tc>
                 <a:extLst>
                   <a:ext uri="{0D108BD9-81ED-4DB2-BD59-A6C34878D82A}">
-                    <a16:rowId xmlns:a16="http://schemas.microsoft.com/office/drawing/2014/main" val="10013"/>
+                    <a16:rowId xmlns:a16="http://schemas.microsoft.com/office/drawing/2014/main" xmlns="" val="10013"/>
                   </a:ext>
                 </a:extLst>
               </a:tr>
@@ -18001,7 +17814,7 @@
                 </a:tc>
                 <a:extLst>
                   <a:ext uri="{0D108BD9-81ED-4DB2-BD59-A6C34878D82A}">
-                    <a16:rowId xmlns:a16="http://schemas.microsoft.com/office/drawing/2014/main" val="10014"/>
+                    <a16:rowId xmlns:a16="http://schemas.microsoft.com/office/drawing/2014/main" xmlns="" val="10014"/>
                   </a:ext>
                 </a:extLst>
               </a:tr>
@@ -18028,7 +17841,7 @@
                 </a:tc>
                 <a:extLst>
                   <a:ext uri="{0D108BD9-81ED-4DB2-BD59-A6C34878D82A}">
-                    <a16:rowId xmlns:a16="http://schemas.microsoft.com/office/drawing/2014/main" val="10015"/>
+                    <a16:rowId xmlns:a16="http://schemas.microsoft.com/office/drawing/2014/main" xmlns="" val="10015"/>
                   </a:ext>
                 </a:extLst>
               </a:tr>
@@ -18055,7 +17868,7 @@
                 </a:tc>
                 <a:extLst>
                   <a:ext uri="{0D108BD9-81ED-4DB2-BD59-A6C34878D82A}">
-                    <a16:rowId xmlns:a16="http://schemas.microsoft.com/office/drawing/2014/main" val="10016"/>
+                    <a16:rowId xmlns:a16="http://schemas.microsoft.com/office/drawing/2014/main" xmlns="" val="10016"/>
                   </a:ext>
                 </a:extLst>
               </a:tr>
@@ -18099,7 +17912,7 @@
                 </a:tc>
                 <a:extLst>
                   <a:ext uri="{0D108BD9-81ED-4DB2-BD59-A6C34878D82A}">
-                    <a16:rowId xmlns:a16="http://schemas.microsoft.com/office/drawing/2014/main" val="10017"/>
+                    <a16:rowId xmlns:a16="http://schemas.microsoft.com/office/drawing/2014/main" xmlns="" val="10017"/>
                   </a:ext>
                 </a:extLst>
               </a:tr>
@@ -18126,7 +17939,7 @@
                 </a:tc>
                 <a:extLst>
                   <a:ext uri="{0D108BD9-81ED-4DB2-BD59-A6C34878D82A}">
-                    <a16:rowId xmlns:a16="http://schemas.microsoft.com/office/drawing/2014/main" val="10018"/>
+                    <a16:rowId xmlns:a16="http://schemas.microsoft.com/office/drawing/2014/main" xmlns="" val="10018"/>
                   </a:ext>
                 </a:extLst>
               </a:tr>
@@ -18242,9 +18055,10 @@
           <a:p>
             <a:pPr algn="ctr"/>
             <a:r>
-              <a:rPr lang="tr-TR" sz="1000"/>
-              <a:t>14 / 23</a:t>
-            </a:r>
+              <a:rPr lang="tr-TR" sz="1000" smtClean="0"/>
+              <a:t>13 / 22</a:t>
+            </a:r>
+            <a:endParaRPr lang="tr-TR" sz="1000"/>
           </a:p>
         </p:txBody>
       </p:sp>
@@ -18253,7 +18067,7 @@
           <p:cNvPr id="3" name="Rectangle 2">
             <a:extLst>
               <a:ext uri="{FF2B5EF4-FFF2-40B4-BE49-F238E27FC236}">
-                <a16:creationId xmlns:a16="http://schemas.microsoft.com/office/drawing/2014/main" id="{81D475FE-A0EB-14CE-8A9A-6DD69C57DD59}"/>
+                <a16:creationId xmlns:a16="http://schemas.microsoft.com/office/drawing/2014/main" xmlns="" id="{81D475FE-A0EB-14CE-8A9A-6DD69C57DD59}"/>
               </a:ext>
             </a:extLst>
           </p:cNvPr>
@@ -18313,7 +18127,7 @@
 </p:sld>
 </file>
 
-<file path=ppt/slides/slide15.xml><?xml version="1.0" encoding="utf-8"?>
+<file path=ppt/slides/slide14.xml><?xml version="1.0" encoding="utf-8"?>
 <p:sld xmlns:a="http://schemas.openxmlformats.org/drawingml/2006/main" xmlns:r="http://schemas.openxmlformats.org/officeDocument/2006/relationships" xmlns:p="http://schemas.openxmlformats.org/presentationml/2006/main">
   <p:cSld>
     <p:spTree>
@@ -18466,7 +18280,7 @@
         <p:spPr>
           <a:xfrm>
             <a:off x="6714292" y="5959936"/>
-            <a:ext cx="5317289" cy="369332"/>
+            <a:ext cx="5370188" cy="369332"/>
           </a:xfrm>
           <a:prstGeom prst="rect">
             <a:avLst/>
@@ -18487,9 +18301,41 @@
                     <a:lumOff val="25000"/>
                   </a:schemeClr>
                 </a:solidFill>
-              </a:rPr>
-              <a:t>http://phdcomics.com/comics/archive/phd031214s.gif</a:t>
-            </a:r>
+                <a:hlinkClick r:id="rId4"/>
+              </a:rPr>
+              <a:t>http://</a:t>
+            </a:r>
+            <a:r>
+              <a:rPr lang="tr-TR" smtClean="0">
+                <a:solidFill>
+                  <a:schemeClr val="tx1">
+                    <a:lumMod val="75000"/>
+                    <a:lumOff val="25000"/>
+                  </a:schemeClr>
+                </a:solidFill>
+                <a:hlinkClick r:id="rId4"/>
+              </a:rPr>
+              <a:t>phdcomics.com/comics/archive/phd031214s.gif</a:t>
+            </a:r>
+            <a:r>
+              <a:rPr lang="tr-TR" smtClean="0">
+                <a:solidFill>
+                  <a:schemeClr val="tx1">
+                    <a:lumMod val="75000"/>
+                    <a:lumOff val="25000"/>
+                  </a:schemeClr>
+                </a:solidFill>
+              </a:rPr>
+              <a:t> </a:t>
+            </a:r>
+            <a:endParaRPr lang="tr-TR">
+              <a:solidFill>
+                <a:schemeClr val="tx1">
+                  <a:lumMod val="75000"/>
+                  <a:lumOff val="25000"/>
+                </a:schemeClr>
+              </a:solidFill>
+            </a:endParaRPr>
           </a:p>
         </p:txBody>
       </p:sp>
@@ -18549,9 +18395,41 @@
                     <a:lumOff val="25000"/>
                   </a:schemeClr>
                 </a:solidFill>
-              </a:rPr>
-              <a:t>https://ieeexplore.ieee.org/document/6886129</a:t>
-            </a:r>
+                <a:hlinkClick r:id="rId5"/>
+              </a:rPr>
+              <a:t>https://</a:t>
+            </a:r>
+            <a:r>
+              <a:rPr lang="tr-TR" smtClean="0">
+                <a:solidFill>
+                  <a:schemeClr val="tx1">
+                    <a:lumMod val="75000"/>
+                    <a:lumOff val="25000"/>
+                  </a:schemeClr>
+                </a:solidFill>
+                <a:hlinkClick r:id="rId5"/>
+              </a:rPr>
+              <a:t>ieeexplore.ieee.org/document/6886129</a:t>
+            </a:r>
+            <a:r>
+              <a:rPr lang="tr-TR" smtClean="0">
+                <a:solidFill>
+                  <a:schemeClr val="tx1">
+                    <a:lumMod val="75000"/>
+                    <a:lumOff val="25000"/>
+                  </a:schemeClr>
+                </a:solidFill>
+              </a:rPr>
+              <a:t> </a:t>
+            </a:r>
+            <a:endParaRPr lang="tr-TR">
+              <a:solidFill>
+                <a:schemeClr val="tx1">
+                  <a:lumMod val="75000"/>
+                  <a:lumOff val="25000"/>
+                </a:schemeClr>
+              </a:solidFill>
+            </a:endParaRPr>
           </a:p>
         </p:txBody>
       </p:sp>
@@ -18764,7 +18642,7 @@
 </p:sld>
 </file>
 
-<file path=ppt/slides/slide16.xml><?xml version="1.0" encoding="utf-8"?>
+<file path=ppt/slides/slide15.xml><?xml version="1.0" encoding="utf-8"?>
 <p:sld xmlns:a="http://schemas.openxmlformats.org/drawingml/2006/main" xmlns:r="http://schemas.openxmlformats.org/officeDocument/2006/relationships" xmlns:p="http://schemas.openxmlformats.org/presentationml/2006/main">
   <p:cSld>
     <p:spTree>
@@ -19721,7 +19599,7 @@
 </p:sld>
 </file>
 
-<file path=ppt/slides/slide17.xml><?xml version="1.0" encoding="utf-8"?>
+<file path=ppt/slides/slide16.xml><?xml version="1.0" encoding="utf-8"?>
 <p:sld xmlns:a="http://schemas.openxmlformats.org/drawingml/2006/main" xmlns:r="http://schemas.openxmlformats.org/officeDocument/2006/relationships" xmlns:p="http://schemas.openxmlformats.org/presentationml/2006/main">
   <p:cSld>
     <p:spTree>
@@ -21656,7 +21534,7 @@
 </p:sld>
 </file>
 
-<file path=ppt/slides/slide18.xml><?xml version="1.0" encoding="utf-8"?>
+<file path=ppt/slides/slide17.xml><?xml version="1.0" encoding="utf-8"?>
 <p:sld xmlns:a="http://schemas.openxmlformats.org/drawingml/2006/main" xmlns:r="http://schemas.openxmlformats.org/officeDocument/2006/relationships" xmlns:p="http://schemas.openxmlformats.org/presentationml/2006/main">
   <p:cSld>
     <p:spTree>
@@ -21821,6 +21699,10 @@
               <a:rPr lang="tr-TR" sz="2400"/>
               <a:t>minimal manual interaction</a:t>
             </a:r>
+            <a:r>
+              <a:rPr lang="en-US" sz="2400"/>
+              <a:t/>
+            </a:r>
             <a:br>
               <a:rPr lang="en-US" sz="2400"/>
             </a:br>
@@ -21844,6 +21726,10 @@
               <a:rPr lang="tr-TR" sz="2400" b="1"/>
               <a:t>, Data Integrity → Reproducible</a:t>
             </a:r>
+            <a:r>
+              <a:rPr lang="en-US" sz="2400"/>
+              <a:t/>
+            </a:r>
             <a:br>
               <a:rPr lang="en-US" sz="2400"/>
             </a:br>
@@ -21862,6 +21748,10 @@
             <a:r>
               <a:rPr lang="tr-TR" sz="2400"/>
               <a:t>across different supported HPCs</a:t>
+            </a:r>
+            <a:r>
+              <a:rPr lang="en-US" sz="2400"/>
+              <a:t/>
             </a:r>
             <a:br>
               <a:rPr lang="en-US" sz="2400"/>
@@ -22210,9 +22100,18 @@
           <a:p>
             <a:pPr algn="ctr"/>
             <a:r>
+              <a:rPr lang="tr-TR" sz="1000" smtClean="0"/>
+              <a:t>17 </a:t>
+            </a:r>
+            <a:r>
               <a:rPr lang="tr-TR" sz="1000"/>
-              <a:t>18 / 23</a:t>
-            </a:r>
+              <a:t>/ </a:t>
+            </a:r>
+            <a:r>
+              <a:rPr lang="tr-TR" sz="1000" smtClean="0"/>
+              <a:t>22</a:t>
+            </a:r>
+            <a:endParaRPr lang="tr-TR" sz="1000"/>
           </a:p>
         </p:txBody>
       </p:sp>
@@ -22324,7 +22223,7 @@
 </p:sld>
 </file>
 
-<file path=ppt/slides/slide19.xml><?xml version="1.0" encoding="utf-8"?>
+<file path=ppt/slides/slide18.xml><?xml version="1.0" encoding="utf-8"?>
 <p:sld xmlns:a="http://schemas.openxmlformats.org/drawingml/2006/main" xmlns:r="http://schemas.openxmlformats.org/officeDocument/2006/relationships" xmlns:p="http://schemas.openxmlformats.org/presentationml/2006/main">
   <p:cSld>
     <p:spTree>
@@ -22346,7 +22245,7 @@
           <p:cNvPr id="7" name="Group 6">
             <a:extLst>
               <a:ext uri="{FF2B5EF4-FFF2-40B4-BE49-F238E27FC236}">
-                <a16:creationId xmlns:a16="http://schemas.microsoft.com/office/drawing/2014/main" id="{72803FDC-10DD-438A-B784-C4295550D488}"/>
+                <a16:creationId xmlns:a16="http://schemas.microsoft.com/office/drawing/2014/main" xmlns="" id="{72803FDC-10DD-438A-B784-C4295550D488}"/>
               </a:ext>
             </a:extLst>
           </p:cNvPr>
@@ -22366,7 +22265,7 @@
             <p:cNvPr id="8" name="TextBox 7">
               <a:extLst>
                 <a:ext uri="{FF2B5EF4-FFF2-40B4-BE49-F238E27FC236}">
-                  <a16:creationId xmlns:a16="http://schemas.microsoft.com/office/drawing/2014/main" id="{107A6864-9F94-40E6-B02E-84014A25B056}"/>
+                  <a16:creationId xmlns:a16="http://schemas.microsoft.com/office/drawing/2014/main" xmlns="" id="{107A6864-9F94-40E6-B02E-84014A25B056}"/>
                 </a:ext>
               </a:extLst>
             </p:cNvPr>
@@ -22791,7 +22690,7 @@
             <p:cNvPr id="9" name="TextBox 8">
               <a:extLst>
                 <a:ext uri="{FF2B5EF4-FFF2-40B4-BE49-F238E27FC236}">
-                  <a16:creationId xmlns:a16="http://schemas.microsoft.com/office/drawing/2014/main" id="{3676B41C-58E0-43A0-8986-D80F94F6F0C9}"/>
+                  <a16:creationId xmlns:a16="http://schemas.microsoft.com/office/drawing/2014/main" xmlns="" id="{3676B41C-58E0-43A0-8986-D80F94F6F0C9}"/>
                 </a:ext>
               </a:extLst>
             </p:cNvPr>
@@ -22838,7 +22737,7 @@
           <p:cNvPr id="10" name="Group 9">
             <a:extLst>
               <a:ext uri="{FF2B5EF4-FFF2-40B4-BE49-F238E27FC236}">
-                <a16:creationId xmlns:a16="http://schemas.microsoft.com/office/drawing/2014/main" id="{51D7A769-0B90-4EC9-BE53-142D44DEBB79}"/>
+                <a16:creationId xmlns:a16="http://schemas.microsoft.com/office/drawing/2014/main" xmlns="" id="{51D7A769-0B90-4EC9-BE53-142D44DEBB79}"/>
               </a:ext>
             </a:extLst>
           </p:cNvPr>
@@ -22858,7 +22757,7 @@
             <p:cNvPr id="11" name="TextBox 10">
               <a:extLst>
                 <a:ext uri="{FF2B5EF4-FFF2-40B4-BE49-F238E27FC236}">
-                  <a16:creationId xmlns:a16="http://schemas.microsoft.com/office/drawing/2014/main" id="{B44619C7-114B-45F9-9332-12292CBE0F30}"/>
+                  <a16:creationId xmlns:a16="http://schemas.microsoft.com/office/drawing/2014/main" xmlns="" id="{B44619C7-114B-45F9-9332-12292CBE0F30}"/>
                 </a:ext>
               </a:extLst>
             </p:cNvPr>
@@ -23391,7 +23290,7 @@
             <p:cNvPr id="12" name="TextBox 11">
               <a:extLst>
                 <a:ext uri="{FF2B5EF4-FFF2-40B4-BE49-F238E27FC236}">
-                  <a16:creationId xmlns:a16="http://schemas.microsoft.com/office/drawing/2014/main" id="{F481F554-23C9-4CC9-873D-379A5B55611B}"/>
+                  <a16:creationId xmlns:a16="http://schemas.microsoft.com/office/drawing/2014/main" xmlns="" id="{F481F554-23C9-4CC9-873D-379A5B55611B}"/>
                 </a:ext>
               </a:extLst>
             </p:cNvPr>
@@ -23447,7 +23346,7 @@
           <p:cNvPr id="13" name="Group 12">
             <a:extLst>
               <a:ext uri="{FF2B5EF4-FFF2-40B4-BE49-F238E27FC236}">
-                <a16:creationId xmlns:a16="http://schemas.microsoft.com/office/drawing/2014/main" id="{A30C8C65-5F9C-44A5-8531-BAC07A73ACC5}"/>
+                <a16:creationId xmlns:a16="http://schemas.microsoft.com/office/drawing/2014/main" xmlns="" id="{A30C8C65-5F9C-44A5-8531-BAC07A73ACC5}"/>
               </a:ext>
             </a:extLst>
           </p:cNvPr>
@@ -23467,7 +23366,7 @@
             <p:cNvPr id="14" name="TextBox 13">
               <a:extLst>
                 <a:ext uri="{FF2B5EF4-FFF2-40B4-BE49-F238E27FC236}">
-                  <a16:creationId xmlns:a16="http://schemas.microsoft.com/office/drawing/2014/main" id="{1A948FAE-7272-4A00-AE96-0DA7BB35D346}"/>
+                  <a16:creationId xmlns:a16="http://schemas.microsoft.com/office/drawing/2014/main" xmlns="" id="{1A948FAE-7272-4A00-AE96-0DA7BB35D346}"/>
                 </a:ext>
               </a:extLst>
             </p:cNvPr>
@@ -23796,7 +23695,7 @@
             <p:cNvPr id="15" name="TextBox 14">
               <a:extLst>
                 <a:ext uri="{FF2B5EF4-FFF2-40B4-BE49-F238E27FC236}">
-                  <a16:creationId xmlns:a16="http://schemas.microsoft.com/office/drawing/2014/main" id="{32AE36EE-DE98-47A7-B8D1-B9E1ABE92421}"/>
+                  <a16:creationId xmlns:a16="http://schemas.microsoft.com/office/drawing/2014/main" xmlns="" id="{32AE36EE-DE98-47A7-B8D1-B9E1ABE92421}"/>
                 </a:ext>
               </a:extLst>
             </p:cNvPr>
@@ -23843,7 +23742,7 @@
           <p:cNvPr id="16" name="Group 15">
             <a:extLst>
               <a:ext uri="{FF2B5EF4-FFF2-40B4-BE49-F238E27FC236}">
-                <a16:creationId xmlns:a16="http://schemas.microsoft.com/office/drawing/2014/main" id="{2EAB6999-4124-4974-9048-28C234152914}"/>
+                <a16:creationId xmlns:a16="http://schemas.microsoft.com/office/drawing/2014/main" xmlns="" id="{2EAB6999-4124-4974-9048-28C234152914}"/>
               </a:ext>
             </a:extLst>
           </p:cNvPr>
@@ -23863,7 +23762,7 @@
             <p:cNvPr id="17" name="TextBox 16">
               <a:extLst>
                 <a:ext uri="{FF2B5EF4-FFF2-40B4-BE49-F238E27FC236}">
-                  <a16:creationId xmlns:a16="http://schemas.microsoft.com/office/drawing/2014/main" id="{4FCD9016-823B-47AC-9DBB-CA119ADF13C6}"/>
+                  <a16:creationId xmlns:a16="http://schemas.microsoft.com/office/drawing/2014/main" xmlns="" id="{4FCD9016-823B-47AC-9DBB-CA119ADF13C6}"/>
                 </a:ext>
               </a:extLst>
             </p:cNvPr>
@@ -24264,7 +24163,7 @@
             <p:cNvPr id="18" name="TextBox 17">
               <a:extLst>
                 <a:ext uri="{FF2B5EF4-FFF2-40B4-BE49-F238E27FC236}">
-                  <a16:creationId xmlns:a16="http://schemas.microsoft.com/office/drawing/2014/main" id="{F412A8DC-5995-46AB-878E-65799D10FFAE}"/>
+                  <a16:creationId xmlns:a16="http://schemas.microsoft.com/office/drawing/2014/main" xmlns="" id="{F412A8DC-5995-46AB-878E-65799D10FFAE}"/>
                 </a:ext>
               </a:extLst>
             </p:cNvPr>
@@ -24311,7 +24210,7 @@
           <p:cNvPr id="19" name="그룹 43">
             <a:extLst>
               <a:ext uri="{FF2B5EF4-FFF2-40B4-BE49-F238E27FC236}">
-                <a16:creationId xmlns:a16="http://schemas.microsoft.com/office/drawing/2014/main" id="{97238C91-39C3-4C50-B6C2-A509D639F0F5}"/>
+                <a16:creationId xmlns:a16="http://schemas.microsoft.com/office/drawing/2014/main" xmlns="" id="{97238C91-39C3-4C50-B6C2-A509D639F0F5}"/>
               </a:ext>
             </a:extLst>
           </p:cNvPr>
@@ -24331,7 +24230,7 @@
             <p:cNvPr id="20" name="Right Arrow Callout 4">
               <a:extLst>
                 <a:ext uri="{FF2B5EF4-FFF2-40B4-BE49-F238E27FC236}">
-                  <a16:creationId xmlns:a16="http://schemas.microsoft.com/office/drawing/2014/main" id="{FCFD924B-CE0F-4AAE-AC99-B7BDCFE9E269}"/>
+                  <a16:creationId xmlns:a16="http://schemas.microsoft.com/office/drawing/2014/main" xmlns="" id="{FCFD924B-CE0F-4AAE-AC99-B7BDCFE9E269}"/>
                 </a:ext>
               </a:extLst>
             </p:cNvPr>
@@ -24397,7 +24296,7 @@
             <p:cNvPr id="21" name="Right Arrow Callout 5">
               <a:extLst>
                 <a:ext uri="{FF2B5EF4-FFF2-40B4-BE49-F238E27FC236}">
-                  <a16:creationId xmlns:a16="http://schemas.microsoft.com/office/drawing/2014/main" id="{AD4F5DD1-3523-4E78-A087-5CEB87F97355}"/>
+                  <a16:creationId xmlns:a16="http://schemas.microsoft.com/office/drawing/2014/main" xmlns="" id="{AD4F5DD1-3523-4E78-A087-5CEB87F97355}"/>
                 </a:ext>
               </a:extLst>
             </p:cNvPr>
@@ -24463,7 +24362,7 @@
             <p:cNvPr id="22" name="Right Arrow Callout 6">
               <a:extLst>
                 <a:ext uri="{FF2B5EF4-FFF2-40B4-BE49-F238E27FC236}">
-                  <a16:creationId xmlns:a16="http://schemas.microsoft.com/office/drawing/2014/main" id="{1915F009-AEE8-4443-89A2-1BB6A5862A92}"/>
+                  <a16:creationId xmlns:a16="http://schemas.microsoft.com/office/drawing/2014/main" xmlns="" id="{1915F009-AEE8-4443-89A2-1BB6A5862A92}"/>
                 </a:ext>
               </a:extLst>
             </p:cNvPr>
@@ -24529,7 +24428,7 @@
             <p:cNvPr id="23" name="Right Arrow Callout 7">
               <a:extLst>
                 <a:ext uri="{FF2B5EF4-FFF2-40B4-BE49-F238E27FC236}">
-                  <a16:creationId xmlns:a16="http://schemas.microsoft.com/office/drawing/2014/main" id="{0317B4CC-8150-49AF-8F0D-4D21F2461FB5}"/>
+                  <a16:creationId xmlns:a16="http://schemas.microsoft.com/office/drawing/2014/main" xmlns="" id="{0317B4CC-8150-49AF-8F0D-4D21F2461FB5}"/>
                 </a:ext>
               </a:extLst>
             </p:cNvPr>
@@ -24596,7 +24495,7 @@
           <p:cNvPr id="24" name="Block Arc 20">
             <a:extLst>
               <a:ext uri="{FF2B5EF4-FFF2-40B4-BE49-F238E27FC236}">
-                <a16:creationId xmlns:a16="http://schemas.microsoft.com/office/drawing/2014/main" id="{442BD419-0F67-4BAB-976B-E90CC1C4AECE}"/>
+                <a16:creationId xmlns:a16="http://schemas.microsoft.com/office/drawing/2014/main" xmlns="" id="{442BD419-0F67-4BAB-976B-E90CC1C4AECE}"/>
               </a:ext>
             </a:extLst>
           </p:cNvPr>
@@ -24979,7 +24878,7 @@
           <p:cNvPr id="25" name="Rectangle 1">
             <a:extLst>
               <a:ext uri="{FF2B5EF4-FFF2-40B4-BE49-F238E27FC236}">
-                <a16:creationId xmlns:a16="http://schemas.microsoft.com/office/drawing/2014/main" id="{1CA70209-82A7-44B1-BD3F-84AFF225C28E}"/>
+                <a16:creationId xmlns:a16="http://schemas.microsoft.com/office/drawing/2014/main" xmlns="" id="{1CA70209-82A7-44B1-BD3F-84AFF225C28E}"/>
               </a:ext>
             </a:extLst>
           </p:cNvPr>
@@ -25556,7 +25455,7 @@
           <p:cNvPr id="26" name="Graphic 5">
             <a:extLst>
               <a:ext uri="{FF2B5EF4-FFF2-40B4-BE49-F238E27FC236}">
-                <a16:creationId xmlns:a16="http://schemas.microsoft.com/office/drawing/2014/main" id="{0C406B6E-C528-4B99-8600-80FDBC75CCB6}"/>
+                <a16:creationId xmlns:a16="http://schemas.microsoft.com/office/drawing/2014/main" xmlns="" id="{0C406B6E-C528-4B99-8600-80FDBC75CCB6}"/>
               </a:ext>
             </a:extLst>
           </p:cNvPr>
@@ -27431,7 +27330,7 @@
           <p:cNvPr id="27" name="Freeform: Shape 2">
             <a:extLst>
               <a:ext uri="{FF2B5EF4-FFF2-40B4-BE49-F238E27FC236}">
-                <a16:creationId xmlns:a16="http://schemas.microsoft.com/office/drawing/2014/main" id="{40E10D3B-A636-4560-ABA9-B1710B6CF971}"/>
+                <a16:creationId xmlns:a16="http://schemas.microsoft.com/office/drawing/2014/main" xmlns="" id="{40E10D3B-A636-4560-ABA9-B1710B6CF971}"/>
               </a:ext>
             </a:extLst>
           </p:cNvPr>
@@ -28632,9 +28531,18 @@
           <a:p>
             <a:pPr algn="ctr"/>
             <a:r>
+              <a:rPr lang="tr-TR" sz="1000" smtClean="0"/>
+              <a:t>18 </a:t>
+            </a:r>
+            <a:r>
               <a:rPr lang="tr-TR" sz="1000"/>
-              <a:t>19 / 23</a:t>
-            </a:r>
+              <a:t>/ </a:t>
+            </a:r>
+            <a:r>
+              <a:rPr lang="tr-TR" sz="1000" smtClean="0"/>
+              <a:t>22</a:t>
+            </a:r>
+            <a:endParaRPr lang="tr-TR" sz="1000"/>
           </a:p>
         </p:txBody>
       </p:sp>
@@ -28651,7 +28559,7 @@
 </p:sld>
 </file>
 
-<file path=ppt/slides/slide2.xml><?xml version="1.0" encoding="utf-8"?>
+<file path=ppt/slides/slide19.xml><?xml version="1.0" encoding="utf-8"?>
 <p:sld xmlns:a="http://schemas.openxmlformats.org/drawingml/2006/main" xmlns:r="http://schemas.openxmlformats.org/officeDocument/2006/relationships" xmlns:p="http://schemas.openxmlformats.org/presentationml/2006/main">
   <p:cSld>
     <p:spTree>
@@ -28710,6 +28618,1548 @@
           <a:lstStyle/>
           <a:p>
             <a:r>
+              <a:rPr lang="tr-TR" sz="4800" b="1"/>
+              <a:t>      Technical reasons for using ESM-Tools</a:t>
+            </a:r>
+          </a:p>
+        </p:txBody>
+      </p:sp>
+      <p:sp>
+        <p:nvSpPr>
+          <p:cNvPr id="14" name="TextBox 13"/>
+          <p:cNvSpPr txBox="1"/>
+          <p:nvPr/>
+        </p:nvSpPr>
+        <p:spPr>
+          <a:xfrm>
+            <a:off x="628466" y="2415824"/>
+            <a:ext cx="5741892" cy="4170372"/>
+          </a:xfrm>
+          <a:prstGeom prst="rect">
+            <a:avLst/>
+          </a:prstGeom>
+          <a:noFill/>
+        </p:spPr>
+        <p:txBody>
+          <a:bodyPr wrap="square" rtlCol="0">
+            <a:spAutoFit/>
+          </a:bodyPr>
+          <a:lstStyle/>
+          <a:p>
+            <a:pPr>
+              <a:spcAft>
+                <a:spcPts val="1800"/>
+              </a:spcAft>
+            </a:pPr>
+            <a:r>
+              <a:rPr lang="en-US" sz="2000"/>
+              <a:t>(extended) YAML syntax is </a:t>
+            </a:r>
+            <a:r>
+              <a:rPr lang="en-US" sz="2000" b="1">
+                <a:solidFill>
+                  <a:srgbClr val="00ACE6"/>
+                </a:solidFill>
+              </a:rPr>
+              <a:t>easy</a:t>
+            </a:r>
+            <a:r>
+              <a:rPr lang="en-US" sz="2000"/>
+              <a:t> to read</a:t>
+            </a:r>
+            <a:endParaRPr lang="tr-TR" sz="2000"/>
+          </a:p>
+          <a:p>
+            <a:pPr>
+              <a:spcAft>
+                <a:spcPts val="1800"/>
+              </a:spcAft>
+            </a:pPr>
+            <a:r>
+              <a:rPr lang="tr-TR" sz="2000"/>
+              <a:t>Sample runscripts are already available</a:t>
+            </a:r>
+          </a:p>
+          <a:p>
+            <a:pPr>
+              <a:spcAft>
+                <a:spcPts val="1800"/>
+              </a:spcAft>
+            </a:pPr>
+            <a:r>
+              <a:rPr lang="tr-TR" sz="2000"/>
+              <a:t>Well </a:t>
+            </a:r>
+            <a:r>
+              <a:rPr lang="tr-TR" sz="2000" b="1">
+                <a:solidFill>
+                  <a:srgbClr val="00ACE6"/>
+                </a:solidFill>
+              </a:rPr>
+              <a:t>maintained</a:t>
+            </a:r>
+          </a:p>
+          <a:p>
+            <a:pPr>
+              <a:spcAft>
+                <a:spcPts val="1800"/>
+              </a:spcAft>
+            </a:pPr>
+            <a:r>
+              <a:rPr lang="tr-TR" sz="2000"/>
+              <a:t>Issues on GitHub (and we will take care of them)</a:t>
+            </a:r>
+          </a:p>
+          <a:p>
+            <a:pPr>
+              <a:spcAft>
+                <a:spcPts val="1800"/>
+              </a:spcAft>
+            </a:pPr>
+            <a:r>
+              <a:rPr lang="tr-TR" sz="2000" b="1">
+                <a:solidFill>
+                  <a:srgbClr val="00ACE6"/>
+                </a:solidFill>
+              </a:rPr>
+              <a:t>Updated</a:t>
+            </a:r>
+            <a:r>
+              <a:rPr lang="tr-TR" sz="2000"/>
+              <a:t> regularly</a:t>
+            </a:r>
+          </a:p>
+          <a:p>
+            <a:pPr>
+              <a:spcAft>
+                <a:spcPts val="1800"/>
+              </a:spcAft>
+            </a:pPr>
+            <a:r>
+              <a:rPr lang="tr-TR" sz="2000"/>
+              <a:t>Portable &amp; </a:t>
+            </a:r>
+            <a:r>
+              <a:rPr lang="tr-TR" sz="2000" b="1">
+                <a:solidFill>
+                  <a:srgbClr val="00ACE6"/>
+                </a:solidFill>
+              </a:rPr>
+              <a:t>Tested</a:t>
+            </a:r>
+          </a:p>
+          <a:p>
+            <a:pPr>
+              <a:spcAft>
+                <a:spcPts val="1800"/>
+              </a:spcAft>
+            </a:pPr>
+            <a:r>
+              <a:rPr lang="tr-TR" sz="2000" b="1">
+                <a:solidFill>
+                  <a:srgbClr val="00ACE6"/>
+                </a:solidFill>
+              </a:rPr>
+              <a:t>Documentation</a:t>
+            </a:r>
+            <a:r>
+              <a:rPr lang="tr-TR" sz="2000"/>
+              <a:t> (sphinx, readthedocs)</a:t>
+            </a:r>
+          </a:p>
+          <a:p>
+            <a:pPr>
+              <a:spcAft>
+                <a:spcPts val="1800"/>
+              </a:spcAft>
+            </a:pPr>
+            <a:r>
+              <a:rPr lang="tr-TR" sz="2000" b="1">
+                <a:solidFill>
+                  <a:srgbClr val="00ACE6"/>
+                </a:solidFill>
+              </a:rPr>
+              <a:t>Workshops</a:t>
+            </a:r>
+          </a:p>
+        </p:txBody>
+      </p:sp>
+      <p:cxnSp>
+        <p:nvCxnSpPr>
+          <p:cNvPr id="6" name="Straight Connector 5"/>
+          <p:cNvCxnSpPr>
+            <a:stCxn id="2" idx="2"/>
+          </p:cNvCxnSpPr>
+          <p:nvPr/>
+        </p:nvCxnSpPr>
+        <p:spPr>
+          <a:xfrm>
+            <a:off x="6096000" y="1296366"/>
+            <a:ext cx="13519" cy="5561634"/>
+          </a:xfrm>
+          <a:prstGeom prst="line">
+            <a:avLst/>
+          </a:prstGeom>
+          <a:ln w="34925">
+            <a:solidFill>
+              <a:srgbClr val="00ACE6"/>
+            </a:solidFill>
+          </a:ln>
+        </p:spPr>
+        <p:style>
+          <a:lnRef idx="1">
+            <a:schemeClr val="accent1"/>
+          </a:lnRef>
+          <a:fillRef idx="0">
+            <a:schemeClr val="accent1"/>
+          </a:fillRef>
+          <a:effectRef idx="0">
+            <a:schemeClr val="accent1"/>
+          </a:effectRef>
+          <a:fontRef idx="minor">
+            <a:schemeClr val="tx1"/>
+          </a:fontRef>
+        </p:style>
+      </p:cxnSp>
+      <p:sp>
+        <p:nvSpPr>
+          <p:cNvPr id="13" name="Rectangle 12"/>
+          <p:cNvSpPr/>
+          <p:nvPr/>
+        </p:nvSpPr>
+        <p:spPr>
+          <a:xfrm>
+            <a:off x="7366720" y="1563233"/>
+            <a:ext cx="2101153" cy="461665"/>
+          </a:xfrm>
+          <a:prstGeom prst="rect">
+            <a:avLst/>
+          </a:prstGeom>
+        </p:spPr>
+        <p:txBody>
+          <a:bodyPr wrap="none">
+            <a:spAutoFit/>
+          </a:bodyPr>
+          <a:lstStyle/>
+          <a:p>
+            <a:r>
+              <a:rPr lang="tr-TR" sz="2400" b="1"/>
+              <a:t>For Developers</a:t>
+            </a:r>
+            <a:endParaRPr lang="tr-TR" sz="2400"/>
+          </a:p>
+        </p:txBody>
+      </p:sp>
+      <p:pic>
+        <p:nvPicPr>
+          <p:cNvPr id="16" name="Picture 15"/>
+          <p:cNvPicPr>
+            <a:picLocks noChangeAspect="1"/>
+          </p:cNvPicPr>
+          <p:nvPr/>
+        </p:nvPicPr>
+        <p:blipFill>
+          <a:blip r:embed="rId3"/>
+          <a:stretch>
+            <a:fillRect/>
+          </a:stretch>
+        </p:blipFill>
+        <p:spPr>
+          <a:xfrm>
+            <a:off x="9728518" y="1507793"/>
+            <a:ext cx="540196" cy="563183"/>
+          </a:xfrm>
+          <a:prstGeom prst="rect">
+            <a:avLst/>
+          </a:prstGeom>
+        </p:spPr>
+      </p:pic>
+      <p:pic>
+        <p:nvPicPr>
+          <p:cNvPr id="17" name="Picture 16"/>
+          <p:cNvPicPr>
+            <a:picLocks noChangeAspect="1"/>
+          </p:cNvPicPr>
+          <p:nvPr/>
+        </p:nvPicPr>
+        <p:blipFill>
+          <a:blip r:embed="rId4"/>
+          <a:stretch>
+            <a:fillRect/>
+          </a:stretch>
+        </p:blipFill>
+        <p:spPr>
+          <a:xfrm>
+            <a:off x="3531349" y="1471043"/>
+            <a:ext cx="442068" cy="553855"/>
+          </a:xfrm>
+          <a:prstGeom prst="rect">
+            <a:avLst/>
+          </a:prstGeom>
+        </p:spPr>
+      </p:pic>
+      <p:sp>
+        <p:nvSpPr>
+          <p:cNvPr id="18" name="Rectangle 17"/>
+          <p:cNvSpPr/>
+          <p:nvPr/>
+        </p:nvSpPr>
+        <p:spPr>
+          <a:xfrm>
+            <a:off x="1864389" y="1563233"/>
+            <a:ext cx="1372940" cy="461665"/>
+          </a:xfrm>
+          <a:prstGeom prst="rect">
+            <a:avLst/>
+          </a:prstGeom>
+        </p:spPr>
+        <p:txBody>
+          <a:bodyPr wrap="none">
+            <a:spAutoFit/>
+          </a:bodyPr>
+          <a:lstStyle/>
+          <a:p>
+            <a:r>
+              <a:rPr lang="tr-TR" sz="2400" b="1"/>
+              <a:t>For Users</a:t>
+            </a:r>
+            <a:endParaRPr lang="tr-TR" sz="2400"/>
+          </a:p>
+        </p:txBody>
+      </p:sp>
+      <p:sp>
+        <p:nvSpPr>
+          <p:cNvPr id="19" name="Isosceles Triangle 18"/>
+          <p:cNvSpPr/>
+          <p:nvPr/>
+        </p:nvSpPr>
+        <p:spPr>
+          <a:xfrm rot="5400000">
+            <a:off x="204652" y="2515399"/>
+            <a:ext cx="325949" cy="280991"/>
+          </a:xfrm>
+          <a:prstGeom prst="triangle">
+            <a:avLst/>
+          </a:prstGeom>
+          <a:solidFill>
+            <a:srgbClr val="00ACE6"/>
+          </a:solidFill>
+          <a:ln>
+            <a:noFill/>
+          </a:ln>
+        </p:spPr>
+        <p:style>
+          <a:lnRef idx="2">
+            <a:schemeClr val="accent1">
+              <a:shade val="50000"/>
+            </a:schemeClr>
+          </a:lnRef>
+          <a:fillRef idx="1">
+            <a:schemeClr val="accent1"/>
+          </a:fillRef>
+          <a:effectRef idx="0">
+            <a:schemeClr val="accent1"/>
+          </a:effectRef>
+          <a:fontRef idx="minor">
+            <a:schemeClr val="lt1"/>
+          </a:fontRef>
+        </p:style>
+        <p:txBody>
+          <a:bodyPr rtlCol="0" anchor="ctr"/>
+          <a:lstStyle/>
+          <a:p>
+            <a:pPr algn="ctr"/>
+            <a:endParaRPr lang="tr-TR"/>
+          </a:p>
+        </p:txBody>
+      </p:sp>
+      <p:sp>
+        <p:nvSpPr>
+          <p:cNvPr id="20" name="Isosceles Triangle 19"/>
+          <p:cNvSpPr/>
+          <p:nvPr/>
+        </p:nvSpPr>
+        <p:spPr>
+          <a:xfrm rot="5400000">
+            <a:off x="204652" y="3015040"/>
+            <a:ext cx="325949" cy="280991"/>
+          </a:xfrm>
+          <a:prstGeom prst="triangle">
+            <a:avLst/>
+          </a:prstGeom>
+          <a:solidFill>
+            <a:srgbClr val="00ACE6"/>
+          </a:solidFill>
+          <a:ln>
+            <a:noFill/>
+          </a:ln>
+        </p:spPr>
+        <p:style>
+          <a:lnRef idx="2">
+            <a:schemeClr val="accent1">
+              <a:shade val="50000"/>
+            </a:schemeClr>
+          </a:lnRef>
+          <a:fillRef idx="1">
+            <a:schemeClr val="accent1"/>
+          </a:fillRef>
+          <a:effectRef idx="0">
+            <a:schemeClr val="accent1"/>
+          </a:effectRef>
+          <a:fontRef idx="minor">
+            <a:schemeClr val="lt1"/>
+          </a:fontRef>
+        </p:style>
+        <p:txBody>
+          <a:bodyPr rtlCol="0" anchor="ctr"/>
+          <a:lstStyle/>
+          <a:p>
+            <a:pPr algn="ctr"/>
+            <a:endParaRPr lang="tr-TR"/>
+          </a:p>
+        </p:txBody>
+      </p:sp>
+      <p:sp>
+        <p:nvSpPr>
+          <p:cNvPr id="21" name="Isosceles Triangle 20"/>
+          <p:cNvSpPr/>
+          <p:nvPr/>
+        </p:nvSpPr>
+        <p:spPr>
+          <a:xfrm rot="5400000">
+            <a:off x="204652" y="3514681"/>
+            <a:ext cx="325949" cy="280991"/>
+          </a:xfrm>
+          <a:prstGeom prst="triangle">
+            <a:avLst/>
+          </a:prstGeom>
+          <a:solidFill>
+            <a:srgbClr val="00ACE6"/>
+          </a:solidFill>
+          <a:ln>
+            <a:noFill/>
+          </a:ln>
+        </p:spPr>
+        <p:style>
+          <a:lnRef idx="2">
+            <a:schemeClr val="accent1">
+              <a:shade val="50000"/>
+            </a:schemeClr>
+          </a:lnRef>
+          <a:fillRef idx="1">
+            <a:schemeClr val="accent1"/>
+          </a:fillRef>
+          <a:effectRef idx="0">
+            <a:schemeClr val="accent1"/>
+          </a:effectRef>
+          <a:fontRef idx="minor">
+            <a:schemeClr val="lt1"/>
+          </a:fontRef>
+        </p:style>
+        <p:txBody>
+          <a:bodyPr rtlCol="0" anchor="ctr"/>
+          <a:lstStyle/>
+          <a:p>
+            <a:pPr algn="ctr"/>
+            <a:endParaRPr lang="tr-TR"/>
+          </a:p>
+        </p:txBody>
+      </p:sp>
+      <p:sp>
+        <p:nvSpPr>
+          <p:cNvPr id="22" name="Isosceles Triangle 21"/>
+          <p:cNvSpPr/>
+          <p:nvPr/>
+        </p:nvSpPr>
+        <p:spPr>
+          <a:xfrm rot="5400000">
+            <a:off x="204652" y="4091209"/>
+            <a:ext cx="325949" cy="280991"/>
+          </a:xfrm>
+          <a:prstGeom prst="triangle">
+            <a:avLst/>
+          </a:prstGeom>
+          <a:solidFill>
+            <a:srgbClr val="00ACE6"/>
+          </a:solidFill>
+          <a:ln>
+            <a:noFill/>
+          </a:ln>
+        </p:spPr>
+        <p:style>
+          <a:lnRef idx="2">
+            <a:schemeClr val="accent1">
+              <a:shade val="50000"/>
+            </a:schemeClr>
+          </a:lnRef>
+          <a:fillRef idx="1">
+            <a:schemeClr val="accent1"/>
+          </a:fillRef>
+          <a:effectRef idx="0">
+            <a:schemeClr val="accent1"/>
+          </a:effectRef>
+          <a:fontRef idx="minor">
+            <a:schemeClr val="lt1"/>
+          </a:fontRef>
+        </p:style>
+        <p:txBody>
+          <a:bodyPr rtlCol="0" anchor="ctr"/>
+          <a:lstStyle/>
+          <a:p>
+            <a:pPr algn="ctr"/>
+            <a:endParaRPr lang="tr-TR"/>
+          </a:p>
+        </p:txBody>
+      </p:sp>
+      <p:sp>
+        <p:nvSpPr>
+          <p:cNvPr id="23" name="Isosceles Triangle 22"/>
+          <p:cNvSpPr/>
+          <p:nvPr/>
+        </p:nvSpPr>
+        <p:spPr>
+          <a:xfrm rot="5400000">
+            <a:off x="204652" y="4667737"/>
+            <a:ext cx="325949" cy="280991"/>
+          </a:xfrm>
+          <a:prstGeom prst="triangle">
+            <a:avLst/>
+          </a:prstGeom>
+          <a:solidFill>
+            <a:srgbClr val="00ACE6"/>
+          </a:solidFill>
+          <a:ln>
+            <a:noFill/>
+          </a:ln>
+        </p:spPr>
+        <p:style>
+          <a:lnRef idx="2">
+            <a:schemeClr val="accent1">
+              <a:shade val="50000"/>
+            </a:schemeClr>
+          </a:lnRef>
+          <a:fillRef idx="1">
+            <a:schemeClr val="accent1"/>
+          </a:fillRef>
+          <a:effectRef idx="0">
+            <a:schemeClr val="accent1"/>
+          </a:effectRef>
+          <a:fontRef idx="minor">
+            <a:schemeClr val="lt1"/>
+          </a:fontRef>
+        </p:style>
+        <p:txBody>
+          <a:bodyPr rtlCol="0" anchor="ctr"/>
+          <a:lstStyle/>
+          <a:p>
+            <a:pPr algn="ctr"/>
+            <a:endParaRPr lang="tr-TR"/>
+          </a:p>
+        </p:txBody>
+      </p:sp>
+      <p:sp>
+        <p:nvSpPr>
+          <p:cNvPr id="24" name="Isosceles Triangle 23"/>
+          <p:cNvSpPr/>
+          <p:nvPr/>
+        </p:nvSpPr>
+        <p:spPr>
+          <a:xfrm rot="5400000">
+            <a:off x="204652" y="5167378"/>
+            <a:ext cx="325949" cy="280991"/>
+          </a:xfrm>
+          <a:prstGeom prst="triangle">
+            <a:avLst/>
+          </a:prstGeom>
+          <a:solidFill>
+            <a:srgbClr val="00ACE6"/>
+          </a:solidFill>
+          <a:ln>
+            <a:noFill/>
+          </a:ln>
+        </p:spPr>
+        <p:style>
+          <a:lnRef idx="2">
+            <a:schemeClr val="accent1">
+              <a:shade val="50000"/>
+            </a:schemeClr>
+          </a:lnRef>
+          <a:fillRef idx="1">
+            <a:schemeClr val="accent1"/>
+          </a:fillRef>
+          <a:effectRef idx="0">
+            <a:schemeClr val="accent1"/>
+          </a:effectRef>
+          <a:fontRef idx="minor">
+            <a:schemeClr val="lt1"/>
+          </a:fontRef>
+        </p:style>
+        <p:txBody>
+          <a:bodyPr rtlCol="0" anchor="ctr"/>
+          <a:lstStyle/>
+          <a:p>
+            <a:pPr algn="ctr"/>
+            <a:endParaRPr lang="tr-TR"/>
+          </a:p>
+        </p:txBody>
+      </p:sp>
+      <p:sp>
+        <p:nvSpPr>
+          <p:cNvPr id="25" name="Isosceles Triangle 24"/>
+          <p:cNvSpPr/>
+          <p:nvPr/>
+        </p:nvSpPr>
+        <p:spPr>
+          <a:xfrm rot="5400000">
+            <a:off x="204652" y="5743906"/>
+            <a:ext cx="325949" cy="280991"/>
+          </a:xfrm>
+          <a:prstGeom prst="triangle">
+            <a:avLst/>
+          </a:prstGeom>
+          <a:solidFill>
+            <a:srgbClr val="00ACE6"/>
+          </a:solidFill>
+          <a:ln>
+            <a:noFill/>
+          </a:ln>
+        </p:spPr>
+        <p:style>
+          <a:lnRef idx="2">
+            <a:schemeClr val="accent1">
+              <a:shade val="50000"/>
+            </a:schemeClr>
+          </a:lnRef>
+          <a:fillRef idx="1">
+            <a:schemeClr val="accent1"/>
+          </a:fillRef>
+          <a:effectRef idx="0">
+            <a:schemeClr val="accent1"/>
+          </a:effectRef>
+          <a:fontRef idx="minor">
+            <a:schemeClr val="lt1"/>
+          </a:fontRef>
+        </p:style>
+        <p:txBody>
+          <a:bodyPr rtlCol="0" anchor="ctr"/>
+          <a:lstStyle/>
+          <a:p>
+            <a:pPr algn="ctr"/>
+            <a:endParaRPr lang="tr-TR"/>
+          </a:p>
+        </p:txBody>
+      </p:sp>
+      <p:pic>
+        <p:nvPicPr>
+          <p:cNvPr id="26" name="Picture 25"/>
+          <p:cNvPicPr>
+            <a:picLocks noChangeAspect="1"/>
+          </p:cNvPicPr>
+          <p:nvPr/>
+        </p:nvPicPr>
+        <p:blipFill>
+          <a:blip r:embed="rId5"/>
+          <a:stretch>
+            <a:fillRect/>
+          </a:stretch>
+        </p:blipFill>
+        <p:spPr>
+          <a:xfrm>
+            <a:off x="7190969" y="2415824"/>
+            <a:ext cx="1190599" cy="467735"/>
+          </a:xfrm>
+          <a:prstGeom prst="rect">
+            <a:avLst/>
+          </a:prstGeom>
+        </p:spPr>
+      </p:pic>
+      <p:sp>
+        <p:nvSpPr>
+          <p:cNvPr id="27" name="Isosceles Triangle 26"/>
+          <p:cNvSpPr/>
+          <p:nvPr/>
+        </p:nvSpPr>
+        <p:spPr>
+          <a:xfrm rot="5400000">
+            <a:off x="6617689" y="2515399"/>
+            <a:ext cx="325949" cy="280991"/>
+          </a:xfrm>
+          <a:prstGeom prst="triangle">
+            <a:avLst/>
+          </a:prstGeom>
+          <a:solidFill>
+            <a:srgbClr val="00ACE6"/>
+          </a:solidFill>
+          <a:ln>
+            <a:noFill/>
+          </a:ln>
+        </p:spPr>
+        <p:style>
+          <a:lnRef idx="2">
+            <a:schemeClr val="accent1">
+              <a:shade val="50000"/>
+            </a:schemeClr>
+          </a:lnRef>
+          <a:fillRef idx="1">
+            <a:schemeClr val="accent1"/>
+          </a:fillRef>
+          <a:effectRef idx="0">
+            <a:schemeClr val="accent1"/>
+          </a:effectRef>
+          <a:fontRef idx="minor">
+            <a:schemeClr val="lt1"/>
+          </a:fontRef>
+        </p:style>
+        <p:txBody>
+          <a:bodyPr rtlCol="0" anchor="ctr"/>
+          <a:lstStyle/>
+          <a:p>
+            <a:pPr algn="ctr"/>
+            <a:endParaRPr lang="tr-TR"/>
+          </a:p>
+        </p:txBody>
+      </p:sp>
+      <p:sp>
+        <p:nvSpPr>
+          <p:cNvPr id="28" name="Isosceles Triangle 27"/>
+          <p:cNvSpPr/>
+          <p:nvPr/>
+        </p:nvSpPr>
+        <p:spPr>
+          <a:xfrm rot="5400000">
+            <a:off x="6617689" y="3015040"/>
+            <a:ext cx="325949" cy="280991"/>
+          </a:xfrm>
+          <a:prstGeom prst="triangle">
+            <a:avLst/>
+          </a:prstGeom>
+          <a:solidFill>
+            <a:srgbClr val="00ACE6"/>
+          </a:solidFill>
+          <a:ln>
+            <a:noFill/>
+          </a:ln>
+        </p:spPr>
+        <p:style>
+          <a:lnRef idx="2">
+            <a:schemeClr val="accent1">
+              <a:shade val="50000"/>
+            </a:schemeClr>
+          </a:lnRef>
+          <a:fillRef idx="1">
+            <a:schemeClr val="accent1"/>
+          </a:fillRef>
+          <a:effectRef idx="0">
+            <a:schemeClr val="accent1"/>
+          </a:effectRef>
+          <a:fontRef idx="minor">
+            <a:schemeClr val="lt1"/>
+          </a:fontRef>
+        </p:style>
+        <p:txBody>
+          <a:bodyPr rtlCol="0" anchor="ctr"/>
+          <a:lstStyle/>
+          <a:p>
+            <a:pPr algn="ctr"/>
+            <a:endParaRPr lang="tr-TR"/>
+          </a:p>
+        </p:txBody>
+      </p:sp>
+      <p:sp>
+        <p:nvSpPr>
+          <p:cNvPr id="29" name="Isosceles Triangle 28"/>
+          <p:cNvSpPr/>
+          <p:nvPr/>
+        </p:nvSpPr>
+        <p:spPr>
+          <a:xfrm rot="5400000">
+            <a:off x="6617689" y="3514681"/>
+            <a:ext cx="325949" cy="280991"/>
+          </a:xfrm>
+          <a:prstGeom prst="triangle">
+            <a:avLst/>
+          </a:prstGeom>
+          <a:solidFill>
+            <a:srgbClr val="00ACE6"/>
+          </a:solidFill>
+          <a:ln>
+            <a:noFill/>
+          </a:ln>
+        </p:spPr>
+        <p:style>
+          <a:lnRef idx="2">
+            <a:schemeClr val="accent1">
+              <a:shade val="50000"/>
+            </a:schemeClr>
+          </a:lnRef>
+          <a:fillRef idx="1">
+            <a:schemeClr val="accent1"/>
+          </a:fillRef>
+          <a:effectRef idx="0">
+            <a:schemeClr val="accent1"/>
+          </a:effectRef>
+          <a:fontRef idx="minor">
+            <a:schemeClr val="lt1"/>
+          </a:fontRef>
+        </p:style>
+        <p:txBody>
+          <a:bodyPr rtlCol="0" anchor="ctr"/>
+          <a:lstStyle/>
+          <a:p>
+            <a:pPr algn="ctr"/>
+            <a:endParaRPr lang="tr-TR"/>
+          </a:p>
+        </p:txBody>
+      </p:sp>
+      <p:sp>
+        <p:nvSpPr>
+          <p:cNvPr id="30" name="Isosceles Triangle 29"/>
+          <p:cNvSpPr/>
+          <p:nvPr/>
+        </p:nvSpPr>
+        <p:spPr>
+          <a:xfrm rot="5400000">
+            <a:off x="6617689" y="4091209"/>
+            <a:ext cx="325949" cy="280991"/>
+          </a:xfrm>
+          <a:prstGeom prst="triangle">
+            <a:avLst/>
+          </a:prstGeom>
+          <a:solidFill>
+            <a:srgbClr val="00ACE6"/>
+          </a:solidFill>
+          <a:ln>
+            <a:noFill/>
+          </a:ln>
+        </p:spPr>
+        <p:style>
+          <a:lnRef idx="2">
+            <a:schemeClr val="accent1">
+              <a:shade val="50000"/>
+            </a:schemeClr>
+          </a:lnRef>
+          <a:fillRef idx="1">
+            <a:schemeClr val="accent1"/>
+          </a:fillRef>
+          <a:effectRef idx="0">
+            <a:schemeClr val="accent1"/>
+          </a:effectRef>
+          <a:fontRef idx="minor">
+            <a:schemeClr val="lt1"/>
+          </a:fontRef>
+        </p:style>
+        <p:txBody>
+          <a:bodyPr rtlCol="0" anchor="ctr"/>
+          <a:lstStyle/>
+          <a:p>
+            <a:pPr algn="ctr"/>
+            <a:endParaRPr lang="tr-TR"/>
+          </a:p>
+        </p:txBody>
+      </p:sp>
+      <p:sp>
+        <p:nvSpPr>
+          <p:cNvPr id="31" name="Isosceles Triangle 30"/>
+          <p:cNvSpPr/>
+          <p:nvPr/>
+        </p:nvSpPr>
+        <p:spPr>
+          <a:xfrm rot="5400000">
+            <a:off x="6602163" y="5148039"/>
+            <a:ext cx="325949" cy="280991"/>
+          </a:xfrm>
+          <a:prstGeom prst="triangle">
+            <a:avLst/>
+          </a:prstGeom>
+          <a:solidFill>
+            <a:srgbClr val="00ACE6"/>
+          </a:solidFill>
+          <a:ln>
+            <a:noFill/>
+          </a:ln>
+        </p:spPr>
+        <p:style>
+          <a:lnRef idx="2">
+            <a:schemeClr val="accent1">
+              <a:shade val="50000"/>
+            </a:schemeClr>
+          </a:lnRef>
+          <a:fillRef idx="1">
+            <a:schemeClr val="accent1"/>
+          </a:fillRef>
+          <a:effectRef idx="0">
+            <a:schemeClr val="accent1"/>
+          </a:effectRef>
+          <a:fontRef idx="minor">
+            <a:schemeClr val="lt1"/>
+          </a:fontRef>
+        </p:style>
+        <p:txBody>
+          <a:bodyPr rtlCol="0" anchor="ctr"/>
+          <a:lstStyle/>
+          <a:p>
+            <a:pPr algn="ctr"/>
+            <a:endParaRPr lang="tr-TR"/>
+          </a:p>
+        </p:txBody>
+      </p:sp>
+      <p:sp>
+        <p:nvSpPr>
+          <p:cNvPr id="32" name="Isosceles Triangle 31"/>
+          <p:cNvSpPr/>
+          <p:nvPr/>
+        </p:nvSpPr>
+        <p:spPr>
+          <a:xfrm rot="5400000">
+            <a:off x="6602163" y="5647680"/>
+            <a:ext cx="325949" cy="280991"/>
+          </a:xfrm>
+          <a:prstGeom prst="triangle">
+            <a:avLst/>
+          </a:prstGeom>
+          <a:solidFill>
+            <a:srgbClr val="00ACE6"/>
+          </a:solidFill>
+          <a:ln>
+            <a:noFill/>
+          </a:ln>
+        </p:spPr>
+        <p:style>
+          <a:lnRef idx="2">
+            <a:schemeClr val="accent1">
+              <a:shade val="50000"/>
+            </a:schemeClr>
+          </a:lnRef>
+          <a:fillRef idx="1">
+            <a:schemeClr val="accent1"/>
+          </a:fillRef>
+          <a:effectRef idx="0">
+            <a:schemeClr val="accent1"/>
+          </a:effectRef>
+          <a:fontRef idx="minor">
+            <a:schemeClr val="lt1"/>
+          </a:fontRef>
+        </p:style>
+        <p:txBody>
+          <a:bodyPr rtlCol="0" anchor="ctr"/>
+          <a:lstStyle/>
+          <a:p>
+            <a:pPr algn="ctr"/>
+            <a:endParaRPr lang="tr-TR"/>
+          </a:p>
+        </p:txBody>
+      </p:sp>
+      <p:sp>
+        <p:nvSpPr>
+          <p:cNvPr id="33" name="Isosceles Triangle 32"/>
+          <p:cNvSpPr/>
+          <p:nvPr/>
+        </p:nvSpPr>
+        <p:spPr>
+          <a:xfrm rot="5400000">
+            <a:off x="6602163" y="6224208"/>
+            <a:ext cx="325949" cy="280991"/>
+          </a:xfrm>
+          <a:prstGeom prst="triangle">
+            <a:avLst/>
+          </a:prstGeom>
+          <a:solidFill>
+            <a:srgbClr val="00ACE6"/>
+          </a:solidFill>
+          <a:ln>
+            <a:noFill/>
+          </a:ln>
+        </p:spPr>
+        <p:style>
+          <a:lnRef idx="2">
+            <a:schemeClr val="accent1">
+              <a:shade val="50000"/>
+            </a:schemeClr>
+          </a:lnRef>
+          <a:fillRef idx="1">
+            <a:schemeClr val="accent1"/>
+          </a:fillRef>
+          <a:effectRef idx="0">
+            <a:schemeClr val="accent1"/>
+          </a:effectRef>
+          <a:fontRef idx="minor">
+            <a:schemeClr val="lt1"/>
+          </a:fontRef>
+        </p:style>
+        <p:txBody>
+          <a:bodyPr rtlCol="0" anchor="ctr"/>
+          <a:lstStyle/>
+          <a:p>
+            <a:pPr algn="ctr"/>
+            <a:endParaRPr lang="tr-TR"/>
+          </a:p>
+        </p:txBody>
+      </p:sp>
+      <p:sp>
+        <p:nvSpPr>
+          <p:cNvPr id="35" name="Rectangle 34"/>
+          <p:cNvSpPr/>
+          <p:nvPr/>
+        </p:nvSpPr>
+        <p:spPr>
+          <a:xfrm>
+            <a:off x="7028950" y="2977412"/>
+            <a:ext cx="4087401" cy="369332"/>
+          </a:xfrm>
+          <a:prstGeom prst="rect">
+            <a:avLst/>
+          </a:prstGeom>
+        </p:spPr>
+        <p:txBody>
+          <a:bodyPr wrap="none">
+            <a:spAutoFit/>
+          </a:bodyPr>
+          <a:lstStyle/>
+          <a:p>
+            <a:pPr>
+              <a:spcAft>
+                <a:spcPts val="1800"/>
+              </a:spcAft>
+            </a:pPr>
+            <a:r>
+              <a:rPr lang="tr-TR"/>
+              <a:t>E</a:t>
+            </a:r>
+            <a:r>
+              <a:rPr lang="en-US"/>
+              <a:t>asier to read / write (compared to </a:t>
+            </a:r>
+            <a:r>
+              <a:rPr lang="tr-TR"/>
+              <a:t>       </a:t>
+            </a:r>
+            <a:r>
+              <a:rPr lang="en-US"/>
+              <a:t>)</a:t>
+            </a:r>
+            <a:endParaRPr lang="tr-TR"/>
+          </a:p>
+        </p:txBody>
+      </p:sp>
+      <p:sp>
+        <p:nvSpPr>
+          <p:cNvPr id="36" name="Rectangle 35"/>
+          <p:cNvSpPr/>
+          <p:nvPr/>
+        </p:nvSpPr>
+        <p:spPr>
+          <a:xfrm>
+            <a:off x="7028948" y="3500917"/>
+            <a:ext cx="3154710" cy="369332"/>
+          </a:xfrm>
+          <a:prstGeom prst="rect">
+            <a:avLst/>
+          </a:prstGeom>
+        </p:spPr>
+        <p:txBody>
+          <a:bodyPr wrap="none">
+            <a:spAutoFit/>
+          </a:bodyPr>
+          <a:lstStyle/>
+          <a:p>
+            <a:pPr>
+              <a:spcAft>
+                <a:spcPts val="1800"/>
+              </a:spcAft>
+            </a:pPr>
+            <a:r>
+              <a:rPr lang="tr-TR"/>
+              <a:t>OOP, High level data structures</a:t>
+            </a:r>
+          </a:p>
+        </p:txBody>
+      </p:sp>
+      <p:sp>
+        <p:nvSpPr>
+          <p:cNvPr id="37" name="Rectangle 36"/>
+          <p:cNvSpPr/>
+          <p:nvPr/>
+        </p:nvSpPr>
+        <p:spPr>
+          <a:xfrm>
+            <a:off x="7028948" y="4083819"/>
+            <a:ext cx="3098284" cy="369332"/>
+          </a:xfrm>
+          <a:prstGeom prst="rect">
+            <a:avLst/>
+          </a:prstGeom>
+        </p:spPr>
+        <p:txBody>
+          <a:bodyPr wrap="none">
+            <a:spAutoFit/>
+          </a:bodyPr>
+          <a:lstStyle/>
+          <a:p>
+            <a:pPr>
+              <a:spcAft>
+                <a:spcPts val="1800"/>
+              </a:spcAft>
+            </a:pPr>
+            <a:r>
+              <a:rPr lang="tr-TR"/>
+              <a:t>Easier to </a:t>
+            </a:r>
+            <a:r>
+              <a:rPr lang="tr-TR" b="1">
+                <a:solidFill>
+                  <a:srgbClr val="00ACE6"/>
+                </a:solidFill>
+              </a:rPr>
+              <a:t>debug</a:t>
+            </a:r>
+            <a:r>
+              <a:rPr lang="tr-TR"/>
+              <a:t> (via pdb, ipdb)</a:t>
+            </a:r>
+          </a:p>
+        </p:txBody>
+      </p:sp>
+      <p:sp>
+        <p:nvSpPr>
+          <p:cNvPr id="38" name="Rectangle 37"/>
+          <p:cNvSpPr/>
+          <p:nvPr/>
+        </p:nvSpPr>
+        <p:spPr>
+          <a:xfrm>
+            <a:off x="7013422" y="5144580"/>
+            <a:ext cx="4431213" cy="369332"/>
+          </a:xfrm>
+          <a:prstGeom prst="rect">
+            <a:avLst/>
+          </a:prstGeom>
+        </p:spPr>
+        <p:txBody>
+          <a:bodyPr wrap="none">
+            <a:spAutoFit/>
+          </a:bodyPr>
+          <a:lstStyle/>
+          <a:p>
+            <a:pPr>
+              <a:spcAft>
+                <a:spcPts val="1800"/>
+              </a:spcAft>
+            </a:pPr>
+            <a:r>
+              <a:rPr lang="tr-TR"/>
+              <a:t>Hosted on GitHub &amp; robust branching model</a:t>
+            </a:r>
+          </a:p>
+        </p:txBody>
+      </p:sp>
+      <p:sp>
+        <p:nvSpPr>
+          <p:cNvPr id="39" name="Rectangle 38"/>
+          <p:cNvSpPr/>
+          <p:nvPr/>
+        </p:nvSpPr>
+        <p:spPr>
+          <a:xfrm>
+            <a:off x="7013424" y="5615375"/>
+            <a:ext cx="4091441" cy="369332"/>
+          </a:xfrm>
+          <a:prstGeom prst="rect">
+            <a:avLst/>
+          </a:prstGeom>
+        </p:spPr>
+        <p:txBody>
+          <a:bodyPr wrap="none">
+            <a:spAutoFit/>
+          </a:bodyPr>
+          <a:lstStyle/>
+          <a:p>
+            <a:pPr>
+              <a:spcAft>
+                <a:spcPts val="1800"/>
+              </a:spcAft>
+            </a:pPr>
+            <a:r>
+              <a:rPr lang="tr-TR" b="1">
+                <a:solidFill>
+                  <a:srgbClr val="00B0F0"/>
+                </a:solidFill>
+              </a:rPr>
+              <a:t>Open-source</a:t>
+            </a:r>
+            <a:r>
+              <a:rPr lang="tr-TR"/>
+              <a:t> development is encouraged</a:t>
+            </a:r>
+          </a:p>
+        </p:txBody>
+      </p:sp>
+      <p:sp>
+        <p:nvSpPr>
+          <p:cNvPr id="40" name="Rectangle 39"/>
+          <p:cNvSpPr/>
+          <p:nvPr/>
+        </p:nvSpPr>
+        <p:spPr>
+          <a:xfrm>
+            <a:off x="7013423" y="6172106"/>
+            <a:ext cx="4530727" cy="369332"/>
+          </a:xfrm>
+          <a:prstGeom prst="rect">
+            <a:avLst/>
+          </a:prstGeom>
+        </p:spPr>
+        <p:txBody>
+          <a:bodyPr wrap="none">
+            <a:spAutoFit/>
+          </a:bodyPr>
+          <a:lstStyle/>
+          <a:p>
+            <a:pPr>
+              <a:spcAft>
+                <a:spcPts val="1800"/>
+              </a:spcAft>
+            </a:pPr>
+            <a:r>
+              <a:rPr lang="tr-TR"/>
+              <a:t>[In progress] CI/CD, DevOps, Automated </a:t>
+            </a:r>
+            <a:r>
+              <a:rPr lang="tr-TR" b="1">
+                <a:solidFill>
+                  <a:srgbClr val="00B0F0"/>
+                </a:solidFill>
+              </a:rPr>
+              <a:t>tests</a:t>
+            </a:r>
+          </a:p>
+        </p:txBody>
+      </p:sp>
+      <p:pic>
+        <p:nvPicPr>
+          <p:cNvPr id="41" name="Picture 40"/>
+          <p:cNvPicPr>
+            <a:picLocks noChangeAspect="1"/>
+          </p:cNvPicPr>
+          <p:nvPr/>
+        </p:nvPicPr>
+        <p:blipFill>
+          <a:blip r:embed="rId6"/>
+          <a:stretch>
+            <a:fillRect/>
+          </a:stretch>
+        </p:blipFill>
+        <p:spPr>
+          <a:xfrm>
+            <a:off x="10525247" y="2969591"/>
+            <a:ext cx="273933" cy="359537"/>
+          </a:xfrm>
+          <a:prstGeom prst="rect">
+            <a:avLst/>
+          </a:prstGeom>
+        </p:spPr>
+      </p:pic>
+      <p:sp>
+        <p:nvSpPr>
+          <p:cNvPr id="42" name="Isosceles Triangle 41"/>
+          <p:cNvSpPr/>
+          <p:nvPr/>
+        </p:nvSpPr>
+        <p:spPr>
+          <a:xfrm rot="5400000">
+            <a:off x="6602163" y="4604586"/>
+            <a:ext cx="325949" cy="280991"/>
+          </a:xfrm>
+          <a:prstGeom prst="triangle">
+            <a:avLst/>
+          </a:prstGeom>
+          <a:solidFill>
+            <a:srgbClr val="00ACE6"/>
+          </a:solidFill>
+          <a:ln>
+            <a:noFill/>
+          </a:ln>
+        </p:spPr>
+        <p:style>
+          <a:lnRef idx="2">
+            <a:schemeClr val="accent1">
+              <a:shade val="50000"/>
+            </a:schemeClr>
+          </a:lnRef>
+          <a:fillRef idx="1">
+            <a:schemeClr val="accent1"/>
+          </a:fillRef>
+          <a:effectRef idx="0">
+            <a:schemeClr val="accent1"/>
+          </a:effectRef>
+          <a:fontRef idx="minor">
+            <a:schemeClr val="lt1"/>
+          </a:fontRef>
+        </p:style>
+        <p:txBody>
+          <a:bodyPr rtlCol="0" anchor="ctr"/>
+          <a:lstStyle/>
+          <a:p>
+            <a:pPr algn="ctr"/>
+            <a:endParaRPr lang="tr-TR"/>
+          </a:p>
+        </p:txBody>
+      </p:sp>
+      <p:sp>
+        <p:nvSpPr>
+          <p:cNvPr id="43" name="Rectangle 42"/>
+          <p:cNvSpPr/>
+          <p:nvPr/>
+        </p:nvSpPr>
+        <p:spPr>
+          <a:xfrm>
+            <a:off x="7013422" y="4590822"/>
+            <a:ext cx="3280770" cy="369332"/>
+          </a:xfrm>
+          <a:prstGeom prst="rect">
+            <a:avLst/>
+          </a:prstGeom>
+        </p:spPr>
+        <p:txBody>
+          <a:bodyPr wrap="none">
+            <a:spAutoFit/>
+          </a:bodyPr>
+          <a:lstStyle/>
+          <a:p>
+            <a:pPr>
+              <a:spcAft>
+                <a:spcPts val="1800"/>
+              </a:spcAft>
+            </a:pPr>
+            <a:r>
+              <a:rPr lang="tr-TR"/>
+              <a:t>Configuration files are </a:t>
+            </a:r>
+            <a:r>
+              <a:rPr lang="tr-TR" b="1">
+                <a:solidFill>
+                  <a:srgbClr val="00B0F0"/>
+                </a:solidFill>
+              </a:rPr>
+              <a:t>inherited</a:t>
+            </a:r>
+          </a:p>
+        </p:txBody>
+      </p:sp>
+      <p:sp>
+        <p:nvSpPr>
+          <p:cNvPr id="44" name="Isosceles Triangle 43"/>
+          <p:cNvSpPr/>
+          <p:nvPr/>
+        </p:nvSpPr>
+        <p:spPr>
+          <a:xfrm rot="5400000">
+            <a:off x="204652" y="6224207"/>
+            <a:ext cx="325949" cy="280991"/>
+          </a:xfrm>
+          <a:prstGeom prst="triangle">
+            <a:avLst/>
+          </a:prstGeom>
+          <a:solidFill>
+            <a:srgbClr val="00ACE6"/>
+          </a:solidFill>
+          <a:ln>
+            <a:noFill/>
+          </a:ln>
+        </p:spPr>
+        <p:style>
+          <a:lnRef idx="2">
+            <a:schemeClr val="accent1">
+              <a:shade val="50000"/>
+            </a:schemeClr>
+          </a:lnRef>
+          <a:fillRef idx="1">
+            <a:schemeClr val="accent1"/>
+          </a:fillRef>
+          <a:effectRef idx="0">
+            <a:schemeClr val="accent1"/>
+          </a:effectRef>
+          <a:fontRef idx="minor">
+            <a:schemeClr val="lt1"/>
+          </a:fontRef>
+        </p:style>
+        <p:txBody>
+          <a:bodyPr rtlCol="0" anchor="ctr"/>
+          <a:lstStyle/>
+          <a:p>
+            <a:pPr algn="ctr"/>
+            <a:endParaRPr lang="tr-TR"/>
+          </a:p>
+        </p:txBody>
+      </p:sp>
+      <p:sp>
+        <p:nvSpPr>
+          <p:cNvPr id="45" name="Oval 44"/>
+          <p:cNvSpPr/>
+          <p:nvPr/>
+        </p:nvSpPr>
+        <p:spPr>
+          <a:xfrm>
+            <a:off x="161197" y="364604"/>
+            <a:ext cx="567159" cy="567159"/>
+          </a:xfrm>
+          <a:prstGeom prst="ellipse">
+            <a:avLst/>
+          </a:prstGeom>
+          <a:solidFill>
+            <a:schemeClr val="bg1"/>
+          </a:solidFill>
+          <a:ln>
+            <a:noFill/>
+          </a:ln>
+        </p:spPr>
+        <p:style>
+          <a:lnRef idx="2">
+            <a:schemeClr val="accent1">
+              <a:shade val="50000"/>
+            </a:schemeClr>
+          </a:lnRef>
+          <a:fillRef idx="1">
+            <a:schemeClr val="accent1"/>
+          </a:fillRef>
+          <a:effectRef idx="0">
+            <a:schemeClr val="accent1"/>
+          </a:effectRef>
+          <a:fontRef idx="minor">
+            <a:schemeClr val="lt1"/>
+          </a:fontRef>
+        </p:style>
+        <p:txBody>
+          <a:bodyPr rtlCol="0" anchor="ctr"/>
+          <a:lstStyle/>
+          <a:p>
+            <a:pPr algn="ctr"/>
+            <a:r>
+              <a:rPr lang="tr-TR" sz="3600" b="1">
+                <a:solidFill>
+                  <a:srgbClr val="00ACE6"/>
+                </a:solidFill>
+              </a:rPr>
+              <a:t>1</a:t>
+            </a:r>
+          </a:p>
+        </p:txBody>
+      </p:sp>
+      <p:sp>
+        <p:nvSpPr>
+          <p:cNvPr id="46" name="Slide Number Placeholder 4"/>
+          <p:cNvSpPr>
+            <a:spLocks noGrp="1"/>
+          </p:cNvSpPr>
+          <p:nvPr>
+            <p:ph type="sldNum" sz="quarter" idx="12"/>
+          </p:nvPr>
+        </p:nvSpPr>
+        <p:spPr>
+          <a:xfrm>
+            <a:off x="11623040" y="6485550"/>
+            <a:ext cx="568960" cy="372450"/>
+          </a:xfrm>
+          <a:solidFill>
+            <a:schemeClr val="bg2"/>
+          </a:solidFill>
+        </p:spPr>
+        <p:txBody>
+          <a:bodyPr/>
+          <a:lstStyle/>
+          <a:p>
+            <a:pPr algn="ctr"/>
+            <a:r>
+              <a:rPr lang="tr-TR" sz="1000" smtClean="0"/>
+              <a:t>19</a:t>
+            </a:r>
+            <a:r>
+              <a:rPr lang="tr-TR" sz="1000" smtClean="0"/>
+              <a:t> </a:t>
+            </a:r>
+            <a:r>
+              <a:rPr lang="tr-TR" sz="1000"/>
+              <a:t>/ </a:t>
+            </a:r>
+            <a:r>
+              <a:rPr lang="tr-TR" sz="1000" smtClean="0"/>
+              <a:t>22</a:t>
+            </a:r>
+            <a:endParaRPr lang="tr-TR" sz="1000"/>
+          </a:p>
+        </p:txBody>
+      </p:sp>
+    </p:spTree>
+    <p:extLst>
+      <p:ext uri="{BB962C8B-B14F-4D97-AF65-F5344CB8AC3E}">
+        <p14:creationId xmlns:p14="http://schemas.microsoft.com/office/powerpoint/2010/main" val="417446303"/>
+      </p:ext>
+    </p:extLst>
+  </p:cSld>
+  <p:clrMapOvr>
+    <a:masterClrMapping/>
+  </p:clrMapOvr>
+</p:sld>
+</file>
+
+<file path=ppt/slides/slide2.xml><?xml version="1.0" encoding="utf-8"?>
+<p:sld xmlns:a="http://schemas.openxmlformats.org/drawingml/2006/main" xmlns:r="http://schemas.openxmlformats.org/officeDocument/2006/relationships" xmlns:p="http://schemas.openxmlformats.org/presentationml/2006/main">
+  <p:cSld>
+    <p:spTree>
+      <p:nvGrpSpPr>
+        <p:cNvPr id="1" name=""/>
+        <p:cNvGrpSpPr/>
+        <p:nvPr/>
+      </p:nvGrpSpPr>
+      <p:grpSpPr>
+        <a:xfrm>
+          <a:off x="0" y="0"/>
+          <a:ext cx="0" cy="0"/>
+          <a:chOff x="0" y="0"/>
+          <a:chExt cx="0" cy="0"/>
+        </a:xfrm>
+      </p:grpSpPr>
+      <p:sp>
+        <p:nvSpPr>
+          <p:cNvPr id="2" name="Rectangle 1"/>
+          <p:cNvSpPr/>
+          <p:nvPr/>
+        </p:nvSpPr>
+        <p:spPr>
+          <a:xfrm>
+            <a:off x="0" y="2"/>
+            <a:ext cx="12192000" cy="1296364"/>
+          </a:xfrm>
+          <a:prstGeom prst="rect">
+            <a:avLst/>
+          </a:prstGeom>
+          <a:solidFill>
+            <a:srgbClr val="00ACE6"/>
+          </a:solidFill>
+          <a:ln>
+            <a:noFill/>
+          </a:ln>
+        </p:spPr>
+        <p:style>
+          <a:lnRef idx="2">
+            <a:schemeClr val="accent1">
+              <a:shade val="50000"/>
+            </a:schemeClr>
+          </a:lnRef>
+          <a:fillRef idx="1">
+            <a:schemeClr val="accent1"/>
+          </a:fillRef>
+          <a:effectRef idx="0">
+            <a:schemeClr val="accent1"/>
+          </a:effectRef>
+          <a:fontRef idx="minor">
+            <a:schemeClr val="lt1"/>
+          </a:fontRef>
+        </p:style>
+        <p:txBody>
+          <a:bodyPr rtlCol="0" anchor="ctr"/>
+          <a:lstStyle/>
+          <a:p>
+            <a:r>
               <a:rPr lang="tr-TR" sz="4800" b="1">
                 <a:solidFill>
                   <a:prstClr val="white"/>
@@ -28779,7 +30229,7 @@
           <p:cNvPr id="3" name="Table 2">
             <a:extLst>
               <a:ext uri="{FF2B5EF4-FFF2-40B4-BE49-F238E27FC236}">
-                <a16:creationId xmlns:a16="http://schemas.microsoft.com/office/drawing/2014/main" id="{E57C5358-2F1C-B4A2-80BA-4EB8F6F093FD}"/>
+                <a16:creationId xmlns:a16="http://schemas.microsoft.com/office/drawing/2014/main" xmlns="" id="{E57C5358-2F1C-B4A2-80BA-4EB8F6F093FD}"/>
               </a:ext>
             </a:extLst>
           </p:cNvPr>
@@ -28806,21 +30256,21 @@
                 <a:gridCol w="1170630">
                   <a:extLst>
                     <a:ext uri="{9D8B030D-6E8A-4147-A177-3AD203B41FA5}">
-                      <a16:colId xmlns:a16="http://schemas.microsoft.com/office/drawing/2014/main" val="2085809158"/>
+                      <a16:colId xmlns:a16="http://schemas.microsoft.com/office/drawing/2014/main" xmlns="" val="2085809158"/>
                     </a:ext>
                   </a:extLst>
                 </a:gridCol>
                 <a:gridCol w="277570">
                   <a:extLst>
                     <a:ext uri="{9D8B030D-6E8A-4147-A177-3AD203B41FA5}">
-                      <a16:colId xmlns:a16="http://schemas.microsoft.com/office/drawing/2014/main" val="1162518780"/>
+                      <a16:colId xmlns:a16="http://schemas.microsoft.com/office/drawing/2014/main" xmlns="" val="1162518780"/>
                     </a:ext>
                   </a:extLst>
                 </a:gridCol>
                 <a:gridCol w="6082444">
                   <a:extLst>
                     <a:ext uri="{9D8B030D-6E8A-4147-A177-3AD203B41FA5}">
-                      <a16:colId xmlns:a16="http://schemas.microsoft.com/office/drawing/2014/main" val="1360676965"/>
+                      <a16:colId xmlns:a16="http://schemas.microsoft.com/office/drawing/2014/main" xmlns="" val="1360676965"/>
                     </a:ext>
                   </a:extLst>
                 </a:gridCol>
@@ -29003,7 +30453,7 @@
                 </a:tc>
                 <a:extLst>
                   <a:ext uri="{0D108BD9-81ED-4DB2-BD59-A6C34878D82A}">
-                    <a16:rowId xmlns:a16="http://schemas.microsoft.com/office/drawing/2014/main" val="3878478292"/>
+                    <a16:rowId xmlns:a16="http://schemas.microsoft.com/office/drawing/2014/main" xmlns="" val="3878478292"/>
                   </a:ext>
                 </a:extLst>
               </a:tr>
@@ -29037,21 +30487,21 @@
                 <a:gridCol w="1170630">
                   <a:extLst>
                     <a:ext uri="{9D8B030D-6E8A-4147-A177-3AD203B41FA5}">
-                      <a16:colId xmlns:a16="http://schemas.microsoft.com/office/drawing/2014/main" val="20000"/>
+                      <a16:colId xmlns:a16="http://schemas.microsoft.com/office/drawing/2014/main" xmlns="" val="20000"/>
                     </a:ext>
                   </a:extLst>
                 </a:gridCol>
                 <a:gridCol w="277570">
                   <a:extLst>
                     <a:ext uri="{9D8B030D-6E8A-4147-A177-3AD203B41FA5}">
-                      <a16:colId xmlns:a16="http://schemas.microsoft.com/office/drawing/2014/main" val="20001"/>
+                      <a16:colId xmlns:a16="http://schemas.microsoft.com/office/drawing/2014/main" xmlns="" val="20001"/>
                     </a:ext>
                   </a:extLst>
                 </a:gridCol>
                 <a:gridCol w="6082444">
                   <a:extLst>
                     <a:ext uri="{9D8B030D-6E8A-4147-A177-3AD203B41FA5}">
-                      <a16:colId xmlns:a16="http://schemas.microsoft.com/office/drawing/2014/main" val="20002"/>
+                      <a16:colId xmlns:a16="http://schemas.microsoft.com/office/drawing/2014/main" xmlns="" val="20002"/>
                     </a:ext>
                   </a:extLst>
                 </a:gridCol>
@@ -29269,7 +30719,7 @@
                 </a:tc>
                 <a:extLst>
                   <a:ext uri="{0D108BD9-81ED-4DB2-BD59-A6C34878D82A}">
-                    <a16:rowId xmlns:a16="http://schemas.microsoft.com/office/drawing/2014/main" val="10000"/>
+                    <a16:rowId xmlns:a16="http://schemas.microsoft.com/office/drawing/2014/main" xmlns="" val="10000"/>
                   </a:ext>
                 </a:extLst>
               </a:tr>
@@ -29507,7 +30957,7 @@
                 </a:tc>
                 <a:extLst>
                   <a:ext uri="{0D108BD9-81ED-4DB2-BD59-A6C34878D82A}">
-                    <a16:rowId xmlns:a16="http://schemas.microsoft.com/office/drawing/2014/main" val="10001"/>
+                    <a16:rowId xmlns:a16="http://schemas.microsoft.com/office/drawing/2014/main" xmlns="" val="10001"/>
                   </a:ext>
                 </a:extLst>
               </a:tr>
@@ -29719,7 +31169,7 @@
                 </a:tc>
                 <a:extLst>
                   <a:ext uri="{0D108BD9-81ED-4DB2-BD59-A6C34878D82A}">
-                    <a16:rowId xmlns:a16="http://schemas.microsoft.com/office/drawing/2014/main" val="10002"/>
+                    <a16:rowId xmlns:a16="http://schemas.microsoft.com/office/drawing/2014/main" xmlns="" val="10002"/>
                   </a:ext>
                 </a:extLst>
               </a:tr>
@@ -29954,7 +31404,7 @@
                 </a:tc>
                 <a:extLst>
                   <a:ext uri="{0D108BD9-81ED-4DB2-BD59-A6C34878D82A}">
-                    <a16:rowId xmlns:a16="http://schemas.microsoft.com/office/drawing/2014/main" val="10003"/>
+                    <a16:rowId xmlns:a16="http://schemas.microsoft.com/office/drawing/2014/main" xmlns="" val="10003"/>
                   </a:ext>
                 </a:extLst>
               </a:tr>
@@ -30236,7 +31686,7 @@
                 </a:tc>
                 <a:extLst>
                   <a:ext uri="{0D108BD9-81ED-4DB2-BD59-A6C34878D82A}">
-                    <a16:rowId xmlns:a16="http://schemas.microsoft.com/office/drawing/2014/main" val="10004"/>
+                    <a16:rowId xmlns:a16="http://schemas.microsoft.com/office/drawing/2014/main" xmlns="" val="10004"/>
                   </a:ext>
                 </a:extLst>
               </a:tr>
@@ -30448,7 +31898,7 @@
                 </a:tc>
                 <a:extLst>
                   <a:ext uri="{0D108BD9-81ED-4DB2-BD59-A6C34878D82A}">
-                    <a16:rowId xmlns:a16="http://schemas.microsoft.com/office/drawing/2014/main" val="10005"/>
+                    <a16:rowId xmlns:a16="http://schemas.microsoft.com/office/drawing/2014/main" xmlns="" val="10005"/>
                   </a:ext>
                 </a:extLst>
               </a:tr>
@@ -30694,7 +32144,7 @@
                 </a:tc>
                 <a:extLst>
                   <a:ext uri="{0D108BD9-81ED-4DB2-BD59-A6C34878D82A}">
-                    <a16:rowId xmlns:a16="http://schemas.microsoft.com/office/drawing/2014/main" val="10006"/>
+                    <a16:rowId xmlns:a16="http://schemas.microsoft.com/office/drawing/2014/main" xmlns="" val="10006"/>
                   </a:ext>
                 </a:extLst>
               </a:tr>
@@ -30707,7 +32157,7 @@
           <p:cNvPr id="6" name="Table 5">
             <a:extLst>
               <a:ext uri="{FF2B5EF4-FFF2-40B4-BE49-F238E27FC236}">
-                <a16:creationId xmlns:a16="http://schemas.microsoft.com/office/drawing/2014/main" id="{E57C5358-2F1C-B4A2-80BA-4EB8F6F093FD}"/>
+                <a16:creationId xmlns:a16="http://schemas.microsoft.com/office/drawing/2014/main" xmlns="" id="{E57C5358-2F1C-B4A2-80BA-4EB8F6F093FD}"/>
               </a:ext>
             </a:extLst>
           </p:cNvPr>
@@ -30734,21 +32184,21 @@
                 <a:gridCol w="1046485">
                   <a:extLst>
                     <a:ext uri="{9D8B030D-6E8A-4147-A177-3AD203B41FA5}">
-                      <a16:colId xmlns:a16="http://schemas.microsoft.com/office/drawing/2014/main" val="2085809158"/>
+                      <a16:colId xmlns:a16="http://schemas.microsoft.com/office/drawing/2014/main" xmlns="" val="2085809158"/>
                     </a:ext>
                   </a:extLst>
                 </a:gridCol>
                 <a:gridCol w="236306">
                   <a:extLst>
                     <a:ext uri="{9D8B030D-6E8A-4147-A177-3AD203B41FA5}">
-                      <a16:colId xmlns:a16="http://schemas.microsoft.com/office/drawing/2014/main" val="1162518780"/>
+                      <a16:colId xmlns:a16="http://schemas.microsoft.com/office/drawing/2014/main" xmlns="" val="1162518780"/>
                     </a:ext>
                   </a:extLst>
                 </a:gridCol>
                 <a:gridCol w="3369614">
                   <a:extLst>
                     <a:ext uri="{9D8B030D-6E8A-4147-A177-3AD203B41FA5}">
-                      <a16:colId xmlns:a16="http://schemas.microsoft.com/office/drawing/2014/main" val="1360676965"/>
+                      <a16:colId xmlns:a16="http://schemas.microsoft.com/office/drawing/2014/main" xmlns="" val="1360676965"/>
                     </a:ext>
                   </a:extLst>
                 </a:gridCol>
@@ -31013,7 +32463,7 @@
                 </a:tc>
                 <a:extLst>
                   <a:ext uri="{0D108BD9-81ED-4DB2-BD59-A6C34878D82A}">
-                    <a16:rowId xmlns:a16="http://schemas.microsoft.com/office/drawing/2014/main" val="1615172577"/>
+                    <a16:rowId xmlns:a16="http://schemas.microsoft.com/office/drawing/2014/main" xmlns="" val="1615172577"/>
                   </a:ext>
                 </a:extLst>
               </a:tr>
@@ -31224,7 +32674,7 @@
                 </a:tc>
                 <a:extLst>
                   <a:ext uri="{0D108BD9-81ED-4DB2-BD59-A6C34878D82A}">
-                    <a16:rowId xmlns:a16="http://schemas.microsoft.com/office/drawing/2014/main" val="3045844909"/>
+                    <a16:rowId xmlns:a16="http://schemas.microsoft.com/office/drawing/2014/main" xmlns="" val="3045844909"/>
                   </a:ext>
                 </a:extLst>
               </a:tr>
@@ -31488,7 +32938,7 @@
                 </a:tc>
                 <a:extLst>
                   <a:ext uri="{0D108BD9-81ED-4DB2-BD59-A6C34878D82A}">
-                    <a16:rowId xmlns:a16="http://schemas.microsoft.com/office/drawing/2014/main" val="1200766124"/>
+                    <a16:rowId xmlns:a16="http://schemas.microsoft.com/office/drawing/2014/main" xmlns="" val="1200766124"/>
                   </a:ext>
                 </a:extLst>
               </a:tr>
@@ -31695,7 +33145,7 @@
                 </a:tc>
                 <a:extLst>
                   <a:ext uri="{0D108BD9-81ED-4DB2-BD59-A6C34878D82A}">
-                    <a16:rowId xmlns:a16="http://schemas.microsoft.com/office/drawing/2014/main" val="2751798815"/>
+                    <a16:rowId xmlns:a16="http://schemas.microsoft.com/office/drawing/2014/main" xmlns="" val="2751798815"/>
                   </a:ext>
                 </a:extLst>
               </a:tr>
@@ -31902,7 +33352,7 @@
                 </a:tc>
                 <a:extLst>
                   <a:ext uri="{0D108BD9-81ED-4DB2-BD59-A6C34878D82A}">
-                    <a16:rowId xmlns:a16="http://schemas.microsoft.com/office/drawing/2014/main" val="1774161713"/>
+                    <a16:rowId xmlns:a16="http://schemas.microsoft.com/office/drawing/2014/main" xmlns="" val="1774161713"/>
                   </a:ext>
                 </a:extLst>
               </a:tr>
@@ -32023,8 +33473,13 @@
             <a:pPr algn="ctr"/>
             <a:r>
               <a:rPr lang="tr-TR" sz="1000"/>
-              <a:t>2 / 23</a:t>
-            </a:r>
+              <a:t>2 / </a:t>
+            </a:r>
+            <a:r>
+              <a:rPr lang="tr-TR" sz="1000" smtClean="0"/>
+              <a:t>22</a:t>
+            </a:r>
+            <a:endParaRPr lang="tr-TR" sz="1000"/>
           </a:p>
         </p:txBody>
       </p:sp>
@@ -32042,1535 +33497,6 @@
 </file>
 
 <file path=ppt/slides/slide20.xml><?xml version="1.0" encoding="utf-8"?>
-<p:sld xmlns:a="http://schemas.openxmlformats.org/drawingml/2006/main" xmlns:r="http://schemas.openxmlformats.org/officeDocument/2006/relationships" xmlns:p="http://schemas.openxmlformats.org/presentationml/2006/main">
-  <p:cSld>
-    <p:spTree>
-      <p:nvGrpSpPr>
-        <p:cNvPr id="1" name=""/>
-        <p:cNvGrpSpPr/>
-        <p:nvPr/>
-      </p:nvGrpSpPr>
-      <p:grpSpPr>
-        <a:xfrm>
-          <a:off x="0" y="0"/>
-          <a:ext cx="0" cy="0"/>
-          <a:chOff x="0" y="0"/>
-          <a:chExt cx="0" cy="0"/>
-        </a:xfrm>
-      </p:grpSpPr>
-      <p:sp>
-        <p:nvSpPr>
-          <p:cNvPr id="2" name="Rectangle 1"/>
-          <p:cNvSpPr/>
-          <p:nvPr/>
-        </p:nvSpPr>
-        <p:spPr>
-          <a:xfrm>
-            <a:off x="0" y="2"/>
-            <a:ext cx="12192000" cy="1296364"/>
-          </a:xfrm>
-          <a:prstGeom prst="rect">
-            <a:avLst/>
-          </a:prstGeom>
-          <a:solidFill>
-            <a:srgbClr val="00ACE6"/>
-          </a:solidFill>
-          <a:ln>
-            <a:noFill/>
-          </a:ln>
-        </p:spPr>
-        <p:style>
-          <a:lnRef idx="2">
-            <a:schemeClr val="accent1">
-              <a:shade val="50000"/>
-            </a:schemeClr>
-          </a:lnRef>
-          <a:fillRef idx="1">
-            <a:schemeClr val="accent1"/>
-          </a:fillRef>
-          <a:effectRef idx="0">
-            <a:schemeClr val="accent1"/>
-          </a:effectRef>
-          <a:fontRef idx="minor">
-            <a:schemeClr val="lt1"/>
-          </a:fontRef>
-        </p:style>
-        <p:txBody>
-          <a:bodyPr rtlCol="0" anchor="ctr"/>
-          <a:lstStyle/>
-          <a:p>
-            <a:r>
-              <a:rPr lang="tr-TR" sz="4800" b="1"/>
-              <a:t>      Technical reasons for using ESM-Tools</a:t>
-            </a:r>
-          </a:p>
-        </p:txBody>
-      </p:sp>
-      <p:sp>
-        <p:nvSpPr>
-          <p:cNvPr id="14" name="TextBox 13"/>
-          <p:cNvSpPr txBox="1"/>
-          <p:nvPr/>
-        </p:nvSpPr>
-        <p:spPr>
-          <a:xfrm>
-            <a:off x="628466" y="2415824"/>
-            <a:ext cx="5741892" cy="4170372"/>
-          </a:xfrm>
-          <a:prstGeom prst="rect">
-            <a:avLst/>
-          </a:prstGeom>
-          <a:noFill/>
-        </p:spPr>
-        <p:txBody>
-          <a:bodyPr wrap="square" rtlCol="0">
-            <a:spAutoFit/>
-          </a:bodyPr>
-          <a:lstStyle/>
-          <a:p>
-            <a:pPr>
-              <a:spcAft>
-                <a:spcPts val="1800"/>
-              </a:spcAft>
-            </a:pPr>
-            <a:r>
-              <a:rPr lang="en-US" sz="2000"/>
-              <a:t>(extended) YAML syntax is </a:t>
-            </a:r>
-            <a:r>
-              <a:rPr lang="en-US" sz="2000" b="1">
-                <a:solidFill>
-                  <a:srgbClr val="00ACE6"/>
-                </a:solidFill>
-              </a:rPr>
-              <a:t>easy</a:t>
-            </a:r>
-            <a:r>
-              <a:rPr lang="en-US" sz="2000"/>
-              <a:t> to read</a:t>
-            </a:r>
-            <a:endParaRPr lang="tr-TR" sz="2000"/>
-          </a:p>
-          <a:p>
-            <a:pPr>
-              <a:spcAft>
-                <a:spcPts val="1800"/>
-              </a:spcAft>
-            </a:pPr>
-            <a:r>
-              <a:rPr lang="tr-TR" sz="2000"/>
-              <a:t>Sample runscripts are already available</a:t>
-            </a:r>
-          </a:p>
-          <a:p>
-            <a:pPr>
-              <a:spcAft>
-                <a:spcPts val="1800"/>
-              </a:spcAft>
-            </a:pPr>
-            <a:r>
-              <a:rPr lang="tr-TR" sz="2000"/>
-              <a:t>Well </a:t>
-            </a:r>
-            <a:r>
-              <a:rPr lang="tr-TR" sz="2000" b="1">
-                <a:solidFill>
-                  <a:srgbClr val="00ACE6"/>
-                </a:solidFill>
-              </a:rPr>
-              <a:t>maintained</a:t>
-            </a:r>
-          </a:p>
-          <a:p>
-            <a:pPr>
-              <a:spcAft>
-                <a:spcPts val="1800"/>
-              </a:spcAft>
-            </a:pPr>
-            <a:r>
-              <a:rPr lang="tr-TR" sz="2000"/>
-              <a:t>Issues on GitHub (and we will take care of them)</a:t>
-            </a:r>
-          </a:p>
-          <a:p>
-            <a:pPr>
-              <a:spcAft>
-                <a:spcPts val="1800"/>
-              </a:spcAft>
-            </a:pPr>
-            <a:r>
-              <a:rPr lang="tr-TR" sz="2000" b="1">
-                <a:solidFill>
-                  <a:srgbClr val="00ACE6"/>
-                </a:solidFill>
-              </a:rPr>
-              <a:t>Updated</a:t>
-            </a:r>
-            <a:r>
-              <a:rPr lang="tr-TR" sz="2000"/>
-              <a:t> regularly</a:t>
-            </a:r>
-          </a:p>
-          <a:p>
-            <a:pPr>
-              <a:spcAft>
-                <a:spcPts val="1800"/>
-              </a:spcAft>
-            </a:pPr>
-            <a:r>
-              <a:rPr lang="tr-TR" sz="2000"/>
-              <a:t>Portable &amp; </a:t>
-            </a:r>
-            <a:r>
-              <a:rPr lang="tr-TR" sz="2000" b="1">
-                <a:solidFill>
-                  <a:srgbClr val="00ACE6"/>
-                </a:solidFill>
-              </a:rPr>
-              <a:t>Tested</a:t>
-            </a:r>
-          </a:p>
-          <a:p>
-            <a:pPr>
-              <a:spcAft>
-                <a:spcPts val="1800"/>
-              </a:spcAft>
-            </a:pPr>
-            <a:r>
-              <a:rPr lang="tr-TR" sz="2000" b="1">
-                <a:solidFill>
-                  <a:srgbClr val="00ACE6"/>
-                </a:solidFill>
-              </a:rPr>
-              <a:t>Documentation</a:t>
-            </a:r>
-            <a:r>
-              <a:rPr lang="tr-TR" sz="2000"/>
-              <a:t> (sphinx, readthedocs)</a:t>
-            </a:r>
-          </a:p>
-          <a:p>
-            <a:pPr>
-              <a:spcAft>
-                <a:spcPts val="1800"/>
-              </a:spcAft>
-            </a:pPr>
-            <a:r>
-              <a:rPr lang="tr-TR" sz="2000" b="1">
-                <a:solidFill>
-                  <a:srgbClr val="00ACE6"/>
-                </a:solidFill>
-              </a:rPr>
-              <a:t>Workshops</a:t>
-            </a:r>
-          </a:p>
-        </p:txBody>
-      </p:sp>
-      <p:cxnSp>
-        <p:nvCxnSpPr>
-          <p:cNvPr id="6" name="Straight Connector 5"/>
-          <p:cNvCxnSpPr>
-            <a:stCxn id="2" idx="2"/>
-          </p:cNvCxnSpPr>
-          <p:nvPr/>
-        </p:nvCxnSpPr>
-        <p:spPr>
-          <a:xfrm>
-            <a:off x="6096000" y="1296366"/>
-            <a:ext cx="13519" cy="5561634"/>
-          </a:xfrm>
-          <a:prstGeom prst="line">
-            <a:avLst/>
-          </a:prstGeom>
-          <a:ln w="34925">
-            <a:solidFill>
-              <a:srgbClr val="00ACE6"/>
-            </a:solidFill>
-          </a:ln>
-        </p:spPr>
-        <p:style>
-          <a:lnRef idx="1">
-            <a:schemeClr val="accent1"/>
-          </a:lnRef>
-          <a:fillRef idx="0">
-            <a:schemeClr val="accent1"/>
-          </a:fillRef>
-          <a:effectRef idx="0">
-            <a:schemeClr val="accent1"/>
-          </a:effectRef>
-          <a:fontRef idx="minor">
-            <a:schemeClr val="tx1"/>
-          </a:fontRef>
-        </p:style>
-      </p:cxnSp>
-      <p:sp>
-        <p:nvSpPr>
-          <p:cNvPr id="13" name="Rectangle 12"/>
-          <p:cNvSpPr/>
-          <p:nvPr/>
-        </p:nvSpPr>
-        <p:spPr>
-          <a:xfrm>
-            <a:off x="7366720" y="1563233"/>
-            <a:ext cx="2101153" cy="461665"/>
-          </a:xfrm>
-          <a:prstGeom prst="rect">
-            <a:avLst/>
-          </a:prstGeom>
-        </p:spPr>
-        <p:txBody>
-          <a:bodyPr wrap="none">
-            <a:spAutoFit/>
-          </a:bodyPr>
-          <a:lstStyle/>
-          <a:p>
-            <a:r>
-              <a:rPr lang="tr-TR" sz="2400" b="1"/>
-              <a:t>For Developers</a:t>
-            </a:r>
-            <a:endParaRPr lang="tr-TR" sz="2400"/>
-          </a:p>
-        </p:txBody>
-      </p:sp>
-      <p:pic>
-        <p:nvPicPr>
-          <p:cNvPr id="16" name="Picture 15"/>
-          <p:cNvPicPr>
-            <a:picLocks noChangeAspect="1"/>
-          </p:cNvPicPr>
-          <p:nvPr/>
-        </p:nvPicPr>
-        <p:blipFill>
-          <a:blip r:embed="rId3"/>
-          <a:stretch>
-            <a:fillRect/>
-          </a:stretch>
-        </p:blipFill>
-        <p:spPr>
-          <a:xfrm>
-            <a:off x="9728518" y="1507793"/>
-            <a:ext cx="540196" cy="563183"/>
-          </a:xfrm>
-          <a:prstGeom prst="rect">
-            <a:avLst/>
-          </a:prstGeom>
-        </p:spPr>
-      </p:pic>
-      <p:pic>
-        <p:nvPicPr>
-          <p:cNvPr id="17" name="Picture 16"/>
-          <p:cNvPicPr>
-            <a:picLocks noChangeAspect="1"/>
-          </p:cNvPicPr>
-          <p:nvPr/>
-        </p:nvPicPr>
-        <p:blipFill>
-          <a:blip r:embed="rId4"/>
-          <a:stretch>
-            <a:fillRect/>
-          </a:stretch>
-        </p:blipFill>
-        <p:spPr>
-          <a:xfrm>
-            <a:off x="3531349" y="1471043"/>
-            <a:ext cx="442068" cy="553855"/>
-          </a:xfrm>
-          <a:prstGeom prst="rect">
-            <a:avLst/>
-          </a:prstGeom>
-        </p:spPr>
-      </p:pic>
-      <p:sp>
-        <p:nvSpPr>
-          <p:cNvPr id="18" name="Rectangle 17"/>
-          <p:cNvSpPr/>
-          <p:nvPr/>
-        </p:nvSpPr>
-        <p:spPr>
-          <a:xfrm>
-            <a:off x="1864389" y="1563233"/>
-            <a:ext cx="1372940" cy="461665"/>
-          </a:xfrm>
-          <a:prstGeom prst="rect">
-            <a:avLst/>
-          </a:prstGeom>
-        </p:spPr>
-        <p:txBody>
-          <a:bodyPr wrap="none">
-            <a:spAutoFit/>
-          </a:bodyPr>
-          <a:lstStyle/>
-          <a:p>
-            <a:r>
-              <a:rPr lang="tr-TR" sz="2400" b="1"/>
-              <a:t>For Users</a:t>
-            </a:r>
-            <a:endParaRPr lang="tr-TR" sz="2400"/>
-          </a:p>
-        </p:txBody>
-      </p:sp>
-      <p:sp>
-        <p:nvSpPr>
-          <p:cNvPr id="19" name="Isosceles Triangle 18"/>
-          <p:cNvSpPr/>
-          <p:nvPr/>
-        </p:nvSpPr>
-        <p:spPr>
-          <a:xfrm rot="5400000">
-            <a:off x="204652" y="2515399"/>
-            <a:ext cx="325949" cy="280991"/>
-          </a:xfrm>
-          <a:prstGeom prst="triangle">
-            <a:avLst/>
-          </a:prstGeom>
-          <a:solidFill>
-            <a:srgbClr val="00ACE6"/>
-          </a:solidFill>
-          <a:ln>
-            <a:noFill/>
-          </a:ln>
-        </p:spPr>
-        <p:style>
-          <a:lnRef idx="2">
-            <a:schemeClr val="accent1">
-              <a:shade val="50000"/>
-            </a:schemeClr>
-          </a:lnRef>
-          <a:fillRef idx="1">
-            <a:schemeClr val="accent1"/>
-          </a:fillRef>
-          <a:effectRef idx="0">
-            <a:schemeClr val="accent1"/>
-          </a:effectRef>
-          <a:fontRef idx="minor">
-            <a:schemeClr val="lt1"/>
-          </a:fontRef>
-        </p:style>
-        <p:txBody>
-          <a:bodyPr rtlCol="0" anchor="ctr"/>
-          <a:lstStyle/>
-          <a:p>
-            <a:pPr algn="ctr"/>
-            <a:endParaRPr lang="tr-TR"/>
-          </a:p>
-        </p:txBody>
-      </p:sp>
-      <p:sp>
-        <p:nvSpPr>
-          <p:cNvPr id="20" name="Isosceles Triangle 19"/>
-          <p:cNvSpPr/>
-          <p:nvPr/>
-        </p:nvSpPr>
-        <p:spPr>
-          <a:xfrm rot="5400000">
-            <a:off x="204652" y="3015040"/>
-            <a:ext cx="325949" cy="280991"/>
-          </a:xfrm>
-          <a:prstGeom prst="triangle">
-            <a:avLst/>
-          </a:prstGeom>
-          <a:solidFill>
-            <a:srgbClr val="00ACE6"/>
-          </a:solidFill>
-          <a:ln>
-            <a:noFill/>
-          </a:ln>
-        </p:spPr>
-        <p:style>
-          <a:lnRef idx="2">
-            <a:schemeClr val="accent1">
-              <a:shade val="50000"/>
-            </a:schemeClr>
-          </a:lnRef>
-          <a:fillRef idx="1">
-            <a:schemeClr val="accent1"/>
-          </a:fillRef>
-          <a:effectRef idx="0">
-            <a:schemeClr val="accent1"/>
-          </a:effectRef>
-          <a:fontRef idx="minor">
-            <a:schemeClr val="lt1"/>
-          </a:fontRef>
-        </p:style>
-        <p:txBody>
-          <a:bodyPr rtlCol="0" anchor="ctr"/>
-          <a:lstStyle/>
-          <a:p>
-            <a:pPr algn="ctr"/>
-            <a:endParaRPr lang="tr-TR"/>
-          </a:p>
-        </p:txBody>
-      </p:sp>
-      <p:sp>
-        <p:nvSpPr>
-          <p:cNvPr id="21" name="Isosceles Triangle 20"/>
-          <p:cNvSpPr/>
-          <p:nvPr/>
-        </p:nvSpPr>
-        <p:spPr>
-          <a:xfrm rot="5400000">
-            <a:off x="204652" y="3514681"/>
-            <a:ext cx="325949" cy="280991"/>
-          </a:xfrm>
-          <a:prstGeom prst="triangle">
-            <a:avLst/>
-          </a:prstGeom>
-          <a:solidFill>
-            <a:srgbClr val="00ACE6"/>
-          </a:solidFill>
-          <a:ln>
-            <a:noFill/>
-          </a:ln>
-        </p:spPr>
-        <p:style>
-          <a:lnRef idx="2">
-            <a:schemeClr val="accent1">
-              <a:shade val="50000"/>
-            </a:schemeClr>
-          </a:lnRef>
-          <a:fillRef idx="1">
-            <a:schemeClr val="accent1"/>
-          </a:fillRef>
-          <a:effectRef idx="0">
-            <a:schemeClr val="accent1"/>
-          </a:effectRef>
-          <a:fontRef idx="minor">
-            <a:schemeClr val="lt1"/>
-          </a:fontRef>
-        </p:style>
-        <p:txBody>
-          <a:bodyPr rtlCol="0" anchor="ctr"/>
-          <a:lstStyle/>
-          <a:p>
-            <a:pPr algn="ctr"/>
-            <a:endParaRPr lang="tr-TR"/>
-          </a:p>
-        </p:txBody>
-      </p:sp>
-      <p:sp>
-        <p:nvSpPr>
-          <p:cNvPr id="22" name="Isosceles Triangle 21"/>
-          <p:cNvSpPr/>
-          <p:nvPr/>
-        </p:nvSpPr>
-        <p:spPr>
-          <a:xfrm rot="5400000">
-            <a:off x="204652" y="4091209"/>
-            <a:ext cx="325949" cy="280991"/>
-          </a:xfrm>
-          <a:prstGeom prst="triangle">
-            <a:avLst/>
-          </a:prstGeom>
-          <a:solidFill>
-            <a:srgbClr val="00ACE6"/>
-          </a:solidFill>
-          <a:ln>
-            <a:noFill/>
-          </a:ln>
-        </p:spPr>
-        <p:style>
-          <a:lnRef idx="2">
-            <a:schemeClr val="accent1">
-              <a:shade val="50000"/>
-            </a:schemeClr>
-          </a:lnRef>
-          <a:fillRef idx="1">
-            <a:schemeClr val="accent1"/>
-          </a:fillRef>
-          <a:effectRef idx="0">
-            <a:schemeClr val="accent1"/>
-          </a:effectRef>
-          <a:fontRef idx="minor">
-            <a:schemeClr val="lt1"/>
-          </a:fontRef>
-        </p:style>
-        <p:txBody>
-          <a:bodyPr rtlCol="0" anchor="ctr"/>
-          <a:lstStyle/>
-          <a:p>
-            <a:pPr algn="ctr"/>
-            <a:endParaRPr lang="tr-TR"/>
-          </a:p>
-        </p:txBody>
-      </p:sp>
-      <p:sp>
-        <p:nvSpPr>
-          <p:cNvPr id="23" name="Isosceles Triangle 22"/>
-          <p:cNvSpPr/>
-          <p:nvPr/>
-        </p:nvSpPr>
-        <p:spPr>
-          <a:xfrm rot="5400000">
-            <a:off x="204652" y="4667737"/>
-            <a:ext cx="325949" cy="280991"/>
-          </a:xfrm>
-          <a:prstGeom prst="triangle">
-            <a:avLst/>
-          </a:prstGeom>
-          <a:solidFill>
-            <a:srgbClr val="00ACE6"/>
-          </a:solidFill>
-          <a:ln>
-            <a:noFill/>
-          </a:ln>
-        </p:spPr>
-        <p:style>
-          <a:lnRef idx="2">
-            <a:schemeClr val="accent1">
-              <a:shade val="50000"/>
-            </a:schemeClr>
-          </a:lnRef>
-          <a:fillRef idx="1">
-            <a:schemeClr val="accent1"/>
-          </a:fillRef>
-          <a:effectRef idx="0">
-            <a:schemeClr val="accent1"/>
-          </a:effectRef>
-          <a:fontRef idx="minor">
-            <a:schemeClr val="lt1"/>
-          </a:fontRef>
-        </p:style>
-        <p:txBody>
-          <a:bodyPr rtlCol="0" anchor="ctr"/>
-          <a:lstStyle/>
-          <a:p>
-            <a:pPr algn="ctr"/>
-            <a:endParaRPr lang="tr-TR"/>
-          </a:p>
-        </p:txBody>
-      </p:sp>
-      <p:sp>
-        <p:nvSpPr>
-          <p:cNvPr id="24" name="Isosceles Triangle 23"/>
-          <p:cNvSpPr/>
-          <p:nvPr/>
-        </p:nvSpPr>
-        <p:spPr>
-          <a:xfrm rot="5400000">
-            <a:off x="204652" y="5167378"/>
-            <a:ext cx="325949" cy="280991"/>
-          </a:xfrm>
-          <a:prstGeom prst="triangle">
-            <a:avLst/>
-          </a:prstGeom>
-          <a:solidFill>
-            <a:srgbClr val="00ACE6"/>
-          </a:solidFill>
-          <a:ln>
-            <a:noFill/>
-          </a:ln>
-        </p:spPr>
-        <p:style>
-          <a:lnRef idx="2">
-            <a:schemeClr val="accent1">
-              <a:shade val="50000"/>
-            </a:schemeClr>
-          </a:lnRef>
-          <a:fillRef idx="1">
-            <a:schemeClr val="accent1"/>
-          </a:fillRef>
-          <a:effectRef idx="0">
-            <a:schemeClr val="accent1"/>
-          </a:effectRef>
-          <a:fontRef idx="minor">
-            <a:schemeClr val="lt1"/>
-          </a:fontRef>
-        </p:style>
-        <p:txBody>
-          <a:bodyPr rtlCol="0" anchor="ctr"/>
-          <a:lstStyle/>
-          <a:p>
-            <a:pPr algn="ctr"/>
-            <a:endParaRPr lang="tr-TR"/>
-          </a:p>
-        </p:txBody>
-      </p:sp>
-      <p:sp>
-        <p:nvSpPr>
-          <p:cNvPr id="25" name="Isosceles Triangle 24"/>
-          <p:cNvSpPr/>
-          <p:nvPr/>
-        </p:nvSpPr>
-        <p:spPr>
-          <a:xfrm rot="5400000">
-            <a:off x="204652" y="5743906"/>
-            <a:ext cx="325949" cy="280991"/>
-          </a:xfrm>
-          <a:prstGeom prst="triangle">
-            <a:avLst/>
-          </a:prstGeom>
-          <a:solidFill>
-            <a:srgbClr val="00ACE6"/>
-          </a:solidFill>
-          <a:ln>
-            <a:noFill/>
-          </a:ln>
-        </p:spPr>
-        <p:style>
-          <a:lnRef idx="2">
-            <a:schemeClr val="accent1">
-              <a:shade val="50000"/>
-            </a:schemeClr>
-          </a:lnRef>
-          <a:fillRef idx="1">
-            <a:schemeClr val="accent1"/>
-          </a:fillRef>
-          <a:effectRef idx="0">
-            <a:schemeClr val="accent1"/>
-          </a:effectRef>
-          <a:fontRef idx="minor">
-            <a:schemeClr val="lt1"/>
-          </a:fontRef>
-        </p:style>
-        <p:txBody>
-          <a:bodyPr rtlCol="0" anchor="ctr"/>
-          <a:lstStyle/>
-          <a:p>
-            <a:pPr algn="ctr"/>
-            <a:endParaRPr lang="tr-TR"/>
-          </a:p>
-        </p:txBody>
-      </p:sp>
-      <p:pic>
-        <p:nvPicPr>
-          <p:cNvPr id="26" name="Picture 25"/>
-          <p:cNvPicPr>
-            <a:picLocks noChangeAspect="1"/>
-          </p:cNvPicPr>
-          <p:nvPr/>
-        </p:nvPicPr>
-        <p:blipFill>
-          <a:blip r:embed="rId5"/>
-          <a:stretch>
-            <a:fillRect/>
-          </a:stretch>
-        </p:blipFill>
-        <p:spPr>
-          <a:xfrm>
-            <a:off x="7190969" y="2415824"/>
-            <a:ext cx="1190599" cy="467735"/>
-          </a:xfrm>
-          <a:prstGeom prst="rect">
-            <a:avLst/>
-          </a:prstGeom>
-        </p:spPr>
-      </p:pic>
-      <p:sp>
-        <p:nvSpPr>
-          <p:cNvPr id="27" name="Isosceles Triangle 26"/>
-          <p:cNvSpPr/>
-          <p:nvPr/>
-        </p:nvSpPr>
-        <p:spPr>
-          <a:xfrm rot="5400000">
-            <a:off x="6617689" y="2515399"/>
-            <a:ext cx="325949" cy="280991"/>
-          </a:xfrm>
-          <a:prstGeom prst="triangle">
-            <a:avLst/>
-          </a:prstGeom>
-          <a:solidFill>
-            <a:srgbClr val="00ACE6"/>
-          </a:solidFill>
-          <a:ln>
-            <a:noFill/>
-          </a:ln>
-        </p:spPr>
-        <p:style>
-          <a:lnRef idx="2">
-            <a:schemeClr val="accent1">
-              <a:shade val="50000"/>
-            </a:schemeClr>
-          </a:lnRef>
-          <a:fillRef idx="1">
-            <a:schemeClr val="accent1"/>
-          </a:fillRef>
-          <a:effectRef idx="0">
-            <a:schemeClr val="accent1"/>
-          </a:effectRef>
-          <a:fontRef idx="minor">
-            <a:schemeClr val="lt1"/>
-          </a:fontRef>
-        </p:style>
-        <p:txBody>
-          <a:bodyPr rtlCol="0" anchor="ctr"/>
-          <a:lstStyle/>
-          <a:p>
-            <a:pPr algn="ctr"/>
-            <a:endParaRPr lang="tr-TR"/>
-          </a:p>
-        </p:txBody>
-      </p:sp>
-      <p:sp>
-        <p:nvSpPr>
-          <p:cNvPr id="28" name="Isosceles Triangle 27"/>
-          <p:cNvSpPr/>
-          <p:nvPr/>
-        </p:nvSpPr>
-        <p:spPr>
-          <a:xfrm rot="5400000">
-            <a:off x="6617689" y="3015040"/>
-            <a:ext cx="325949" cy="280991"/>
-          </a:xfrm>
-          <a:prstGeom prst="triangle">
-            <a:avLst/>
-          </a:prstGeom>
-          <a:solidFill>
-            <a:srgbClr val="00ACE6"/>
-          </a:solidFill>
-          <a:ln>
-            <a:noFill/>
-          </a:ln>
-        </p:spPr>
-        <p:style>
-          <a:lnRef idx="2">
-            <a:schemeClr val="accent1">
-              <a:shade val="50000"/>
-            </a:schemeClr>
-          </a:lnRef>
-          <a:fillRef idx="1">
-            <a:schemeClr val="accent1"/>
-          </a:fillRef>
-          <a:effectRef idx="0">
-            <a:schemeClr val="accent1"/>
-          </a:effectRef>
-          <a:fontRef idx="minor">
-            <a:schemeClr val="lt1"/>
-          </a:fontRef>
-        </p:style>
-        <p:txBody>
-          <a:bodyPr rtlCol="0" anchor="ctr"/>
-          <a:lstStyle/>
-          <a:p>
-            <a:pPr algn="ctr"/>
-            <a:endParaRPr lang="tr-TR"/>
-          </a:p>
-        </p:txBody>
-      </p:sp>
-      <p:sp>
-        <p:nvSpPr>
-          <p:cNvPr id="29" name="Isosceles Triangle 28"/>
-          <p:cNvSpPr/>
-          <p:nvPr/>
-        </p:nvSpPr>
-        <p:spPr>
-          <a:xfrm rot="5400000">
-            <a:off x="6617689" y="3514681"/>
-            <a:ext cx="325949" cy="280991"/>
-          </a:xfrm>
-          <a:prstGeom prst="triangle">
-            <a:avLst/>
-          </a:prstGeom>
-          <a:solidFill>
-            <a:srgbClr val="00ACE6"/>
-          </a:solidFill>
-          <a:ln>
-            <a:noFill/>
-          </a:ln>
-        </p:spPr>
-        <p:style>
-          <a:lnRef idx="2">
-            <a:schemeClr val="accent1">
-              <a:shade val="50000"/>
-            </a:schemeClr>
-          </a:lnRef>
-          <a:fillRef idx="1">
-            <a:schemeClr val="accent1"/>
-          </a:fillRef>
-          <a:effectRef idx="0">
-            <a:schemeClr val="accent1"/>
-          </a:effectRef>
-          <a:fontRef idx="minor">
-            <a:schemeClr val="lt1"/>
-          </a:fontRef>
-        </p:style>
-        <p:txBody>
-          <a:bodyPr rtlCol="0" anchor="ctr"/>
-          <a:lstStyle/>
-          <a:p>
-            <a:pPr algn="ctr"/>
-            <a:endParaRPr lang="tr-TR"/>
-          </a:p>
-        </p:txBody>
-      </p:sp>
-      <p:sp>
-        <p:nvSpPr>
-          <p:cNvPr id="30" name="Isosceles Triangle 29"/>
-          <p:cNvSpPr/>
-          <p:nvPr/>
-        </p:nvSpPr>
-        <p:spPr>
-          <a:xfrm rot="5400000">
-            <a:off x="6617689" y="4091209"/>
-            <a:ext cx="325949" cy="280991"/>
-          </a:xfrm>
-          <a:prstGeom prst="triangle">
-            <a:avLst/>
-          </a:prstGeom>
-          <a:solidFill>
-            <a:srgbClr val="00ACE6"/>
-          </a:solidFill>
-          <a:ln>
-            <a:noFill/>
-          </a:ln>
-        </p:spPr>
-        <p:style>
-          <a:lnRef idx="2">
-            <a:schemeClr val="accent1">
-              <a:shade val="50000"/>
-            </a:schemeClr>
-          </a:lnRef>
-          <a:fillRef idx="1">
-            <a:schemeClr val="accent1"/>
-          </a:fillRef>
-          <a:effectRef idx="0">
-            <a:schemeClr val="accent1"/>
-          </a:effectRef>
-          <a:fontRef idx="minor">
-            <a:schemeClr val="lt1"/>
-          </a:fontRef>
-        </p:style>
-        <p:txBody>
-          <a:bodyPr rtlCol="0" anchor="ctr"/>
-          <a:lstStyle/>
-          <a:p>
-            <a:pPr algn="ctr"/>
-            <a:endParaRPr lang="tr-TR"/>
-          </a:p>
-        </p:txBody>
-      </p:sp>
-      <p:sp>
-        <p:nvSpPr>
-          <p:cNvPr id="31" name="Isosceles Triangle 30"/>
-          <p:cNvSpPr/>
-          <p:nvPr/>
-        </p:nvSpPr>
-        <p:spPr>
-          <a:xfrm rot="5400000">
-            <a:off x="6602163" y="5148039"/>
-            <a:ext cx="325949" cy="280991"/>
-          </a:xfrm>
-          <a:prstGeom prst="triangle">
-            <a:avLst/>
-          </a:prstGeom>
-          <a:solidFill>
-            <a:srgbClr val="00ACE6"/>
-          </a:solidFill>
-          <a:ln>
-            <a:noFill/>
-          </a:ln>
-        </p:spPr>
-        <p:style>
-          <a:lnRef idx="2">
-            <a:schemeClr val="accent1">
-              <a:shade val="50000"/>
-            </a:schemeClr>
-          </a:lnRef>
-          <a:fillRef idx="1">
-            <a:schemeClr val="accent1"/>
-          </a:fillRef>
-          <a:effectRef idx="0">
-            <a:schemeClr val="accent1"/>
-          </a:effectRef>
-          <a:fontRef idx="minor">
-            <a:schemeClr val="lt1"/>
-          </a:fontRef>
-        </p:style>
-        <p:txBody>
-          <a:bodyPr rtlCol="0" anchor="ctr"/>
-          <a:lstStyle/>
-          <a:p>
-            <a:pPr algn="ctr"/>
-            <a:endParaRPr lang="tr-TR"/>
-          </a:p>
-        </p:txBody>
-      </p:sp>
-      <p:sp>
-        <p:nvSpPr>
-          <p:cNvPr id="32" name="Isosceles Triangle 31"/>
-          <p:cNvSpPr/>
-          <p:nvPr/>
-        </p:nvSpPr>
-        <p:spPr>
-          <a:xfrm rot="5400000">
-            <a:off x="6602163" y="5647680"/>
-            <a:ext cx="325949" cy="280991"/>
-          </a:xfrm>
-          <a:prstGeom prst="triangle">
-            <a:avLst/>
-          </a:prstGeom>
-          <a:solidFill>
-            <a:srgbClr val="00ACE6"/>
-          </a:solidFill>
-          <a:ln>
-            <a:noFill/>
-          </a:ln>
-        </p:spPr>
-        <p:style>
-          <a:lnRef idx="2">
-            <a:schemeClr val="accent1">
-              <a:shade val="50000"/>
-            </a:schemeClr>
-          </a:lnRef>
-          <a:fillRef idx="1">
-            <a:schemeClr val="accent1"/>
-          </a:fillRef>
-          <a:effectRef idx="0">
-            <a:schemeClr val="accent1"/>
-          </a:effectRef>
-          <a:fontRef idx="minor">
-            <a:schemeClr val="lt1"/>
-          </a:fontRef>
-        </p:style>
-        <p:txBody>
-          <a:bodyPr rtlCol="0" anchor="ctr"/>
-          <a:lstStyle/>
-          <a:p>
-            <a:pPr algn="ctr"/>
-            <a:endParaRPr lang="tr-TR"/>
-          </a:p>
-        </p:txBody>
-      </p:sp>
-      <p:sp>
-        <p:nvSpPr>
-          <p:cNvPr id="33" name="Isosceles Triangle 32"/>
-          <p:cNvSpPr/>
-          <p:nvPr/>
-        </p:nvSpPr>
-        <p:spPr>
-          <a:xfrm rot="5400000">
-            <a:off x="6602163" y="6224208"/>
-            <a:ext cx="325949" cy="280991"/>
-          </a:xfrm>
-          <a:prstGeom prst="triangle">
-            <a:avLst/>
-          </a:prstGeom>
-          <a:solidFill>
-            <a:srgbClr val="00ACE6"/>
-          </a:solidFill>
-          <a:ln>
-            <a:noFill/>
-          </a:ln>
-        </p:spPr>
-        <p:style>
-          <a:lnRef idx="2">
-            <a:schemeClr val="accent1">
-              <a:shade val="50000"/>
-            </a:schemeClr>
-          </a:lnRef>
-          <a:fillRef idx="1">
-            <a:schemeClr val="accent1"/>
-          </a:fillRef>
-          <a:effectRef idx="0">
-            <a:schemeClr val="accent1"/>
-          </a:effectRef>
-          <a:fontRef idx="minor">
-            <a:schemeClr val="lt1"/>
-          </a:fontRef>
-        </p:style>
-        <p:txBody>
-          <a:bodyPr rtlCol="0" anchor="ctr"/>
-          <a:lstStyle/>
-          <a:p>
-            <a:pPr algn="ctr"/>
-            <a:endParaRPr lang="tr-TR"/>
-          </a:p>
-        </p:txBody>
-      </p:sp>
-      <p:sp>
-        <p:nvSpPr>
-          <p:cNvPr id="35" name="Rectangle 34"/>
-          <p:cNvSpPr/>
-          <p:nvPr/>
-        </p:nvSpPr>
-        <p:spPr>
-          <a:xfrm>
-            <a:off x="7028950" y="2977412"/>
-            <a:ext cx="4087401" cy="369332"/>
-          </a:xfrm>
-          <a:prstGeom prst="rect">
-            <a:avLst/>
-          </a:prstGeom>
-        </p:spPr>
-        <p:txBody>
-          <a:bodyPr wrap="none">
-            <a:spAutoFit/>
-          </a:bodyPr>
-          <a:lstStyle/>
-          <a:p>
-            <a:pPr>
-              <a:spcAft>
-                <a:spcPts val="1800"/>
-              </a:spcAft>
-            </a:pPr>
-            <a:r>
-              <a:rPr lang="tr-TR"/>
-              <a:t>E</a:t>
-            </a:r>
-            <a:r>
-              <a:rPr lang="en-US"/>
-              <a:t>asier to read / write (compared to </a:t>
-            </a:r>
-            <a:r>
-              <a:rPr lang="tr-TR"/>
-              <a:t>       </a:t>
-            </a:r>
-            <a:r>
-              <a:rPr lang="en-US"/>
-              <a:t>)</a:t>
-            </a:r>
-            <a:endParaRPr lang="tr-TR"/>
-          </a:p>
-        </p:txBody>
-      </p:sp>
-      <p:sp>
-        <p:nvSpPr>
-          <p:cNvPr id="36" name="Rectangle 35"/>
-          <p:cNvSpPr/>
-          <p:nvPr/>
-        </p:nvSpPr>
-        <p:spPr>
-          <a:xfrm>
-            <a:off x="7028948" y="3500917"/>
-            <a:ext cx="3154710" cy="369332"/>
-          </a:xfrm>
-          <a:prstGeom prst="rect">
-            <a:avLst/>
-          </a:prstGeom>
-        </p:spPr>
-        <p:txBody>
-          <a:bodyPr wrap="none">
-            <a:spAutoFit/>
-          </a:bodyPr>
-          <a:lstStyle/>
-          <a:p>
-            <a:pPr>
-              <a:spcAft>
-                <a:spcPts val="1800"/>
-              </a:spcAft>
-            </a:pPr>
-            <a:r>
-              <a:rPr lang="tr-TR"/>
-              <a:t>OOP, High level data structures</a:t>
-            </a:r>
-          </a:p>
-        </p:txBody>
-      </p:sp>
-      <p:sp>
-        <p:nvSpPr>
-          <p:cNvPr id="37" name="Rectangle 36"/>
-          <p:cNvSpPr/>
-          <p:nvPr/>
-        </p:nvSpPr>
-        <p:spPr>
-          <a:xfrm>
-            <a:off x="7028948" y="4083819"/>
-            <a:ext cx="3098284" cy="369332"/>
-          </a:xfrm>
-          <a:prstGeom prst="rect">
-            <a:avLst/>
-          </a:prstGeom>
-        </p:spPr>
-        <p:txBody>
-          <a:bodyPr wrap="none">
-            <a:spAutoFit/>
-          </a:bodyPr>
-          <a:lstStyle/>
-          <a:p>
-            <a:pPr>
-              <a:spcAft>
-                <a:spcPts val="1800"/>
-              </a:spcAft>
-            </a:pPr>
-            <a:r>
-              <a:rPr lang="tr-TR"/>
-              <a:t>Easier to </a:t>
-            </a:r>
-            <a:r>
-              <a:rPr lang="tr-TR" b="1">
-                <a:solidFill>
-                  <a:srgbClr val="00ACE6"/>
-                </a:solidFill>
-              </a:rPr>
-              <a:t>debug</a:t>
-            </a:r>
-            <a:r>
-              <a:rPr lang="tr-TR"/>
-              <a:t> (via pdb, ipdb)</a:t>
-            </a:r>
-          </a:p>
-        </p:txBody>
-      </p:sp>
-      <p:sp>
-        <p:nvSpPr>
-          <p:cNvPr id="38" name="Rectangle 37"/>
-          <p:cNvSpPr/>
-          <p:nvPr/>
-        </p:nvSpPr>
-        <p:spPr>
-          <a:xfrm>
-            <a:off x="7013422" y="5144580"/>
-            <a:ext cx="4431213" cy="369332"/>
-          </a:xfrm>
-          <a:prstGeom prst="rect">
-            <a:avLst/>
-          </a:prstGeom>
-        </p:spPr>
-        <p:txBody>
-          <a:bodyPr wrap="none">
-            <a:spAutoFit/>
-          </a:bodyPr>
-          <a:lstStyle/>
-          <a:p>
-            <a:pPr>
-              <a:spcAft>
-                <a:spcPts val="1800"/>
-              </a:spcAft>
-            </a:pPr>
-            <a:r>
-              <a:rPr lang="tr-TR"/>
-              <a:t>Hosted on GitHub &amp; robust branching model</a:t>
-            </a:r>
-          </a:p>
-        </p:txBody>
-      </p:sp>
-      <p:sp>
-        <p:nvSpPr>
-          <p:cNvPr id="39" name="Rectangle 38"/>
-          <p:cNvSpPr/>
-          <p:nvPr/>
-        </p:nvSpPr>
-        <p:spPr>
-          <a:xfrm>
-            <a:off x="7013424" y="5615375"/>
-            <a:ext cx="4091441" cy="369332"/>
-          </a:xfrm>
-          <a:prstGeom prst="rect">
-            <a:avLst/>
-          </a:prstGeom>
-        </p:spPr>
-        <p:txBody>
-          <a:bodyPr wrap="none">
-            <a:spAutoFit/>
-          </a:bodyPr>
-          <a:lstStyle/>
-          <a:p>
-            <a:pPr>
-              <a:spcAft>
-                <a:spcPts val="1800"/>
-              </a:spcAft>
-            </a:pPr>
-            <a:r>
-              <a:rPr lang="tr-TR" b="1">
-                <a:solidFill>
-                  <a:srgbClr val="00B0F0"/>
-                </a:solidFill>
-              </a:rPr>
-              <a:t>Open-source</a:t>
-            </a:r>
-            <a:r>
-              <a:rPr lang="tr-TR"/>
-              <a:t> development is encouraged</a:t>
-            </a:r>
-          </a:p>
-        </p:txBody>
-      </p:sp>
-      <p:sp>
-        <p:nvSpPr>
-          <p:cNvPr id="40" name="Rectangle 39"/>
-          <p:cNvSpPr/>
-          <p:nvPr/>
-        </p:nvSpPr>
-        <p:spPr>
-          <a:xfrm>
-            <a:off x="7013423" y="6172106"/>
-            <a:ext cx="4530727" cy="369332"/>
-          </a:xfrm>
-          <a:prstGeom prst="rect">
-            <a:avLst/>
-          </a:prstGeom>
-        </p:spPr>
-        <p:txBody>
-          <a:bodyPr wrap="none">
-            <a:spAutoFit/>
-          </a:bodyPr>
-          <a:lstStyle/>
-          <a:p>
-            <a:pPr>
-              <a:spcAft>
-                <a:spcPts val="1800"/>
-              </a:spcAft>
-            </a:pPr>
-            <a:r>
-              <a:rPr lang="tr-TR"/>
-              <a:t>[In progress] CI/CD, DevOps, Automated </a:t>
-            </a:r>
-            <a:r>
-              <a:rPr lang="tr-TR" b="1">
-                <a:solidFill>
-                  <a:srgbClr val="00B0F0"/>
-                </a:solidFill>
-              </a:rPr>
-              <a:t>tests</a:t>
-            </a:r>
-          </a:p>
-        </p:txBody>
-      </p:sp>
-      <p:pic>
-        <p:nvPicPr>
-          <p:cNvPr id="41" name="Picture 40"/>
-          <p:cNvPicPr>
-            <a:picLocks noChangeAspect="1"/>
-          </p:cNvPicPr>
-          <p:nvPr/>
-        </p:nvPicPr>
-        <p:blipFill>
-          <a:blip r:embed="rId6"/>
-          <a:stretch>
-            <a:fillRect/>
-          </a:stretch>
-        </p:blipFill>
-        <p:spPr>
-          <a:xfrm>
-            <a:off x="10525247" y="2969591"/>
-            <a:ext cx="273933" cy="359537"/>
-          </a:xfrm>
-          <a:prstGeom prst="rect">
-            <a:avLst/>
-          </a:prstGeom>
-        </p:spPr>
-      </p:pic>
-      <p:sp>
-        <p:nvSpPr>
-          <p:cNvPr id="42" name="Isosceles Triangle 41"/>
-          <p:cNvSpPr/>
-          <p:nvPr/>
-        </p:nvSpPr>
-        <p:spPr>
-          <a:xfrm rot="5400000">
-            <a:off x="6602163" y="4604586"/>
-            <a:ext cx="325949" cy="280991"/>
-          </a:xfrm>
-          <a:prstGeom prst="triangle">
-            <a:avLst/>
-          </a:prstGeom>
-          <a:solidFill>
-            <a:srgbClr val="00ACE6"/>
-          </a:solidFill>
-          <a:ln>
-            <a:noFill/>
-          </a:ln>
-        </p:spPr>
-        <p:style>
-          <a:lnRef idx="2">
-            <a:schemeClr val="accent1">
-              <a:shade val="50000"/>
-            </a:schemeClr>
-          </a:lnRef>
-          <a:fillRef idx="1">
-            <a:schemeClr val="accent1"/>
-          </a:fillRef>
-          <a:effectRef idx="0">
-            <a:schemeClr val="accent1"/>
-          </a:effectRef>
-          <a:fontRef idx="minor">
-            <a:schemeClr val="lt1"/>
-          </a:fontRef>
-        </p:style>
-        <p:txBody>
-          <a:bodyPr rtlCol="0" anchor="ctr"/>
-          <a:lstStyle/>
-          <a:p>
-            <a:pPr algn="ctr"/>
-            <a:endParaRPr lang="tr-TR"/>
-          </a:p>
-        </p:txBody>
-      </p:sp>
-      <p:sp>
-        <p:nvSpPr>
-          <p:cNvPr id="43" name="Rectangle 42"/>
-          <p:cNvSpPr/>
-          <p:nvPr/>
-        </p:nvSpPr>
-        <p:spPr>
-          <a:xfrm>
-            <a:off x="7013422" y="4590822"/>
-            <a:ext cx="3280770" cy="369332"/>
-          </a:xfrm>
-          <a:prstGeom prst="rect">
-            <a:avLst/>
-          </a:prstGeom>
-        </p:spPr>
-        <p:txBody>
-          <a:bodyPr wrap="none">
-            <a:spAutoFit/>
-          </a:bodyPr>
-          <a:lstStyle/>
-          <a:p>
-            <a:pPr>
-              <a:spcAft>
-                <a:spcPts val="1800"/>
-              </a:spcAft>
-            </a:pPr>
-            <a:r>
-              <a:rPr lang="tr-TR"/>
-              <a:t>Configuration files are </a:t>
-            </a:r>
-            <a:r>
-              <a:rPr lang="tr-TR" b="1">
-                <a:solidFill>
-                  <a:srgbClr val="00B0F0"/>
-                </a:solidFill>
-              </a:rPr>
-              <a:t>inherited</a:t>
-            </a:r>
-          </a:p>
-        </p:txBody>
-      </p:sp>
-      <p:sp>
-        <p:nvSpPr>
-          <p:cNvPr id="44" name="Isosceles Triangle 43"/>
-          <p:cNvSpPr/>
-          <p:nvPr/>
-        </p:nvSpPr>
-        <p:spPr>
-          <a:xfrm rot="5400000">
-            <a:off x="204652" y="6224207"/>
-            <a:ext cx="325949" cy="280991"/>
-          </a:xfrm>
-          <a:prstGeom prst="triangle">
-            <a:avLst/>
-          </a:prstGeom>
-          <a:solidFill>
-            <a:srgbClr val="00ACE6"/>
-          </a:solidFill>
-          <a:ln>
-            <a:noFill/>
-          </a:ln>
-        </p:spPr>
-        <p:style>
-          <a:lnRef idx="2">
-            <a:schemeClr val="accent1">
-              <a:shade val="50000"/>
-            </a:schemeClr>
-          </a:lnRef>
-          <a:fillRef idx="1">
-            <a:schemeClr val="accent1"/>
-          </a:fillRef>
-          <a:effectRef idx="0">
-            <a:schemeClr val="accent1"/>
-          </a:effectRef>
-          <a:fontRef idx="minor">
-            <a:schemeClr val="lt1"/>
-          </a:fontRef>
-        </p:style>
-        <p:txBody>
-          <a:bodyPr rtlCol="0" anchor="ctr"/>
-          <a:lstStyle/>
-          <a:p>
-            <a:pPr algn="ctr"/>
-            <a:endParaRPr lang="tr-TR"/>
-          </a:p>
-        </p:txBody>
-      </p:sp>
-      <p:sp>
-        <p:nvSpPr>
-          <p:cNvPr id="45" name="Oval 44"/>
-          <p:cNvSpPr/>
-          <p:nvPr/>
-        </p:nvSpPr>
-        <p:spPr>
-          <a:xfrm>
-            <a:off x="161197" y="364604"/>
-            <a:ext cx="567159" cy="567159"/>
-          </a:xfrm>
-          <a:prstGeom prst="ellipse">
-            <a:avLst/>
-          </a:prstGeom>
-          <a:solidFill>
-            <a:schemeClr val="bg1"/>
-          </a:solidFill>
-          <a:ln>
-            <a:noFill/>
-          </a:ln>
-        </p:spPr>
-        <p:style>
-          <a:lnRef idx="2">
-            <a:schemeClr val="accent1">
-              <a:shade val="50000"/>
-            </a:schemeClr>
-          </a:lnRef>
-          <a:fillRef idx="1">
-            <a:schemeClr val="accent1"/>
-          </a:fillRef>
-          <a:effectRef idx="0">
-            <a:schemeClr val="accent1"/>
-          </a:effectRef>
-          <a:fontRef idx="minor">
-            <a:schemeClr val="lt1"/>
-          </a:fontRef>
-        </p:style>
-        <p:txBody>
-          <a:bodyPr rtlCol="0" anchor="ctr"/>
-          <a:lstStyle/>
-          <a:p>
-            <a:pPr algn="ctr"/>
-            <a:r>
-              <a:rPr lang="tr-TR" sz="3600" b="1">
-                <a:solidFill>
-                  <a:srgbClr val="00ACE6"/>
-                </a:solidFill>
-              </a:rPr>
-              <a:t>1</a:t>
-            </a:r>
-          </a:p>
-        </p:txBody>
-      </p:sp>
-      <p:sp>
-        <p:nvSpPr>
-          <p:cNvPr id="46" name="Slide Number Placeholder 4"/>
-          <p:cNvSpPr>
-            <a:spLocks noGrp="1"/>
-          </p:cNvSpPr>
-          <p:nvPr>
-            <p:ph type="sldNum" sz="quarter" idx="12"/>
-          </p:nvPr>
-        </p:nvSpPr>
-        <p:spPr>
-          <a:xfrm>
-            <a:off x="11623040" y="6485550"/>
-            <a:ext cx="568960" cy="372450"/>
-          </a:xfrm>
-          <a:solidFill>
-            <a:schemeClr val="bg2"/>
-          </a:solidFill>
-        </p:spPr>
-        <p:txBody>
-          <a:bodyPr/>
-          <a:lstStyle/>
-          <a:p>
-            <a:pPr algn="ctr"/>
-            <a:r>
-              <a:rPr lang="tr-TR" sz="1000"/>
-              <a:t>20 / 23</a:t>
-            </a:r>
-          </a:p>
-        </p:txBody>
-      </p:sp>
-    </p:spTree>
-    <p:extLst>
-      <p:ext uri="{BB962C8B-B14F-4D97-AF65-F5344CB8AC3E}">
-        <p14:creationId xmlns:p14="http://schemas.microsoft.com/office/powerpoint/2010/main" val="417446303"/>
-      </p:ext>
-    </p:extLst>
-  </p:cSld>
-  <p:clrMapOvr>
-    <a:masterClrMapping/>
-  </p:clrMapOvr>
-</p:sld>
-</file>
-
-<file path=ppt/slides/slide21.xml><?xml version="1.0" encoding="utf-8"?>
 <p:sld xmlns:a="http://schemas.openxmlformats.org/drawingml/2006/main" xmlns:r="http://schemas.openxmlformats.org/officeDocument/2006/relationships" xmlns:p="http://schemas.openxmlformats.org/presentationml/2006/main">
   <p:cSld>
     <p:spTree>
@@ -34295,7 +34221,7 @@
 </p:sld>
 </file>
 
-<file path=ppt/slides/slide22.xml><?xml version="1.0" encoding="utf-8"?>
+<file path=ppt/slides/slide21.xml><?xml version="1.0" encoding="utf-8"?>
 <p:sld xmlns:a="http://schemas.openxmlformats.org/drawingml/2006/main" xmlns:r="http://schemas.openxmlformats.org/officeDocument/2006/relationships" xmlns:p="http://schemas.openxmlformats.org/presentationml/2006/main">
   <p:cSld>
     <p:spTree>
@@ -34962,9 +34888,18 @@
           <a:p>
             <a:pPr algn="ctr"/>
             <a:r>
+              <a:rPr lang="tr-TR" sz="1000" smtClean="0"/>
+              <a:t>21 </a:t>
+            </a:r>
+            <a:r>
               <a:rPr lang="tr-TR" sz="1000"/>
-              <a:t>22 / 23</a:t>
-            </a:r>
+              <a:t>/ </a:t>
+            </a:r>
+            <a:r>
+              <a:rPr lang="tr-TR" sz="1000" smtClean="0"/>
+              <a:t>22</a:t>
+            </a:r>
+            <a:endParaRPr lang="tr-TR" sz="1000"/>
           </a:p>
         </p:txBody>
       </p:sp>
@@ -35096,7 +35031,7 @@
 </p:sld>
 </file>
 
-<file path=ppt/slides/slide23.xml><?xml version="1.0" encoding="utf-8"?>
+<file path=ppt/slides/slide22.xml><?xml version="1.0" encoding="utf-8"?>
 <p:sld xmlns:a="http://schemas.openxmlformats.org/drawingml/2006/main" xmlns:r="http://schemas.openxmlformats.org/officeDocument/2006/relationships" xmlns:p="http://schemas.openxmlformats.org/presentationml/2006/main">
   <p:cSld>
     <p:spTree>
@@ -35582,9 +35517,18 @@
           <a:p>
             <a:pPr algn="ctr"/>
             <a:r>
+              <a:rPr lang="tr-TR" sz="1000" smtClean="0"/>
+              <a:t>22 </a:t>
+            </a:r>
+            <a:r>
               <a:rPr lang="tr-TR" sz="1000"/>
-              <a:t>23 / 23</a:t>
-            </a:r>
+              <a:t>/ </a:t>
+            </a:r>
+            <a:r>
+              <a:rPr lang="tr-TR" sz="1000" smtClean="0"/>
+              <a:t>22</a:t>
+            </a:r>
+            <a:endParaRPr lang="tr-TR" sz="1000"/>
           </a:p>
         </p:txBody>
       </p:sp>
@@ -36210,8 +36154,13 @@
             <a:pPr algn="ctr"/>
             <a:r>
               <a:rPr lang="tr-TR" sz="1000"/>
-              <a:t>3 / 23</a:t>
-            </a:r>
+              <a:t>3 / </a:t>
+            </a:r>
+            <a:r>
+              <a:rPr lang="tr-TR" sz="1000" smtClean="0"/>
+              <a:t>22</a:t>
+            </a:r>
+            <a:endParaRPr lang="tr-TR" sz="1000"/>
           </a:p>
         </p:txBody>
       </p:sp>
@@ -36581,8 +36530,13 @@
             <a:pPr algn="ctr"/>
             <a:r>
               <a:rPr lang="tr-TR" sz="1000"/>
-              <a:t>4 / 23</a:t>
-            </a:r>
+              <a:t>4 / </a:t>
+            </a:r>
+            <a:r>
+              <a:rPr lang="tr-TR" sz="1000" smtClean="0"/>
+              <a:t>22</a:t>
+            </a:r>
+            <a:endParaRPr lang="tr-TR" sz="1000"/>
           </a:p>
         </p:txBody>
       </p:sp>
@@ -37359,8 +37313,13 @@
             <a:pPr algn="ctr"/>
             <a:r>
               <a:rPr lang="tr-TR" sz="1000"/>
-              <a:t>5 / 23</a:t>
-            </a:r>
+              <a:t>5 / </a:t>
+            </a:r>
+            <a:r>
+              <a:rPr lang="tr-TR" sz="1000" smtClean="0"/>
+              <a:t>22</a:t>
+            </a:r>
+            <a:endParaRPr lang="tr-TR" sz="1000"/>
           </a:p>
         </p:txBody>
       </p:sp>
@@ -37586,7 +37545,7 @@
           <p:cNvPr id="13" name="Oval 12">
             <a:extLst>
               <a:ext uri="{FF2B5EF4-FFF2-40B4-BE49-F238E27FC236}">
-                <a16:creationId xmlns:a16="http://schemas.microsoft.com/office/drawing/2014/main" id="{642FF2BF-EB4E-55C1-6509-CC52FAC22DDE}"/>
+                <a16:creationId xmlns:a16="http://schemas.microsoft.com/office/drawing/2014/main" xmlns="" id="{642FF2BF-EB4E-55C1-6509-CC52FAC22DDE}"/>
               </a:ext>
             </a:extLst>
           </p:cNvPr>
@@ -37645,7 +37604,7 @@
           <p:cNvPr id="16" name="TextBox 15">
             <a:extLst>
               <a:ext uri="{FF2B5EF4-FFF2-40B4-BE49-F238E27FC236}">
-                <a16:creationId xmlns:a16="http://schemas.microsoft.com/office/drawing/2014/main" id="{CF01796F-49AA-293B-A9D0-FA771921E9D8}"/>
+                <a16:creationId xmlns:a16="http://schemas.microsoft.com/office/drawing/2014/main" xmlns="" id="{CF01796F-49AA-293B-A9D0-FA771921E9D8}"/>
               </a:ext>
             </a:extLst>
           </p:cNvPr>
@@ -37894,411 +37853,6 @@
           <a:chExt cx="0" cy="0"/>
         </a:xfrm>
       </p:grpSpPr>
-      <p:sp>
-        <p:nvSpPr>
-          <p:cNvPr id="2" name="TextBox 1"/>
-          <p:cNvSpPr txBox="1"/>
-          <p:nvPr/>
-        </p:nvSpPr>
-        <p:spPr>
-          <a:xfrm>
-            <a:off x="2916473" y="252788"/>
-            <a:ext cx="6840638" cy="1692771"/>
-          </a:xfrm>
-          <a:prstGeom prst="rect">
-            <a:avLst/>
-          </a:prstGeom>
-          <a:noFill/>
-        </p:spPr>
-        <p:txBody>
-          <a:bodyPr wrap="square" rtlCol="0">
-            <a:spAutoFit/>
-          </a:bodyPr>
-          <a:lstStyle/>
-          <a:p>
-            <a:r>
-              <a:rPr lang="tr-TR" sz="2400" b="1">
-                <a:solidFill>
-                  <a:prstClr val="black"/>
-                </a:solidFill>
-              </a:rPr>
-              <a:t>TODO: Runscripts and YAML files in more detail</a:t>
-            </a:r>
-          </a:p>
-          <a:p>
-            <a:pPr lvl="1"/>
-            <a:r>
-              <a:rPr lang="tr-TR" sz="2000">
-                <a:solidFill>
-                  <a:prstClr val="black"/>
-                </a:solidFill>
-              </a:rPr>
-              <a:t>+++ Directory structure</a:t>
-            </a:r>
-          </a:p>
-          <a:p>
-            <a:pPr lvl="1"/>
-            <a:r>
-              <a:rPr lang="tr-TR" sz="2000">
-                <a:solidFill>
-                  <a:prstClr val="black"/>
-                </a:solidFill>
-              </a:rPr>
-              <a:t>+++ YAML commands and common operations</a:t>
-            </a:r>
-          </a:p>
-          <a:p>
-            <a:pPr marL="800100" lvl="1" indent="-342900">
-              <a:buFont typeface="Arial" panose="020B0604020202020204" pitchFamily="34" charset="0"/>
-              <a:buChar char="•"/>
-            </a:pPr>
-            <a:r>
-              <a:rPr lang="tr-TR" sz="2000">
-                <a:solidFill>
-                  <a:prstClr val="black"/>
-                </a:solidFill>
-              </a:rPr>
-              <a:t>Important conceps: config files, ...</a:t>
-            </a:r>
-          </a:p>
-          <a:p>
-            <a:pPr marL="800100" lvl="1" indent="-342900">
-              <a:buFont typeface="Arial" panose="020B0604020202020204" pitchFamily="34" charset="0"/>
-              <a:buChar char="•"/>
-            </a:pPr>
-            <a:endParaRPr lang="tr-TR" sz="2000">
-              <a:solidFill>
-                <a:prstClr val="black"/>
-              </a:solidFill>
-            </a:endParaRPr>
-          </a:p>
-        </p:txBody>
-      </p:sp>
-      <p:sp>
-        <p:nvSpPr>
-          <p:cNvPr id="4" name="TextBox 3"/>
-          <p:cNvSpPr txBox="1"/>
-          <p:nvPr/>
-        </p:nvSpPr>
-        <p:spPr>
-          <a:xfrm>
-            <a:off x="850044" y="3464594"/>
-            <a:ext cx="6840638" cy="2031325"/>
-          </a:xfrm>
-          <a:prstGeom prst="rect">
-            <a:avLst/>
-          </a:prstGeom>
-          <a:noFill/>
-        </p:spPr>
-        <p:txBody>
-          <a:bodyPr wrap="square" rtlCol="0">
-            <a:spAutoFit/>
-          </a:bodyPr>
-          <a:lstStyle/>
-          <a:p>
-            <a:r>
-              <a:rPr lang="tr-TR">
-                <a:solidFill>
-                  <a:prstClr val="black"/>
-                </a:solidFill>
-              </a:rPr>
-              <a:t>AWI-ESM 2 coupled system</a:t>
-            </a:r>
-          </a:p>
-          <a:p>
-            <a:endParaRPr lang="tr-TR">
-              <a:solidFill>
-                <a:prstClr val="black"/>
-              </a:solidFill>
-            </a:endParaRPr>
-          </a:p>
-          <a:p>
-            <a:r>
-              <a:rPr lang="tr-TR">
-                <a:solidFill>
-                  <a:prstClr val="black"/>
-                </a:solidFill>
-              </a:rPr>
-              <a:t>Important Concepts slide:</a:t>
-            </a:r>
-          </a:p>
-          <a:p>
-            <a:pPr marL="342900" indent="-342900">
-              <a:buFontTx/>
-              <a:buChar char="-"/>
-            </a:pPr>
-            <a:r>
-              <a:rPr lang="tr-TR">
-                <a:solidFill>
-                  <a:prstClr val="black"/>
-                </a:solidFill>
-              </a:rPr>
-              <a:t>Miguel will share on GitHub</a:t>
-            </a:r>
-          </a:p>
-          <a:p>
-            <a:pPr marL="342900" indent="-342900">
-              <a:buFontTx/>
-              <a:buChar char="-"/>
-            </a:pPr>
-            <a:endParaRPr lang="tr-TR">
-              <a:solidFill>
-                <a:prstClr val="black"/>
-              </a:solidFill>
-            </a:endParaRPr>
-          </a:p>
-          <a:p>
-            <a:r>
-              <a:rPr lang="tr-TR">
-                <a:solidFill>
-                  <a:prstClr val="black"/>
-                </a:solidFill>
-              </a:rPr>
-              <a:t>Fesom restarts, </a:t>
-            </a:r>
-            <a:r>
-              <a:rPr lang="tr-TR" b="1">
-                <a:solidFill>
-                  <a:prstClr val="black"/>
-                </a:solidFill>
-              </a:rPr>
-              <a:t>branch-off </a:t>
-            </a:r>
-            <a:r>
-              <a:rPr lang="tr-TR">
-                <a:solidFill>
-                  <a:prstClr val="black"/>
-                </a:solidFill>
-              </a:rPr>
-              <a:t>experiment (Dirk’s slides), 2 day simulation and restart from finished simulation</a:t>
-            </a:r>
-          </a:p>
-        </p:txBody>
-      </p:sp>
-      <p:sp>
-        <p:nvSpPr>
-          <p:cNvPr id="5" name="TextBox 4"/>
-          <p:cNvSpPr txBox="1"/>
-          <p:nvPr/>
-        </p:nvSpPr>
-        <p:spPr>
-          <a:xfrm>
-            <a:off x="850044" y="1771823"/>
-            <a:ext cx="8577189" cy="1692771"/>
-          </a:xfrm>
-          <a:prstGeom prst="rect">
-            <a:avLst/>
-          </a:prstGeom>
-          <a:noFill/>
-        </p:spPr>
-        <p:txBody>
-          <a:bodyPr wrap="square" rtlCol="0">
-            <a:spAutoFit/>
-          </a:bodyPr>
-          <a:lstStyle/>
-          <a:p>
-            <a:r>
-              <a:rPr lang="tr-TR" sz="2400" b="1">
-                <a:solidFill>
-                  <a:prstClr val="black"/>
-                </a:solidFill>
-              </a:rPr>
-              <a:t>Final part of day 1: Introduction to coupled setups</a:t>
-            </a:r>
-          </a:p>
-          <a:p>
-            <a:pPr marL="800100" lvl="1" indent="-342900">
-              <a:buFont typeface="Arial" panose="020B0604020202020204" pitchFamily="34" charset="0"/>
-              <a:buChar char="•"/>
-            </a:pPr>
-            <a:r>
-              <a:rPr lang="tr-TR" sz="2000">
-                <a:solidFill>
-                  <a:prstClr val="black"/>
-                </a:solidFill>
-              </a:rPr>
-              <a:t>Overview: online vs offline coupling</a:t>
-            </a:r>
-          </a:p>
-          <a:p>
-            <a:pPr marL="800100" lvl="1" indent="-342900">
-              <a:buFont typeface="Arial" panose="020B0604020202020204" pitchFamily="34" charset="0"/>
-              <a:buChar char="•"/>
-            </a:pPr>
-            <a:r>
-              <a:rPr lang="tr-TR" sz="2000">
-                <a:solidFill>
-                  <a:prstClr val="black"/>
-                </a:solidFill>
-              </a:rPr>
-              <a:t>Overview of sample YAMLs: AWI-ESM, model YAML inheritance</a:t>
-            </a:r>
-          </a:p>
-          <a:p>
-            <a:pPr marL="800100" lvl="1" indent="-342900">
-              <a:buFont typeface="Arial" panose="020B0604020202020204" pitchFamily="34" charset="0"/>
-              <a:buChar char="•"/>
-            </a:pPr>
-            <a:r>
-              <a:rPr lang="tr-TR" sz="2000">
-                <a:solidFill>
-                  <a:prstClr val="black"/>
-                </a:solidFill>
-              </a:rPr>
-              <a:t>Important conceps: config files, ...</a:t>
-            </a:r>
-          </a:p>
-          <a:p>
-            <a:pPr marL="800100" lvl="1" indent="-342900">
-              <a:buFont typeface="Arial" panose="020B0604020202020204" pitchFamily="34" charset="0"/>
-              <a:buChar char="•"/>
-            </a:pPr>
-            <a:endParaRPr lang="tr-TR" sz="2000">
-              <a:solidFill>
-                <a:prstClr val="black"/>
-              </a:solidFill>
-            </a:endParaRPr>
-          </a:p>
-        </p:txBody>
-      </p:sp>
-      <p:sp>
-        <p:nvSpPr>
-          <p:cNvPr id="6" name="TextBox 5"/>
-          <p:cNvSpPr txBox="1"/>
-          <p:nvPr/>
-        </p:nvSpPr>
-        <p:spPr>
-          <a:xfrm rot="19960329">
-            <a:off x="138937" y="2676056"/>
-            <a:ext cx="11632387" cy="1261884"/>
-          </a:xfrm>
-          <a:prstGeom prst="rect">
-            <a:avLst/>
-          </a:prstGeom>
-          <a:solidFill>
-            <a:schemeClr val="accent4">
-              <a:alpha val="80000"/>
-            </a:schemeClr>
-          </a:solidFill>
-        </p:spPr>
-        <p:txBody>
-          <a:bodyPr wrap="square" rtlCol="0">
-            <a:spAutoFit/>
-          </a:bodyPr>
-          <a:lstStyle/>
-          <a:p>
-            <a:pPr algn="ctr"/>
-            <a:r>
-              <a:rPr lang="tr-TR" sz="3800" b="1">
-                <a:solidFill>
-                  <a:srgbClr val="FF0000"/>
-                </a:solidFill>
-              </a:rPr>
-              <a:t>TODO: </a:t>
-            </a:r>
-          </a:p>
-          <a:p>
-            <a:pPr algn="ctr"/>
-            <a:r>
-              <a:rPr lang="tr-TR" sz="3800" b="1">
-                <a:solidFill>
-                  <a:srgbClr val="FF0000"/>
-                </a:solidFill>
-              </a:rPr>
-              <a:t>These were some notes. Maybe we can remove these</a:t>
-            </a:r>
-          </a:p>
-        </p:txBody>
-      </p:sp>
-      <p:sp>
-        <p:nvSpPr>
-          <p:cNvPr id="8" name="Slide Number Placeholder 4"/>
-          <p:cNvSpPr>
-            <a:spLocks noGrp="1"/>
-          </p:cNvSpPr>
-          <p:nvPr>
-            <p:ph type="sldNum" sz="quarter" idx="12"/>
-          </p:nvPr>
-        </p:nvSpPr>
-        <p:spPr>
-          <a:xfrm>
-            <a:off x="11623040" y="6485550"/>
-            <a:ext cx="568960" cy="372450"/>
-          </a:xfrm>
-          <a:solidFill>
-            <a:schemeClr val="bg2"/>
-          </a:solidFill>
-        </p:spPr>
-        <p:txBody>
-          <a:bodyPr/>
-          <a:lstStyle/>
-          <a:p>
-            <a:pPr algn="ctr"/>
-            <a:r>
-              <a:rPr lang="tr-TR" sz="1000"/>
-              <a:t>6 / 23</a:t>
-            </a:r>
-          </a:p>
-        </p:txBody>
-      </p:sp>
-    </p:spTree>
-    <p:extLst>
-      <p:ext uri="{BB962C8B-B14F-4D97-AF65-F5344CB8AC3E}">
-        <p14:creationId xmlns:p14="http://schemas.microsoft.com/office/powerpoint/2010/main" val="629615241"/>
-      </p:ext>
-    </p:extLst>
-  </p:cSld>
-  <p:clrMapOvr>
-    <a:masterClrMapping/>
-  </p:clrMapOvr>
-</p:sld>
-</file>
-
-<file path=ppt/slides/slide7.xml><?xml version="1.0" encoding="utf-8"?>
-<p:sld xmlns:a="http://schemas.openxmlformats.org/drawingml/2006/main" xmlns:r="http://schemas.openxmlformats.org/officeDocument/2006/relationships" xmlns:p="http://schemas.openxmlformats.org/presentationml/2006/main">
-  <p:cSld>
-    <p:spTree>
-      <p:nvGrpSpPr>
-        <p:cNvPr id="1" name=""/>
-        <p:cNvGrpSpPr/>
-        <p:nvPr/>
-      </p:nvGrpSpPr>
-      <p:grpSpPr>
-        <a:xfrm>
-          <a:off x="0" y="0"/>
-          <a:ext cx="0" cy="0"/>
-          <a:chOff x="0" y="0"/>
-          <a:chExt cx="0" cy="0"/>
-        </a:xfrm>
-      </p:grpSpPr>
-      <p:sp>
-        <p:nvSpPr>
-          <p:cNvPr id="4" name="Rectangle 3"/>
-          <p:cNvSpPr/>
-          <p:nvPr/>
-        </p:nvSpPr>
-        <p:spPr>
-          <a:xfrm>
-            <a:off x="1111038" y="2054655"/>
-            <a:ext cx="5360442" cy="461665"/>
-          </a:xfrm>
-          <a:prstGeom prst="rect">
-            <a:avLst/>
-          </a:prstGeom>
-        </p:spPr>
-        <p:txBody>
-          <a:bodyPr wrap="none">
-            <a:spAutoFit/>
-          </a:bodyPr>
-          <a:lstStyle/>
-          <a:p>
-            <a:r>
-              <a:rPr lang="tr-TR" sz="2400"/>
-              <a:t>https://github.com/esm-tools/workshops</a:t>
-            </a:r>
-          </a:p>
-        </p:txBody>
-      </p:sp>
       <p:sp>
         <p:nvSpPr>
           <p:cNvPr id="5" name="Rectangle 4"/>
@@ -38351,9 +37905,124 @@
           </a:p>
         </p:txBody>
       </p:sp>
-      <p:sp>
-        <p:nvSpPr>
-          <p:cNvPr id="6" name="Isosceles Triangle 5"/>
+      <p:pic>
+        <p:nvPicPr>
+          <p:cNvPr id="10" name="Picture 9"/>
+          <p:cNvPicPr>
+            <a:picLocks noChangeAspect="1"/>
+          </p:cNvPicPr>
+          <p:nvPr/>
+        </p:nvPicPr>
+        <p:blipFill>
+          <a:blip r:embed="rId3" cstate="print">
+            <a:extLst>
+              <a:ext uri="{28A0092B-C50C-407E-A947-70E740481C1C}">
+                <a14:useLocalDpi xmlns:a14="http://schemas.microsoft.com/office/drawing/2010/main" val="0"/>
+              </a:ext>
+            </a:extLst>
+          </a:blip>
+          <a:stretch>
+            <a:fillRect/>
+          </a:stretch>
+        </p:blipFill>
+        <p:spPr>
+          <a:xfrm>
+            <a:off x="11280133" y="211397"/>
+            <a:ext cx="616796" cy="873573"/>
+          </a:xfrm>
+          <a:prstGeom prst="rect">
+            <a:avLst/>
+          </a:prstGeom>
+        </p:spPr>
+      </p:pic>
+      <p:sp>
+        <p:nvSpPr>
+          <p:cNvPr id="13" name="Slide Number Placeholder 4"/>
+          <p:cNvSpPr>
+            <a:spLocks noGrp="1"/>
+          </p:cNvSpPr>
+          <p:nvPr>
+            <p:ph type="sldNum" sz="quarter" idx="12"/>
+          </p:nvPr>
+        </p:nvSpPr>
+        <p:spPr>
+          <a:xfrm>
+            <a:off x="11623040" y="6485550"/>
+            <a:ext cx="568960" cy="372450"/>
+          </a:xfrm>
+          <a:solidFill>
+            <a:schemeClr val="bg2"/>
+          </a:solidFill>
+        </p:spPr>
+        <p:txBody>
+          <a:bodyPr/>
+          <a:lstStyle/>
+          <a:p>
+            <a:pPr algn="ctr"/>
+            <a:r>
+              <a:rPr lang="tr-TR" sz="1000"/>
+              <a:t>6</a:t>
+            </a:r>
+            <a:r>
+              <a:rPr lang="tr-TR" sz="1000" smtClean="0"/>
+              <a:t> </a:t>
+            </a:r>
+            <a:r>
+              <a:rPr lang="tr-TR" sz="1000"/>
+              <a:t>/ </a:t>
+            </a:r>
+            <a:r>
+              <a:rPr lang="tr-TR" sz="1000" smtClean="0"/>
+              <a:t>22</a:t>
+            </a:r>
+            <a:endParaRPr lang="tr-TR" sz="1000"/>
+          </a:p>
+        </p:txBody>
+      </p:sp>
+      <p:sp>
+        <p:nvSpPr>
+          <p:cNvPr id="14" name="Rectangle 13"/>
+          <p:cNvSpPr/>
+          <p:nvPr/>
+        </p:nvSpPr>
+        <p:spPr>
+          <a:xfrm>
+            <a:off x="1111038" y="2054655"/>
+            <a:ext cx="5429371" cy="461665"/>
+          </a:xfrm>
+          <a:prstGeom prst="rect">
+            <a:avLst/>
+          </a:prstGeom>
+        </p:spPr>
+        <p:txBody>
+          <a:bodyPr wrap="none">
+            <a:spAutoFit/>
+          </a:bodyPr>
+          <a:lstStyle/>
+          <a:p>
+            <a:r>
+              <a:rPr lang="tr-TR" sz="2400">
+                <a:hlinkClick r:id="rId4"/>
+              </a:rPr>
+              <a:t>https://</a:t>
+            </a:r>
+            <a:r>
+              <a:rPr lang="tr-TR" sz="2400" smtClean="0">
+                <a:hlinkClick r:id="rId4"/>
+              </a:rPr>
+              <a:t>github.com/esm-tools/workshops</a:t>
+            </a:r>
+            <a:r>
+              <a:rPr lang="tr-TR" sz="2400" smtClean="0"/>
+              <a:t> </a:t>
+            </a:r>
+            <a:endParaRPr lang="tr-TR" sz="2400"/>
+          </a:p>
+        </p:txBody>
+      </p:sp>
+      <p:sp>
+        <p:nvSpPr>
+          <p:cNvPr id="17" name="Isosceles Triangle 16"/>
           <p:cNvSpPr/>
           <p:nvPr/>
         </p:nvSpPr>
@@ -38403,14 +38072,14 @@
       </p:sp>
       <p:sp>
         <p:nvSpPr>
-          <p:cNvPr id="7" name="Isosceles Triangle 6"/>
+          <p:cNvPr id="18" name="Isosceles Triangle 17"/>
           <p:cNvSpPr/>
           <p:nvPr/>
         </p:nvSpPr>
         <p:spPr>
           <a:xfrm rot="5400000">
-            <a:off x="562701" y="2942876"/>
-            <a:ext cx="457812" cy="394666"/>
+            <a:off x="1165219" y="2965011"/>
+            <a:ext cx="339524" cy="292694"/>
           </a:xfrm>
           <a:prstGeom prst="triangle">
             <a:avLst/>
@@ -38453,14 +38122,14 @@
       </p:sp>
       <p:sp>
         <p:nvSpPr>
-          <p:cNvPr id="8" name="Rectangle 7"/>
+          <p:cNvPr id="19" name="Rectangle 18"/>
           <p:cNvSpPr/>
           <p:nvPr/>
         </p:nvSpPr>
         <p:spPr>
           <a:xfrm>
             <a:off x="1111038" y="2911303"/>
-            <a:ext cx="4930965" cy="461665"/>
+            <a:ext cx="4614148" cy="400110"/>
           </a:xfrm>
           <a:prstGeom prst="rect">
             <a:avLst/>
@@ -38472,46 +38141,18 @@
           </a:bodyPr>
           <a:lstStyle/>
           <a:p>
-            <a:r>
-              <a:rPr lang="tr-TR" sz="2400"/>
+            <a:pPr lvl="1"/>
+            <a:r>
+              <a:rPr lang="tr-TR" sz="2000" smtClean="0"/>
               <a:t>Presentations, runscripts, exercises, ...</a:t>
             </a:r>
-          </a:p>
-        </p:txBody>
-      </p:sp>
-      <p:pic>
-        <p:nvPicPr>
-          <p:cNvPr id="10" name="Picture 9"/>
-          <p:cNvPicPr>
-            <a:picLocks noChangeAspect="1"/>
-          </p:cNvPicPr>
-          <p:nvPr/>
-        </p:nvPicPr>
-        <p:blipFill>
-          <a:blip r:embed="rId2" cstate="print">
-            <a:extLst>
-              <a:ext uri="{28A0092B-C50C-407E-A947-70E740481C1C}">
-                <a14:useLocalDpi xmlns:a14="http://schemas.microsoft.com/office/drawing/2010/main" val="0"/>
-              </a:ext>
-            </a:extLst>
-          </a:blip>
-          <a:stretch>
-            <a:fillRect/>
-          </a:stretch>
-        </p:blipFill>
-        <p:spPr>
-          <a:xfrm>
-            <a:off x="11280133" y="211397"/>
-            <a:ext cx="616796" cy="873573"/>
-          </a:xfrm>
-          <a:prstGeom prst="rect">
-            <a:avLst/>
-          </a:prstGeom>
-        </p:spPr>
-      </p:pic>
-      <p:sp>
-        <p:nvSpPr>
-          <p:cNvPr id="11" name="Rectangle 10"/>
+            <a:endParaRPr lang="tr-TR" sz="2000"/>
+          </a:p>
+        </p:txBody>
+      </p:sp>
+      <p:sp>
+        <p:nvSpPr>
+          <p:cNvPr id="20" name="Rectangle 19"/>
           <p:cNvSpPr/>
           <p:nvPr/>
         </p:nvSpPr>
@@ -38531,15 +38172,28 @@
           <a:lstStyle/>
           <a:p>
             <a:r>
-              <a:rPr lang="tr-TR" sz="2400"/>
-              <a:t>https://github.com/esm-tools</a:t>
-            </a:r>
-          </a:p>
-        </p:txBody>
-      </p:sp>
-      <p:sp>
-        <p:nvSpPr>
-          <p:cNvPr id="12" name="Isosceles Triangle 11"/>
+              <a:rPr lang="tr-TR" sz="2400">
+                <a:hlinkClick r:id="rId5"/>
+              </a:rPr>
+              <a:t>https://</a:t>
+            </a:r>
+            <a:r>
+              <a:rPr lang="tr-TR" sz="2400" smtClean="0">
+                <a:hlinkClick r:id="rId5"/>
+              </a:rPr>
+              <a:t>github.com/esm-tools</a:t>
+            </a:r>
+            <a:r>
+              <a:rPr lang="tr-TR" sz="2400" smtClean="0"/>
+              <a:t> </a:t>
+            </a:r>
+            <a:endParaRPr lang="tr-TR" sz="2400"/>
+          </a:p>
+        </p:txBody>
+      </p:sp>
+      <p:sp>
+        <p:nvSpPr>
+          <p:cNvPr id="21" name="Isosceles Triangle 20"/>
           <p:cNvSpPr/>
           <p:nvPr/>
         </p:nvSpPr>
@@ -38589,14 +38243,14 @@
       </p:sp>
       <p:sp>
         <p:nvSpPr>
-          <p:cNvPr id="15" name="Rectangle 14"/>
+          <p:cNvPr id="22" name="Rectangle 21"/>
           <p:cNvSpPr/>
           <p:nvPr/>
         </p:nvSpPr>
         <p:spPr>
           <a:xfrm>
             <a:off x="1111038" y="4624599"/>
-            <a:ext cx="6813019" cy="461665"/>
+            <a:ext cx="6881949" cy="461665"/>
           </a:xfrm>
           <a:prstGeom prst="rect">
             <a:avLst/>
@@ -38609,15 +38263,28 @@
           <a:lstStyle/>
           <a:p>
             <a:r>
-              <a:rPr lang="tr-TR" sz="2400"/>
-              <a:t>https://github.com/esm-tools/esm_tools/discussions</a:t>
-            </a:r>
-          </a:p>
-        </p:txBody>
-      </p:sp>
-      <p:sp>
-        <p:nvSpPr>
-          <p:cNvPr id="16" name="Isosceles Triangle 15"/>
+              <a:rPr lang="tr-TR" sz="2400">
+                <a:hlinkClick r:id="rId6"/>
+              </a:rPr>
+              <a:t>https://</a:t>
+            </a:r>
+            <a:r>
+              <a:rPr lang="tr-TR" sz="2400" smtClean="0">
+                <a:hlinkClick r:id="rId6"/>
+              </a:rPr>
+              <a:t>github.com/esm-tools/esm_tools/discussions</a:t>
+            </a:r>
+            <a:r>
+              <a:rPr lang="tr-TR" sz="2400" smtClean="0"/>
+              <a:t> </a:t>
+            </a:r>
+            <a:endParaRPr lang="tr-TR" sz="2400"/>
+          </a:p>
+        </p:txBody>
+      </p:sp>
+      <p:sp>
+        <p:nvSpPr>
+          <p:cNvPr id="23" name="Isosceles Triangle 22"/>
           <p:cNvSpPr/>
           <p:nvPr/>
         </p:nvSpPr>
@@ -38665,37 +38332,6 @@
           </a:p>
         </p:txBody>
       </p:sp>
-      <p:sp>
-        <p:nvSpPr>
-          <p:cNvPr id="13" name="Slide Number Placeholder 4"/>
-          <p:cNvSpPr>
-            <a:spLocks noGrp="1"/>
-          </p:cNvSpPr>
-          <p:nvPr>
-            <p:ph type="sldNum" sz="quarter" idx="12"/>
-          </p:nvPr>
-        </p:nvSpPr>
-        <p:spPr>
-          <a:xfrm>
-            <a:off x="11623040" y="6485550"/>
-            <a:ext cx="568960" cy="372450"/>
-          </a:xfrm>
-          <a:solidFill>
-            <a:schemeClr val="bg2"/>
-          </a:solidFill>
-        </p:spPr>
-        <p:txBody>
-          <a:bodyPr/>
-          <a:lstStyle/>
-          <a:p>
-            <a:pPr algn="ctr"/>
-            <a:r>
-              <a:rPr lang="tr-TR" sz="1000"/>
-              <a:t>7 / 23</a:t>
-            </a:r>
-          </a:p>
-        </p:txBody>
-      </p:sp>
     </p:spTree>
     <p:extLst>
       <p:ext uri="{BB962C8B-B14F-4D97-AF65-F5344CB8AC3E}">
@@ -38709,7 +38345,7 @@
 </p:sld>
 </file>
 
-<file path=ppt/slides/slide8.xml><?xml version="1.0" encoding="utf-8"?>
+<file path=ppt/slides/slide7.xml><?xml version="1.0" encoding="utf-8"?>
 <p:sld xmlns:a="http://schemas.openxmlformats.org/drawingml/2006/main" xmlns:r="http://schemas.openxmlformats.org/officeDocument/2006/relationships" xmlns:p="http://schemas.openxmlformats.org/presentationml/2006/main">
   <p:cSld>
     <p:spTree>
@@ -38812,7 +38448,7 @@
           <p:cNvPr id="4" name="Table 4">
             <a:extLst>
               <a:ext uri="{FF2B5EF4-FFF2-40B4-BE49-F238E27FC236}">
-                <a16:creationId xmlns:a16="http://schemas.microsoft.com/office/drawing/2014/main" id="{20D35D03-D121-9498-2C51-A5A349E647E3}"/>
+                <a16:creationId xmlns:a16="http://schemas.microsoft.com/office/drawing/2014/main" xmlns="" id="{20D35D03-D121-9498-2C51-A5A349E647E3}"/>
               </a:ext>
             </a:extLst>
           </p:cNvPr>
@@ -38835,21 +38471,21 @@
                 <a:gridCol w="1840379">
                   <a:extLst>
                     <a:ext uri="{9D8B030D-6E8A-4147-A177-3AD203B41FA5}">
-                      <a16:colId xmlns:a16="http://schemas.microsoft.com/office/drawing/2014/main" val="2352134718"/>
+                      <a16:colId xmlns:a16="http://schemas.microsoft.com/office/drawing/2014/main" xmlns="" val="2352134718"/>
                     </a:ext>
                   </a:extLst>
                 </a:gridCol>
                 <a:gridCol w="7848151">
                   <a:extLst>
                     <a:ext uri="{9D8B030D-6E8A-4147-A177-3AD203B41FA5}">
-                      <a16:colId xmlns:a16="http://schemas.microsoft.com/office/drawing/2014/main" val="3164436195"/>
+                      <a16:colId xmlns:a16="http://schemas.microsoft.com/office/drawing/2014/main" xmlns="" val="3164436195"/>
                     </a:ext>
                   </a:extLst>
                 </a:gridCol>
                 <a:gridCol w="1900717">
                   <a:extLst>
                     <a:ext uri="{9D8B030D-6E8A-4147-A177-3AD203B41FA5}">
-                      <a16:colId xmlns:a16="http://schemas.microsoft.com/office/drawing/2014/main" val="422164040"/>
+                      <a16:colId xmlns:a16="http://schemas.microsoft.com/office/drawing/2014/main" xmlns="" val="422164040"/>
                     </a:ext>
                   </a:extLst>
                 </a:gridCol>
@@ -39053,7 +38689,7 @@
                 </a:tc>
                 <a:extLst>
                   <a:ext uri="{0D108BD9-81ED-4DB2-BD59-A6C34878D82A}">
-                    <a16:rowId xmlns:a16="http://schemas.microsoft.com/office/drawing/2014/main" val="3570632641"/>
+                    <a16:rowId xmlns:a16="http://schemas.microsoft.com/office/drawing/2014/main" xmlns="" val="3570632641"/>
                   </a:ext>
                 </a:extLst>
               </a:tr>
@@ -39195,6 +38831,10 @@
                         <a:rPr lang="en-GB" sz="1600" dirty="0" err="1"/>
                         <a:t>Barbi</a:t>
                       </a:r>
+                      <a:r>
+                        <a:rPr lang="en-GB" sz="1600" dirty="0"/>
+                        <a:t/>
+                      </a:r>
                       <a:br>
                         <a:rPr lang="en-GB" sz="1600" dirty="0"/>
                       </a:br>
@@ -39257,7 +38897,7 @@
                 </a:tc>
                 <a:extLst>
                   <a:ext uri="{0D108BD9-81ED-4DB2-BD59-A6C34878D82A}">
-                    <a16:rowId xmlns:a16="http://schemas.microsoft.com/office/drawing/2014/main" val="2595504873"/>
+                    <a16:rowId xmlns:a16="http://schemas.microsoft.com/office/drawing/2014/main" xmlns="" val="2595504873"/>
                   </a:ext>
                 </a:extLst>
               </a:tr>
@@ -39270,7 +38910,7 @@
           <p:cNvPr id="10" name="Table 4">
             <a:extLst>
               <a:ext uri="{FF2B5EF4-FFF2-40B4-BE49-F238E27FC236}">
-                <a16:creationId xmlns:a16="http://schemas.microsoft.com/office/drawing/2014/main" id="{E04C80DE-6A26-5CE4-A3BE-B287E47340EE}"/>
+                <a16:creationId xmlns:a16="http://schemas.microsoft.com/office/drawing/2014/main" xmlns="" id="{E04C80DE-6A26-5CE4-A3BE-B287E47340EE}"/>
               </a:ext>
             </a:extLst>
           </p:cNvPr>
@@ -39293,21 +38933,21 @@
                 <a:gridCol w="1840379">
                   <a:extLst>
                     <a:ext uri="{9D8B030D-6E8A-4147-A177-3AD203B41FA5}">
-                      <a16:colId xmlns:a16="http://schemas.microsoft.com/office/drawing/2014/main" val="2352134718"/>
+                      <a16:colId xmlns:a16="http://schemas.microsoft.com/office/drawing/2014/main" xmlns="" val="2352134718"/>
                     </a:ext>
                   </a:extLst>
                 </a:gridCol>
                 <a:gridCol w="7848151">
                   <a:extLst>
                     <a:ext uri="{9D8B030D-6E8A-4147-A177-3AD203B41FA5}">
-                      <a16:colId xmlns:a16="http://schemas.microsoft.com/office/drawing/2014/main" val="3164436195"/>
+                      <a16:colId xmlns:a16="http://schemas.microsoft.com/office/drawing/2014/main" xmlns="" val="3164436195"/>
                     </a:ext>
                   </a:extLst>
                 </a:gridCol>
                 <a:gridCol w="1900717">
                   <a:extLst>
                     <a:ext uri="{9D8B030D-6E8A-4147-A177-3AD203B41FA5}">
-                      <a16:colId xmlns:a16="http://schemas.microsoft.com/office/drawing/2014/main" val="422164040"/>
+                      <a16:colId xmlns:a16="http://schemas.microsoft.com/office/drawing/2014/main" xmlns="" val="422164040"/>
                     </a:ext>
                   </a:extLst>
                 </a:gridCol>
@@ -39645,7 +39285,7 @@
                 </a:tc>
                 <a:extLst>
                   <a:ext uri="{0D108BD9-81ED-4DB2-BD59-A6C34878D82A}">
-                    <a16:rowId xmlns:a16="http://schemas.microsoft.com/office/drawing/2014/main" val="2388485096"/>
+                    <a16:rowId xmlns:a16="http://schemas.microsoft.com/office/drawing/2014/main" xmlns="" val="2388485096"/>
                   </a:ext>
                 </a:extLst>
               </a:tr>
@@ -39658,7 +39298,7 @@
           <p:cNvPr id="11" name="Table 4">
             <a:extLst>
               <a:ext uri="{FF2B5EF4-FFF2-40B4-BE49-F238E27FC236}">
-                <a16:creationId xmlns:a16="http://schemas.microsoft.com/office/drawing/2014/main" id="{0E76D31D-A97A-025C-6AF1-7BB5722B9993}"/>
+                <a16:creationId xmlns:a16="http://schemas.microsoft.com/office/drawing/2014/main" xmlns="" id="{0E76D31D-A97A-025C-6AF1-7BB5722B9993}"/>
               </a:ext>
             </a:extLst>
           </p:cNvPr>
@@ -39681,21 +39321,21 @@
                 <a:gridCol w="1840379">
                   <a:extLst>
                     <a:ext uri="{9D8B030D-6E8A-4147-A177-3AD203B41FA5}">
-                      <a16:colId xmlns:a16="http://schemas.microsoft.com/office/drawing/2014/main" val="2352134718"/>
+                      <a16:colId xmlns:a16="http://schemas.microsoft.com/office/drawing/2014/main" xmlns="" val="2352134718"/>
                     </a:ext>
                   </a:extLst>
                 </a:gridCol>
                 <a:gridCol w="7848151">
                   <a:extLst>
                     <a:ext uri="{9D8B030D-6E8A-4147-A177-3AD203B41FA5}">
-                      <a16:colId xmlns:a16="http://schemas.microsoft.com/office/drawing/2014/main" val="3164436195"/>
+                      <a16:colId xmlns:a16="http://schemas.microsoft.com/office/drawing/2014/main" xmlns="" val="3164436195"/>
                     </a:ext>
                   </a:extLst>
                 </a:gridCol>
                 <a:gridCol w="1900717">
                   <a:extLst>
                     <a:ext uri="{9D8B030D-6E8A-4147-A177-3AD203B41FA5}">
-                      <a16:colId xmlns:a16="http://schemas.microsoft.com/office/drawing/2014/main" val="422164040"/>
+                      <a16:colId xmlns:a16="http://schemas.microsoft.com/office/drawing/2014/main" xmlns="" val="422164040"/>
                     </a:ext>
                   </a:extLst>
                 </a:gridCol>
@@ -40065,7 +39705,7 @@
                 </a:tc>
                 <a:extLst>
                   <a:ext uri="{0D108BD9-81ED-4DB2-BD59-A6C34878D82A}">
-                    <a16:rowId xmlns:a16="http://schemas.microsoft.com/office/drawing/2014/main" val="2137410339"/>
+                    <a16:rowId xmlns:a16="http://schemas.microsoft.com/office/drawing/2014/main" xmlns="" val="2137410339"/>
                   </a:ext>
                 </a:extLst>
               </a:tr>
@@ -40078,7 +39718,7 @@
           <p:cNvPr id="7" name="TextBox 6">
             <a:extLst>
               <a:ext uri="{FF2B5EF4-FFF2-40B4-BE49-F238E27FC236}">
-                <a16:creationId xmlns:a16="http://schemas.microsoft.com/office/drawing/2014/main" id="{024E46EA-DF6A-D5E3-DEF6-8DB7EBF6905D}"/>
+                <a16:creationId xmlns:a16="http://schemas.microsoft.com/office/drawing/2014/main" xmlns="" id="{024E46EA-DF6A-D5E3-DEF6-8DB7EBF6905D}"/>
               </a:ext>
             </a:extLst>
           </p:cNvPr>
@@ -40119,7 +39759,7 @@
           <p:cNvPr id="5" name="TextBox 4">
             <a:extLst>
               <a:ext uri="{FF2B5EF4-FFF2-40B4-BE49-F238E27FC236}">
-                <a16:creationId xmlns:a16="http://schemas.microsoft.com/office/drawing/2014/main" id="{6D0C701B-BBB0-F751-6975-160B59712296}"/>
+                <a16:creationId xmlns:a16="http://schemas.microsoft.com/office/drawing/2014/main" xmlns="" id="{6D0C701B-BBB0-F751-6975-160B59712296}"/>
               </a:ext>
             </a:extLst>
           </p:cNvPr>
@@ -40160,7 +39800,7 @@
           <p:cNvPr id="9" name="TextBox 8">
             <a:extLst>
               <a:ext uri="{FF2B5EF4-FFF2-40B4-BE49-F238E27FC236}">
-                <a16:creationId xmlns:a16="http://schemas.microsoft.com/office/drawing/2014/main" id="{9682E750-208E-9DEC-5FF7-142882D5FD9B}"/>
+                <a16:creationId xmlns:a16="http://schemas.microsoft.com/office/drawing/2014/main" xmlns="" id="{9682E750-208E-9DEC-5FF7-142882D5FD9B}"/>
               </a:ext>
             </a:extLst>
           </p:cNvPr>
@@ -40221,9 +39861,18 @@
           <a:p>
             <a:pPr algn="ctr"/>
             <a:r>
+              <a:rPr lang="tr-TR" sz="1000" smtClean="0"/>
+              <a:t>7 </a:t>
+            </a:r>
+            <a:r>
               <a:rPr lang="tr-TR" sz="1000"/>
-              <a:t>8 / 23</a:t>
-            </a:r>
+              <a:t>/ </a:t>
+            </a:r>
+            <a:r>
+              <a:rPr lang="tr-TR" sz="1000" smtClean="0"/>
+              <a:t>22</a:t>
+            </a:r>
+            <a:endParaRPr lang="tr-TR" sz="1000"/>
           </a:p>
         </p:txBody>
       </p:sp>
@@ -40240,7 +39889,7 @@
 </p:sld>
 </file>
 
-<file path=ppt/slides/slide9.xml><?xml version="1.0" encoding="utf-8"?>
+<file path=ppt/slides/slide8.xml><?xml version="1.0" encoding="utf-8"?>
 <p:sld xmlns:a="http://schemas.openxmlformats.org/drawingml/2006/main" xmlns:r="http://schemas.openxmlformats.org/officeDocument/2006/relationships" xmlns:p="http://schemas.openxmlformats.org/presentationml/2006/main">
   <p:cSld>
     <p:spTree>
@@ -40262,7 +39911,7 @@
           <p:cNvPr id="7" name="Table 4">
             <a:extLst>
               <a:ext uri="{FF2B5EF4-FFF2-40B4-BE49-F238E27FC236}">
-                <a16:creationId xmlns:a16="http://schemas.microsoft.com/office/drawing/2014/main" id="{E7E66515-F1DE-178E-A84A-B5FCB0CB9A6E}"/>
+                <a16:creationId xmlns:a16="http://schemas.microsoft.com/office/drawing/2014/main" xmlns="" id="{E7E66515-F1DE-178E-A84A-B5FCB0CB9A6E}"/>
               </a:ext>
             </a:extLst>
           </p:cNvPr>
@@ -40285,21 +39934,21 @@
                 <a:gridCol w="1840379">
                   <a:extLst>
                     <a:ext uri="{9D8B030D-6E8A-4147-A177-3AD203B41FA5}">
-                      <a16:colId xmlns:a16="http://schemas.microsoft.com/office/drawing/2014/main" val="2352134718"/>
+                      <a16:colId xmlns:a16="http://schemas.microsoft.com/office/drawing/2014/main" xmlns="" val="2352134718"/>
                     </a:ext>
                   </a:extLst>
                 </a:gridCol>
                 <a:gridCol w="7848151">
                   <a:extLst>
                     <a:ext uri="{9D8B030D-6E8A-4147-A177-3AD203B41FA5}">
-                      <a16:colId xmlns:a16="http://schemas.microsoft.com/office/drawing/2014/main" val="3164436195"/>
+                      <a16:colId xmlns:a16="http://schemas.microsoft.com/office/drawing/2014/main" xmlns="" val="3164436195"/>
                     </a:ext>
                   </a:extLst>
                 </a:gridCol>
                 <a:gridCol w="1900717">
                   <a:extLst>
                     <a:ext uri="{9D8B030D-6E8A-4147-A177-3AD203B41FA5}">
-                      <a16:colId xmlns:a16="http://schemas.microsoft.com/office/drawing/2014/main" val="422164040"/>
+                      <a16:colId xmlns:a16="http://schemas.microsoft.com/office/drawing/2014/main" xmlns="" val="422164040"/>
                     </a:ext>
                   </a:extLst>
                 </a:gridCol>
@@ -40400,6 +40049,14 @@
                         </a:rPr>
                         <a:t>offline coupling</a:t>
                       </a:r>
+                      <a:r>
+                        <a:rPr lang="en-GB" sz="1600" b="0" dirty="0">
+                          <a:solidFill>
+                            <a:schemeClr val="tx1"/>
+                          </a:solidFill>
+                        </a:rPr>
+                        <a:t/>
+                      </a:r>
                       <a:br>
                         <a:rPr lang="en-GB" sz="1600" b="0" dirty="0">
                           <a:solidFill>
@@ -40422,6 +40079,14 @@
                           </a:solidFill>
                         </a:rPr>
                         <a:t>VILMA-PISM</a:t>
+                      </a:r>
+                      <a:r>
+                        <a:rPr lang="en-GB" sz="1600" b="0" dirty="0">
+                          <a:solidFill>
+                            <a:schemeClr val="tx1"/>
+                          </a:solidFill>
+                        </a:rPr>
+                        <a:t/>
                       </a:r>
                       <a:br>
                         <a:rPr lang="en-GB" sz="1600" b="0" dirty="0">
@@ -40568,6 +40233,14 @@
                         </a:rPr>
                         <a:t>Barbi</a:t>
                       </a:r>
+                      <a:r>
+                        <a:rPr lang="en-GB" sz="1600" b="0" dirty="0">
+                          <a:solidFill>
+                            <a:schemeClr val="tx1"/>
+                          </a:solidFill>
+                        </a:rPr>
+                        <a:t/>
+                      </a:r>
                       <a:br>
                         <a:rPr lang="en-GB" sz="1600" b="0" dirty="0">
                           <a:solidFill>
@@ -40620,6 +40293,14 @@
                           </a:solidFill>
                         </a:rPr>
                         <a:t>Gierz</a:t>
+                      </a:r>
+                      <a:r>
+                        <a:rPr lang="en-GB" sz="1600" b="0" dirty="0">
+                          <a:solidFill>
+                            <a:schemeClr val="tx1"/>
+                          </a:solidFill>
+                        </a:rPr>
+                        <a:t/>
                       </a:r>
                       <a:br>
                         <a:rPr lang="en-GB" sz="1600" b="0" dirty="0">
@@ -40703,7 +40384,7 @@
                 </a:tc>
                 <a:extLst>
                   <a:ext uri="{0D108BD9-81ED-4DB2-BD59-A6C34878D82A}">
-                    <a16:rowId xmlns:a16="http://schemas.microsoft.com/office/drawing/2014/main" val="2595504873"/>
+                    <a16:rowId xmlns:a16="http://schemas.microsoft.com/office/drawing/2014/main" xmlns="" val="2595504873"/>
                   </a:ext>
                 </a:extLst>
               </a:tr>
@@ -40716,7 +40397,7 @@
           <p:cNvPr id="8" name="Table 4">
             <a:extLst>
               <a:ext uri="{FF2B5EF4-FFF2-40B4-BE49-F238E27FC236}">
-                <a16:creationId xmlns:a16="http://schemas.microsoft.com/office/drawing/2014/main" id="{CFFB52C9-14BB-C781-81A9-99BB8BD40080}"/>
+                <a16:creationId xmlns:a16="http://schemas.microsoft.com/office/drawing/2014/main" xmlns="" id="{CFFB52C9-14BB-C781-81A9-99BB8BD40080}"/>
               </a:ext>
             </a:extLst>
           </p:cNvPr>
@@ -40739,21 +40420,21 @@
                 <a:gridCol w="1840379">
                   <a:extLst>
                     <a:ext uri="{9D8B030D-6E8A-4147-A177-3AD203B41FA5}">
-                      <a16:colId xmlns:a16="http://schemas.microsoft.com/office/drawing/2014/main" val="2352134718"/>
+                      <a16:colId xmlns:a16="http://schemas.microsoft.com/office/drawing/2014/main" xmlns="" val="2352134718"/>
                     </a:ext>
                   </a:extLst>
                 </a:gridCol>
                 <a:gridCol w="7848151">
                   <a:extLst>
                     <a:ext uri="{9D8B030D-6E8A-4147-A177-3AD203B41FA5}">
-                      <a16:colId xmlns:a16="http://schemas.microsoft.com/office/drawing/2014/main" val="3164436195"/>
+                      <a16:colId xmlns:a16="http://schemas.microsoft.com/office/drawing/2014/main" xmlns="" val="3164436195"/>
                     </a:ext>
                   </a:extLst>
                 </a:gridCol>
                 <a:gridCol w="1900717">
                   <a:extLst>
                     <a:ext uri="{9D8B030D-6E8A-4147-A177-3AD203B41FA5}">
-                      <a16:colId xmlns:a16="http://schemas.microsoft.com/office/drawing/2014/main" val="422164040"/>
+                      <a16:colId xmlns:a16="http://schemas.microsoft.com/office/drawing/2014/main" xmlns="" val="422164040"/>
                     </a:ext>
                   </a:extLst>
                 </a:gridCol>
@@ -41086,7 +40767,7 @@
                 </a:tc>
                 <a:extLst>
                   <a:ext uri="{0D108BD9-81ED-4DB2-BD59-A6C34878D82A}">
-                    <a16:rowId xmlns:a16="http://schemas.microsoft.com/office/drawing/2014/main" val="2388485096"/>
+                    <a16:rowId xmlns:a16="http://schemas.microsoft.com/office/drawing/2014/main" xmlns="" val="2388485096"/>
                   </a:ext>
                 </a:extLst>
               </a:tr>
@@ -41180,7 +40861,7 @@
           <p:cNvPr id="4" name="Table 4">
             <a:extLst>
               <a:ext uri="{FF2B5EF4-FFF2-40B4-BE49-F238E27FC236}">
-                <a16:creationId xmlns:a16="http://schemas.microsoft.com/office/drawing/2014/main" id="{20D35D03-D121-9498-2C51-A5A349E647E3}"/>
+                <a16:creationId xmlns:a16="http://schemas.microsoft.com/office/drawing/2014/main" xmlns="" id="{20D35D03-D121-9498-2C51-A5A349E647E3}"/>
               </a:ext>
             </a:extLst>
           </p:cNvPr>
@@ -41203,21 +40884,21 @@
                 <a:gridCol w="1840379">
                   <a:extLst>
                     <a:ext uri="{9D8B030D-6E8A-4147-A177-3AD203B41FA5}">
-                      <a16:colId xmlns:a16="http://schemas.microsoft.com/office/drawing/2014/main" val="2352134718"/>
+                      <a16:colId xmlns:a16="http://schemas.microsoft.com/office/drawing/2014/main" xmlns="" val="2352134718"/>
                     </a:ext>
                   </a:extLst>
                 </a:gridCol>
                 <a:gridCol w="7848151">
                   <a:extLst>
                     <a:ext uri="{9D8B030D-6E8A-4147-A177-3AD203B41FA5}">
-                      <a16:colId xmlns:a16="http://schemas.microsoft.com/office/drawing/2014/main" val="3164436195"/>
+                      <a16:colId xmlns:a16="http://schemas.microsoft.com/office/drawing/2014/main" xmlns="" val="3164436195"/>
                     </a:ext>
                   </a:extLst>
                 </a:gridCol>
                 <a:gridCol w="1900717">
                   <a:extLst>
                     <a:ext uri="{9D8B030D-6E8A-4147-A177-3AD203B41FA5}">
-                      <a16:colId xmlns:a16="http://schemas.microsoft.com/office/drawing/2014/main" val="422164040"/>
+                      <a16:colId xmlns:a16="http://schemas.microsoft.com/office/drawing/2014/main" xmlns="" val="422164040"/>
                     </a:ext>
                   </a:extLst>
                 </a:gridCol>
@@ -41401,7 +41082,7 @@
                 </a:tc>
                 <a:extLst>
                   <a:ext uri="{0D108BD9-81ED-4DB2-BD59-A6C34878D82A}">
-                    <a16:rowId xmlns:a16="http://schemas.microsoft.com/office/drawing/2014/main" val="3570632641"/>
+                    <a16:rowId xmlns:a16="http://schemas.microsoft.com/office/drawing/2014/main" xmlns="" val="3570632641"/>
                   </a:ext>
                 </a:extLst>
               </a:tr>
@@ -41414,7 +41095,7 @@
           <p:cNvPr id="5" name="TextBox 4">
             <a:extLst>
               <a:ext uri="{FF2B5EF4-FFF2-40B4-BE49-F238E27FC236}">
-                <a16:creationId xmlns:a16="http://schemas.microsoft.com/office/drawing/2014/main" id="{88301DF9-28A3-4B00-8591-B5926CDE80E7}"/>
+                <a16:creationId xmlns:a16="http://schemas.microsoft.com/office/drawing/2014/main" xmlns="" id="{88301DF9-28A3-4B00-8591-B5926CDE80E7}"/>
               </a:ext>
             </a:extLst>
           </p:cNvPr>
@@ -41455,7 +41136,7 @@
           <p:cNvPr id="6" name="TextBox 5">
             <a:extLst>
               <a:ext uri="{FF2B5EF4-FFF2-40B4-BE49-F238E27FC236}">
-                <a16:creationId xmlns:a16="http://schemas.microsoft.com/office/drawing/2014/main" id="{A1A58AFB-4019-4190-3951-5A0E14B40F76}"/>
+                <a16:creationId xmlns:a16="http://schemas.microsoft.com/office/drawing/2014/main" xmlns="" id="{A1A58AFB-4019-4190-3951-5A0E14B40F76}"/>
               </a:ext>
             </a:extLst>
           </p:cNvPr>
@@ -41516,9 +41197,18 @@
           <a:p>
             <a:pPr algn="ctr"/>
             <a:r>
+              <a:rPr lang="tr-TR" sz="1000" smtClean="0"/>
+              <a:t>8 </a:t>
+            </a:r>
+            <a:r>
               <a:rPr lang="tr-TR" sz="1000"/>
-              <a:t>9 / 23</a:t>
-            </a:r>
+              <a:t>/ </a:t>
+            </a:r>
+            <a:r>
+              <a:rPr lang="tr-TR" sz="1000" smtClean="0"/>
+              <a:t>22</a:t>
+            </a:r>
+            <a:endParaRPr lang="tr-TR" sz="1000"/>
           </a:p>
         </p:txBody>
       </p:sp>
@@ -41526,6 +41216,263 @@
     <p:extLst>
       <p:ext uri="{BB962C8B-B14F-4D97-AF65-F5344CB8AC3E}">
         <p14:creationId xmlns:p14="http://schemas.microsoft.com/office/powerpoint/2010/main" val="585899138"/>
+      </p:ext>
+    </p:extLst>
+  </p:cSld>
+  <p:clrMapOvr>
+    <a:masterClrMapping/>
+  </p:clrMapOvr>
+</p:sld>
+</file>
+
+<file path=ppt/slides/slide9.xml><?xml version="1.0" encoding="utf-8"?>
+<p:sld xmlns:a="http://schemas.openxmlformats.org/drawingml/2006/main" xmlns:r="http://schemas.openxmlformats.org/officeDocument/2006/relationships" xmlns:p="http://schemas.openxmlformats.org/presentationml/2006/main">
+  <p:cSld>
+    <p:spTree>
+      <p:nvGrpSpPr>
+        <p:cNvPr id="1" name=""/>
+        <p:cNvGrpSpPr/>
+        <p:nvPr/>
+      </p:nvGrpSpPr>
+      <p:grpSpPr>
+        <a:xfrm>
+          <a:off x="0" y="0"/>
+          <a:ext cx="0" cy="0"/>
+          <a:chOff x="0" y="0"/>
+          <a:chExt cx="0" cy="0"/>
+        </a:xfrm>
+      </p:grpSpPr>
+      <p:sp>
+        <p:nvSpPr>
+          <p:cNvPr id="4" name="Rectangle 3"/>
+          <p:cNvSpPr/>
+          <p:nvPr/>
+        </p:nvSpPr>
+        <p:spPr>
+          <a:xfrm>
+            <a:off x="0" y="2265899"/>
+            <a:ext cx="12192000" cy="2326203"/>
+          </a:xfrm>
+          <a:prstGeom prst="rect">
+            <a:avLst/>
+          </a:prstGeom>
+          <a:solidFill>
+            <a:srgbClr val="00ACE6"/>
+          </a:solidFill>
+          <a:ln>
+            <a:noFill/>
+          </a:ln>
+        </p:spPr>
+        <p:style>
+          <a:lnRef idx="2">
+            <a:schemeClr val="accent1">
+              <a:shade val="50000"/>
+            </a:schemeClr>
+          </a:lnRef>
+          <a:fillRef idx="1">
+            <a:schemeClr val="accent1"/>
+          </a:fillRef>
+          <a:effectRef idx="0">
+            <a:schemeClr val="accent1"/>
+          </a:effectRef>
+          <a:fontRef idx="minor">
+            <a:schemeClr val="lt1"/>
+          </a:fontRef>
+        </p:style>
+        <p:txBody>
+          <a:bodyPr rtlCol="0" anchor="ctr"/>
+          <a:lstStyle/>
+          <a:p>
+            <a:pPr algn="ctr"/>
+            <a:r>
+              <a:rPr lang="tr-TR" sz="4800" b="1">
+                <a:solidFill>
+                  <a:prstClr val="white"/>
+                </a:solidFill>
+              </a:rPr>
+              <a:t> </a:t>
+            </a:r>
+          </a:p>
+          <a:p>
+            <a:pPr algn="ctr"/>
+            <a:r>
+              <a:rPr lang="tr-TR" sz="4800" b="1">
+                <a:solidFill>
+                  <a:prstClr val="white"/>
+                </a:solidFill>
+              </a:rPr>
+              <a:t>What are ESM-Tools?</a:t>
+            </a:r>
+          </a:p>
+        </p:txBody>
+      </p:sp>
+      <p:sp>
+        <p:nvSpPr>
+          <p:cNvPr id="6" name="Oval 5"/>
+          <p:cNvSpPr/>
+          <p:nvPr/>
+        </p:nvSpPr>
+        <p:spPr>
+          <a:xfrm>
+            <a:off x="5747497" y="2590943"/>
+            <a:ext cx="697006" cy="697006"/>
+          </a:xfrm>
+          <a:prstGeom prst="ellipse">
+            <a:avLst/>
+          </a:prstGeom>
+          <a:solidFill>
+            <a:schemeClr val="bg1"/>
+          </a:solidFill>
+          <a:ln>
+            <a:noFill/>
+          </a:ln>
+        </p:spPr>
+        <p:style>
+          <a:lnRef idx="2">
+            <a:schemeClr val="accent1">
+              <a:shade val="50000"/>
+            </a:schemeClr>
+          </a:lnRef>
+          <a:fillRef idx="1">
+            <a:schemeClr val="accent1"/>
+          </a:fillRef>
+          <a:effectRef idx="0">
+            <a:schemeClr val="accent1"/>
+          </a:effectRef>
+          <a:fontRef idx="minor">
+            <a:schemeClr val="lt1"/>
+          </a:fontRef>
+        </p:style>
+        <p:txBody>
+          <a:bodyPr rtlCol="0" anchor="ctr"/>
+          <a:lstStyle/>
+          <a:p>
+            <a:pPr algn="ctr"/>
+            <a:r>
+              <a:rPr lang="tr-TR" sz="4800" b="1">
+                <a:solidFill>
+                  <a:srgbClr val="00ACE6"/>
+                </a:solidFill>
+              </a:rPr>
+              <a:t>1</a:t>
+            </a:r>
+          </a:p>
+        </p:txBody>
+      </p:sp>
+      <p:sp>
+        <p:nvSpPr>
+          <p:cNvPr id="7" name="Rectangle 6"/>
+          <p:cNvSpPr/>
+          <p:nvPr/>
+        </p:nvSpPr>
+        <p:spPr>
+          <a:xfrm>
+            <a:off x="2945860" y="5032911"/>
+            <a:ext cx="5327515" cy="1323439"/>
+          </a:xfrm>
+          <a:prstGeom prst="rect">
+            <a:avLst/>
+          </a:prstGeom>
+        </p:spPr>
+        <p:txBody>
+          <a:bodyPr wrap="square">
+            <a:spAutoFit/>
+          </a:bodyPr>
+          <a:lstStyle/>
+          <a:p>
+            <a:pPr lvl="1"/>
+            <a:r>
+              <a:rPr lang="tr-TR" sz="2000">
+                <a:solidFill>
+                  <a:srgbClr val="00ACE6"/>
+                </a:solidFill>
+              </a:rPr>
+              <a:t>Motivation &amp; Aim</a:t>
+            </a:r>
+          </a:p>
+          <a:p>
+            <a:pPr lvl="1"/>
+            <a:r>
+              <a:rPr lang="tr-TR" sz="2000">
+                <a:solidFill>
+                  <a:srgbClr val="00ACE6"/>
+                </a:solidFill>
+              </a:rPr>
+              <a:t>Advantages</a:t>
+            </a:r>
+          </a:p>
+          <a:p>
+            <a:pPr lvl="1"/>
+            <a:r>
+              <a:rPr lang="tr-TR" sz="2000">
+                <a:solidFill>
+                  <a:srgbClr val="00ACE6"/>
+                </a:solidFill>
+              </a:rPr>
+              <a:t>Supported systems</a:t>
+            </a:r>
+          </a:p>
+          <a:p>
+            <a:pPr lvl="1"/>
+            <a:r>
+              <a:rPr lang="tr-TR" sz="2000">
+                <a:solidFill>
+                  <a:srgbClr val="00ACE6"/>
+                </a:solidFill>
+              </a:rPr>
+              <a:t>Repository, Documentation, Community</a:t>
+            </a:r>
+          </a:p>
+        </p:txBody>
+      </p:sp>
+      <p:sp>
+        <p:nvSpPr>
+          <p:cNvPr id="8" name="Slide Number Placeholder 4"/>
+          <p:cNvSpPr>
+            <a:spLocks noGrp="1"/>
+          </p:cNvSpPr>
+          <p:nvPr>
+            <p:ph type="sldNum" sz="quarter" idx="12"/>
+          </p:nvPr>
+        </p:nvSpPr>
+        <p:spPr>
+          <a:xfrm>
+            <a:off x="11623040" y="6485550"/>
+            <a:ext cx="568960" cy="372450"/>
+          </a:xfrm>
+          <a:solidFill>
+            <a:schemeClr val="bg2"/>
+          </a:solidFill>
+        </p:spPr>
+        <p:txBody>
+          <a:bodyPr/>
+          <a:lstStyle/>
+          <a:p>
+            <a:pPr algn="ctr"/>
+            <a:r>
+              <a:rPr lang="tr-TR" sz="1000"/>
+              <a:t>9</a:t>
+            </a:r>
+            <a:r>
+              <a:rPr lang="tr-TR" sz="1000" smtClean="0"/>
+              <a:t> </a:t>
+            </a:r>
+            <a:r>
+              <a:rPr lang="tr-TR" sz="1000"/>
+              <a:t>/ </a:t>
+            </a:r>
+            <a:r>
+              <a:rPr lang="tr-TR" sz="1000" smtClean="0"/>
+              <a:t>22</a:t>
+            </a:r>
+            <a:endParaRPr lang="tr-TR" sz="1000"/>
+          </a:p>
+        </p:txBody>
+      </p:sp>
+    </p:spTree>
+    <p:extLst>
+      <p:ext uri="{BB962C8B-B14F-4D97-AF65-F5344CB8AC3E}">
+        <p14:creationId xmlns:p14="http://schemas.microsoft.com/office/powerpoint/2010/main" val="2094205036"/>
       </p:ext>
     </p:extLst>
   </p:cSld>
